--- a/svk/Prezentacia.pptx
+++ b/svk/Prezentacia.pptx
@@ -5,7 +5,7 @@
     <p:sldMasterId id="2147483674" r:id="rId4"/>
   </p:sldMasterIdLst>
   <p:notesMasterIdLst>
-    <p:notesMasterId r:id="rId12"/>
+    <p:notesMasterId r:id="rId21"/>
   </p:notesMasterIdLst>
   <p:sldIdLst>
     <p:sldId id="256" r:id="rId5"/>
@@ -14,7 +14,16 @@
     <p:sldId id="279" r:id="rId8"/>
     <p:sldId id="281" r:id="rId9"/>
     <p:sldId id="283" r:id="rId10"/>
-    <p:sldId id="275" r:id="rId11"/>
+    <p:sldId id="284" r:id="rId11"/>
+    <p:sldId id="292" r:id="rId12"/>
+    <p:sldId id="285" r:id="rId13"/>
+    <p:sldId id="286" r:id="rId14"/>
+    <p:sldId id="287" r:id="rId15"/>
+    <p:sldId id="288" r:id="rId16"/>
+    <p:sldId id="289" r:id="rId17"/>
+    <p:sldId id="290" r:id="rId18"/>
+    <p:sldId id="275" r:id="rId19"/>
+    <p:sldId id="291" r:id="rId20"/>
   </p:sldIdLst>
   <p:sldSz cx="12192000" cy="6858000"/>
   <p:notesSz cx="6858000" cy="9144000"/>
@@ -124,7 +133,16 @@
             <p14:sldId id="279"/>
             <p14:sldId id="281"/>
             <p14:sldId id="283"/>
+            <p14:sldId id="284"/>
+            <p14:sldId id="292"/>
+            <p14:sldId id="285"/>
+            <p14:sldId id="286"/>
+            <p14:sldId id="287"/>
+            <p14:sldId id="288"/>
+            <p14:sldId id="289"/>
+            <p14:sldId id="290"/>
             <p14:sldId id="275"/>
+            <p14:sldId id="291"/>
           </p14:sldIdLst>
         </p14:section>
       </p14:sectionLst>
@@ -1031,10 +1049,10 @@
         <a:lstStyle/>
         <a:p>
           <a:r>
-            <a:rPr lang="sk-SK" dirty="0" err="1"/>
+            <a:rPr lang="en-US" noProof="0" dirty="0" smtClean="0"/>
             <a:t>Cloud</a:t>
           </a:r>
-          <a:endParaRPr lang="sk-SK" dirty="0"/>
+          <a:endParaRPr lang="en-US" noProof="0" dirty="0"/>
         </a:p>
       </dgm:t>
     </dgm:pt>
@@ -1068,9 +1086,10 @@
         <a:lstStyle/>
         <a:p>
           <a:r>
-            <a:rPr lang="sk-SK" dirty="0"/>
+            <a:rPr lang="en-US" noProof="0" dirty="0" smtClean="0"/>
             <a:t>Internet</a:t>
           </a:r>
+          <a:endParaRPr lang="en-US" noProof="0" dirty="0"/>
         </a:p>
       </dgm:t>
     </dgm:pt>
@@ -1104,7 +1123,7 @@
         <a:lstStyle/>
         <a:p>
           <a:r>
-            <a:rPr lang="en-US" dirty="0">
+            <a:rPr lang="en-US" noProof="0" dirty="0" smtClean="0">
               <a:solidFill>
                 <a:schemeClr val="accent1">
                   <a:lumMod val="75000"/>
@@ -1113,7 +1132,7 @@
             </a:rPr>
             <a:t>Local processing</a:t>
           </a:r>
-          <a:endParaRPr lang="sk-SK" dirty="0">
+          <a:endParaRPr lang="en-US" noProof="0" dirty="0">
             <a:solidFill>
               <a:schemeClr val="accent1">
                 <a:lumMod val="75000"/>
@@ -1153,10 +1172,10 @@
         <a:lstStyle/>
         <a:p>
           <a:r>
-            <a:rPr lang="en-US" dirty="0"/>
+            <a:rPr lang="en-US" noProof="0" dirty="0" smtClean="0"/>
             <a:t>Local communication</a:t>
           </a:r>
-          <a:endParaRPr lang="sk-SK" dirty="0"/>
+          <a:endParaRPr lang="en-US" noProof="0" dirty="0"/>
         </a:p>
       </dgm:t>
     </dgm:pt>
@@ -1190,10 +1209,10 @@
         <a:lstStyle/>
         <a:p>
           <a:r>
-            <a:rPr lang="en-US" dirty="0"/>
+            <a:rPr lang="en-US" noProof="0" dirty="0" smtClean="0"/>
             <a:t>Sensors &amp; actuators</a:t>
           </a:r>
-          <a:endParaRPr lang="sk-SK" dirty="0"/>
+          <a:endParaRPr lang="en-US" noProof="0" dirty="0"/>
         </a:p>
       </dgm:t>
     </dgm:pt>
@@ -1247,6 +1266,13 @@
         </dgm:presLayoutVars>
       </dgm:prSet>
       <dgm:spPr/>
+      <dgm:t>
+        <a:bodyPr/>
+        <a:lstStyle/>
+        <a:p>
+          <a:endParaRPr lang="sk-SK"/>
+        </a:p>
+      </dgm:t>
     </dgm:pt>
     <dgm:pt modelId="{5EFB477E-7E5F-4587-AFF7-A40922A66AC4}" type="pres">
       <dgm:prSet presAssocID="{8F9ECBB3-C3D2-4710-9107-1B7ADD20611B}" presName="aSpace" presStyleCnt="0"/>
@@ -1259,6 +1285,13 @@
         </dgm:presLayoutVars>
       </dgm:prSet>
       <dgm:spPr/>
+      <dgm:t>
+        <a:bodyPr/>
+        <a:lstStyle/>
+        <a:p>
+          <a:endParaRPr lang="sk-SK"/>
+        </a:p>
+      </dgm:t>
     </dgm:pt>
     <dgm:pt modelId="{52CD510E-F622-4A31-99EF-BF6D8BAE2EC0}" type="pres">
       <dgm:prSet presAssocID="{1B3C64D8-E57A-4A0E-A950-D3BE08B75484}" presName="aSpace" presStyleCnt="0"/>
@@ -1271,6 +1304,13 @@
         </dgm:presLayoutVars>
       </dgm:prSet>
       <dgm:spPr/>
+      <dgm:t>
+        <a:bodyPr/>
+        <a:lstStyle/>
+        <a:p>
+          <a:endParaRPr lang="sk-SK"/>
+        </a:p>
+      </dgm:t>
     </dgm:pt>
     <dgm:pt modelId="{B53DE330-2DAD-490A-8D82-9F2B5F83B672}" type="pres">
       <dgm:prSet presAssocID="{63B6EF32-2D36-4F02-821E-2192E87EA56B}" presName="aSpace" presStyleCnt="0"/>
@@ -1283,6 +1323,13 @@
         </dgm:presLayoutVars>
       </dgm:prSet>
       <dgm:spPr/>
+      <dgm:t>
+        <a:bodyPr/>
+        <a:lstStyle/>
+        <a:p>
+          <a:endParaRPr lang="sk-SK"/>
+        </a:p>
+      </dgm:t>
     </dgm:pt>
     <dgm:pt modelId="{D1771FF7-6082-4E00-8258-2D8BB9121F72}" type="pres">
       <dgm:prSet presAssocID="{AF7844F5-2E99-4217-879B-4C02E1F2CD26}" presName="aSpace" presStyleCnt="0"/>
@@ -1295,6 +1342,13 @@
         </dgm:presLayoutVars>
       </dgm:prSet>
       <dgm:spPr/>
+      <dgm:t>
+        <a:bodyPr/>
+        <a:lstStyle/>
+        <a:p>
+          <a:endParaRPr lang="sk-SK"/>
+        </a:p>
+      </dgm:t>
     </dgm:pt>
     <dgm:pt modelId="{159E7940-882E-473C-AD11-FF168CBCC9F2}" type="pres">
       <dgm:prSet presAssocID="{E2EC0132-2DA9-4557-BFBC-A61B903E674D}" presName="aSpace" presStyleCnt="0"/>
@@ -1302,17 +1356,17 @@
     </dgm:pt>
   </dgm:ptLst>
   <dgm:cxnLst>
+    <dgm:cxn modelId="{DDEC26D6-7B1B-4F8F-960B-4A85CC5D405B}" type="presOf" srcId="{63B6EF32-2D36-4F02-821E-2192E87EA56B}" destId="{880E5A68-29C3-40EE-8B32-F50DD1003120}" srcOrd="0" destOrd="0" presId="urn:microsoft.com/office/officeart/2005/8/layout/pyramid2"/>
+    <dgm:cxn modelId="{CF394CCF-CBFD-416B-BCB5-B2A3F4132B6D}" srcId="{29A1B0BF-B19E-410D-9643-C1F8A9D86435}" destId="{63B6EF32-2D36-4F02-821E-2192E87EA56B}" srcOrd="2" destOrd="0" parTransId="{32FDD714-72A7-46B3-BDE3-7FFF0F1D3F8E}" sibTransId="{67425434-4301-47C3-8304-22745D41475C}"/>
+    <dgm:cxn modelId="{3C50AA4C-762A-490B-874E-D7473C5969D8}" srcId="{29A1B0BF-B19E-410D-9643-C1F8A9D86435}" destId="{AF7844F5-2E99-4217-879B-4C02E1F2CD26}" srcOrd="3" destOrd="0" parTransId="{482390CB-3BF5-4F32-A912-DDE3E60EF0D6}" sibTransId="{925BCF1F-2102-464F-8BBD-A7BAFC45640D}"/>
+    <dgm:cxn modelId="{D467FCD1-EF2A-4797-9225-E708726ACCC7}" srcId="{29A1B0BF-B19E-410D-9643-C1F8A9D86435}" destId="{E2EC0132-2DA9-4557-BFBC-A61B903E674D}" srcOrd="4" destOrd="0" parTransId="{ED5ADC15-AC2A-478A-A9E0-CCCD0DE628A6}" sibTransId="{69235D5F-0BF3-4BBD-9DF8-ABC743D72DD9}"/>
+    <dgm:cxn modelId="{349C30A1-B5AD-4EC6-8434-C3DE13FC04AC}" srcId="{29A1B0BF-B19E-410D-9643-C1F8A9D86435}" destId="{1B3C64D8-E57A-4A0E-A950-D3BE08B75484}" srcOrd="1" destOrd="0" parTransId="{0843C16D-F79F-4139-AA23-81FF0071E095}" sibTransId="{16D312BF-2C17-4AB7-AB2C-3C411775389D}"/>
+    <dgm:cxn modelId="{DDA24649-0560-4D9D-82FF-F768C85F0B9F}" type="presOf" srcId="{8F9ECBB3-C3D2-4710-9107-1B7ADD20611B}" destId="{B8C5B19C-6124-44E6-B4A3-FC443EB03418}" srcOrd="0" destOrd="0" presId="urn:microsoft.com/office/officeart/2005/8/layout/pyramid2"/>
+    <dgm:cxn modelId="{D4FEAAB2-4175-4ED2-8C20-5451F94A62C5}" type="presOf" srcId="{1B3C64D8-E57A-4A0E-A950-D3BE08B75484}" destId="{B6E9DF99-9C52-4330-8A1A-F09A04284FD0}" srcOrd="0" destOrd="0" presId="urn:microsoft.com/office/officeart/2005/8/layout/pyramid2"/>
+    <dgm:cxn modelId="{7187A749-DB84-4D13-8BF5-6E1F780C7DE2}" type="presOf" srcId="{29A1B0BF-B19E-410D-9643-C1F8A9D86435}" destId="{35EFFE55-1A42-4D19-AEF7-A98A46BB3F6F}" srcOrd="0" destOrd="0" presId="urn:microsoft.com/office/officeart/2005/8/layout/pyramid2"/>
     <dgm:cxn modelId="{C5E9F82A-1BFD-4A86-89AF-23BD6000683D}" type="presOf" srcId="{AF7844F5-2E99-4217-879B-4C02E1F2CD26}" destId="{BA728CFA-C96E-4474-862A-62450375ED26}" srcOrd="0" destOrd="0" presId="urn:microsoft.com/office/officeart/2005/8/layout/pyramid2"/>
-    <dgm:cxn modelId="{DDA24649-0560-4D9D-82FF-F768C85F0B9F}" type="presOf" srcId="{8F9ECBB3-C3D2-4710-9107-1B7ADD20611B}" destId="{B8C5B19C-6124-44E6-B4A3-FC443EB03418}" srcOrd="0" destOrd="0" presId="urn:microsoft.com/office/officeart/2005/8/layout/pyramid2"/>
-    <dgm:cxn modelId="{7187A749-DB84-4D13-8BF5-6E1F780C7DE2}" type="presOf" srcId="{29A1B0BF-B19E-410D-9643-C1F8A9D86435}" destId="{35EFFE55-1A42-4D19-AEF7-A98A46BB3F6F}" srcOrd="0" destOrd="0" presId="urn:microsoft.com/office/officeart/2005/8/layout/pyramid2"/>
-    <dgm:cxn modelId="{3C50AA4C-762A-490B-874E-D7473C5969D8}" srcId="{29A1B0BF-B19E-410D-9643-C1F8A9D86435}" destId="{AF7844F5-2E99-4217-879B-4C02E1F2CD26}" srcOrd="3" destOrd="0" parTransId="{482390CB-3BF5-4F32-A912-DDE3E60EF0D6}" sibTransId="{925BCF1F-2102-464F-8BBD-A7BAFC45640D}"/>
-    <dgm:cxn modelId="{349C30A1-B5AD-4EC6-8434-C3DE13FC04AC}" srcId="{29A1B0BF-B19E-410D-9643-C1F8A9D86435}" destId="{1B3C64D8-E57A-4A0E-A950-D3BE08B75484}" srcOrd="1" destOrd="0" parTransId="{0843C16D-F79F-4139-AA23-81FF0071E095}" sibTransId="{16D312BF-2C17-4AB7-AB2C-3C411775389D}"/>
-    <dgm:cxn modelId="{D4FEAAB2-4175-4ED2-8C20-5451F94A62C5}" type="presOf" srcId="{1B3C64D8-E57A-4A0E-A950-D3BE08B75484}" destId="{B6E9DF99-9C52-4330-8A1A-F09A04284FD0}" srcOrd="0" destOrd="0" presId="urn:microsoft.com/office/officeart/2005/8/layout/pyramid2"/>
+    <dgm:cxn modelId="{967061F9-0402-4485-ABBE-01B719A1FD2C}" srcId="{29A1B0BF-B19E-410D-9643-C1F8A9D86435}" destId="{8F9ECBB3-C3D2-4710-9107-1B7ADD20611B}" srcOrd="0" destOrd="0" parTransId="{98E985EF-5153-4766-B4B2-E0BA368A3D90}" sibTransId="{5952C4F3-0679-4114-9A96-7D0EE4A8F6B9}"/>
     <dgm:cxn modelId="{0037CEBB-1B01-475E-9F5D-652D724F8F10}" type="presOf" srcId="{E2EC0132-2DA9-4557-BFBC-A61B903E674D}" destId="{1B4A8CAC-4EC1-49BF-A753-92E5BAC7218A}" srcOrd="0" destOrd="0" presId="urn:microsoft.com/office/officeart/2005/8/layout/pyramid2"/>
-    <dgm:cxn modelId="{CF394CCF-CBFD-416B-BCB5-B2A3F4132B6D}" srcId="{29A1B0BF-B19E-410D-9643-C1F8A9D86435}" destId="{63B6EF32-2D36-4F02-821E-2192E87EA56B}" srcOrd="2" destOrd="0" parTransId="{32FDD714-72A7-46B3-BDE3-7FFF0F1D3F8E}" sibTransId="{67425434-4301-47C3-8304-22745D41475C}"/>
-    <dgm:cxn modelId="{D467FCD1-EF2A-4797-9225-E708726ACCC7}" srcId="{29A1B0BF-B19E-410D-9643-C1F8A9D86435}" destId="{E2EC0132-2DA9-4557-BFBC-A61B903E674D}" srcOrd="4" destOrd="0" parTransId="{ED5ADC15-AC2A-478A-A9E0-CCCD0DE628A6}" sibTransId="{69235D5F-0BF3-4BBD-9DF8-ABC743D72DD9}"/>
-    <dgm:cxn modelId="{DDEC26D6-7B1B-4F8F-960B-4A85CC5D405B}" type="presOf" srcId="{63B6EF32-2D36-4F02-821E-2192E87EA56B}" destId="{880E5A68-29C3-40EE-8B32-F50DD1003120}" srcOrd="0" destOrd="0" presId="urn:microsoft.com/office/officeart/2005/8/layout/pyramid2"/>
-    <dgm:cxn modelId="{967061F9-0402-4485-ABBE-01B719A1FD2C}" srcId="{29A1B0BF-B19E-410D-9643-C1F8A9D86435}" destId="{8F9ECBB3-C3D2-4710-9107-1B7ADD20611B}" srcOrd="0" destOrd="0" parTransId="{98E985EF-5153-4766-B4B2-E0BA368A3D90}" sibTransId="{5952C4F3-0679-4114-9A96-7D0EE4A8F6B9}"/>
     <dgm:cxn modelId="{5AE7880B-0D8E-4649-A30D-1CDBCB6FDDD4}" type="presParOf" srcId="{35EFFE55-1A42-4D19-AEF7-A98A46BB3F6F}" destId="{82118626-A502-487D-AF01-D2D7216449FB}" srcOrd="0" destOrd="0" presId="urn:microsoft.com/office/officeart/2005/8/layout/pyramid2"/>
     <dgm:cxn modelId="{966B642D-E593-40F5-80CB-65BA6C523EA7}" type="presParOf" srcId="{35EFFE55-1A42-4D19-AEF7-A98A46BB3F6F}" destId="{A707F218-8043-46A2-BC78-11AB448B7689}" srcOrd="1" destOrd="0" presId="urn:microsoft.com/office/officeart/2005/8/layout/pyramid2"/>
     <dgm:cxn modelId="{FDAA0A9F-3FF8-4E8E-BF76-71DBC0E2BBBC}" type="presParOf" srcId="{A707F218-8043-46A2-BC78-11AB448B7689}" destId="{B8C5B19C-6124-44E6-B4A3-FC443EB03418}" srcOrd="0" destOrd="0" presId="urn:microsoft.com/office/officeart/2005/8/layout/pyramid2"/>
@@ -1454,7 +1508,7 @@
         </a:bodyPr>
         <a:lstStyle/>
         <a:p>
-          <a:pPr marL="0" lvl="0" indent="0" algn="ctr" defTabSz="1200150">
+          <a:pPr lvl="0" algn="ctr" defTabSz="1200150">
             <a:lnSpc>
               <a:spcPct val="90000"/>
             </a:lnSpc>
@@ -1464,13 +1518,12 @@
             <a:spcAft>
               <a:spcPct val="35000"/>
             </a:spcAft>
-            <a:buNone/>
           </a:pPr>
           <a:r>
-            <a:rPr lang="sk-SK" sz="2700" kern="1200" dirty="0" err="1"/>
+            <a:rPr lang="en-US" sz="2700" kern="1200" noProof="0" dirty="0" smtClean="0"/>
             <a:t>Cloud</a:t>
           </a:r>
-          <a:endParaRPr lang="sk-SK" sz="2700" kern="1200" dirty="0"/>
+          <a:endParaRPr lang="en-US" sz="2700" kern="1200" noProof="0" dirty="0"/>
         </a:p>
       </dsp:txBody>
       <dsp:txXfrm>
@@ -1532,7 +1585,7 @@
         </a:bodyPr>
         <a:lstStyle/>
         <a:p>
-          <a:pPr marL="0" lvl="0" indent="0" algn="ctr" defTabSz="1200150">
+          <a:pPr lvl="0" algn="ctr" defTabSz="1200150">
             <a:lnSpc>
               <a:spcPct val="90000"/>
             </a:lnSpc>
@@ -1542,12 +1595,12 @@
             <a:spcAft>
               <a:spcPct val="35000"/>
             </a:spcAft>
-            <a:buNone/>
           </a:pPr>
           <a:r>
-            <a:rPr lang="sk-SK" sz="2700" kern="1200" dirty="0"/>
+            <a:rPr lang="en-US" sz="2700" kern="1200" noProof="0" dirty="0" smtClean="0"/>
             <a:t>Internet</a:t>
           </a:r>
+          <a:endParaRPr lang="en-US" sz="2700" kern="1200" noProof="0" dirty="0"/>
         </a:p>
       </dsp:txBody>
       <dsp:txXfrm>
@@ -1609,7 +1662,7 @@
         </a:bodyPr>
         <a:lstStyle/>
         <a:p>
-          <a:pPr marL="0" lvl="0" indent="0" algn="ctr" defTabSz="1200150">
+          <a:pPr lvl="0" algn="ctr" defTabSz="1200150">
             <a:lnSpc>
               <a:spcPct val="90000"/>
             </a:lnSpc>
@@ -1619,10 +1672,9 @@
             <a:spcAft>
               <a:spcPct val="35000"/>
             </a:spcAft>
-            <a:buNone/>
           </a:pPr>
           <a:r>
-            <a:rPr lang="en-US" sz="2700" kern="1200" dirty="0">
+            <a:rPr lang="en-US" sz="2700" kern="1200" noProof="0" dirty="0" smtClean="0">
               <a:solidFill>
                 <a:schemeClr val="accent1">
                   <a:lumMod val="75000"/>
@@ -1631,7 +1683,7 @@
             </a:rPr>
             <a:t>Local processing</a:t>
           </a:r>
-          <a:endParaRPr lang="sk-SK" sz="2700" kern="1200" dirty="0">
+          <a:endParaRPr lang="en-US" sz="2700" kern="1200" noProof="0" dirty="0">
             <a:solidFill>
               <a:schemeClr val="accent1">
                 <a:lumMod val="75000"/>
@@ -1699,7 +1751,7 @@
         </a:bodyPr>
         <a:lstStyle/>
         <a:p>
-          <a:pPr marL="0" lvl="0" indent="0" algn="ctr" defTabSz="1200150">
+          <a:pPr lvl="0" algn="ctr" defTabSz="1200150">
             <a:lnSpc>
               <a:spcPct val="90000"/>
             </a:lnSpc>
@@ -1709,13 +1761,12 @@
             <a:spcAft>
               <a:spcPct val="35000"/>
             </a:spcAft>
-            <a:buNone/>
           </a:pPr>
           <a:r>
-            <a:rPr lang="en-US" sz="2700" kern="1200" dirty="0"/>
+            <a:rPr lang="en-US" sz="2700" kern="1200" noProof="0" dirty="0" smtClean="0"/>
             <a:t>Local communication</a:t>
           </a:r>
-          <a:endParaRPr lang="sk-SK" sz="2700" kern="1200" dirty="0"/>
+          <a:endParaRPr lang="en-US" sz="2700" kern="1200" noProof="0" dirty="0"/>
         </a:p>
       </dsp:txBody>
       <dsp:txXfrm>
@@ -1777,7 +1828,7 @@
         </a:bodyPr>
         <a:lstStyle/>
         <a:p>
-          <a:pPr marL="0" lvl="0" indent="0" algn="ctr" defTabSz="1200150">
+          <a:pPr lvl="0" algn="ctr" defTabSz="1200150">
             <a:lnSpc>
               <a:spcPct val="90000"/>
             </a:lnSpc>
@@ -1787,13 +1838,12 @@
             <a:spcAft>
               <a:spcPct val="35000"/>
             </a:spcAft>
-            <a:buNone/>
           </a:pPr>
           <a:r>
-            <a:rPr lang="en-US" sz="2700" kern="1200" dirty="0"/>
+            <a:rPr lang="en-US" sz="2700" kern="1200" noProof="0" dirty="0" smtClean="0"/>
             <a:t>Sensors &amp; actuators</a:t>
           </a:r>
-          <a:endParaRPr lang="sk-SK" sz="2700" kern="1200" dirty="0"/>
+          <a:endParaRPr lang="en-US" sz="2700" kern="1200" noProof="0" dirty="0"/>
         </a:p>
       </dsp:txBody>
       <dsp:txXfrm>
@@ -3051,7 +3101,7 @@
             <a:fld id="{596203C1-616A-4651-A577-7BA09B384D13}" type="datetimeFigureOut">
               <a:rPr lang="en-US" smtClean="0"/>
               <a:pPr/>
-              <a:t>4/14/2018</a:t>
+              <a:t>4/16/2018</a:t>
             </a:fld>
             <a:endParaRPr lang="en-US"/>
           </a:p>
@@ -3543,7 +3593,7 @@
             <a:fld id="{633EFA78-DE0E-433D-8CFA-D9FBF0D95DCD}" type="datetime1">
               <a:rPr lang="en-US" smtClean="0"/>
               <a:pPr/>
-              <a:t>4/14/2018</a:t>
+              <a:t>4/16/2018</a:t>
             </a:fld>
             <a:endParaRPr lang="en-US" dirty="0"/>
           </a:p>
@@ -4001,7 +4051,7 @@
             <a:fld id="{4427F9C6-20A9-45D8-B666-D95AD1AA535F}" type="datetime1">
               <a:rPr lang="en-US" smtClean="0"/>
               <a:pPr/>
-              <a:t>4/14/2018</a:t>
+              <a:t>4/16/2018</a:t>
             </a:fld>
             <a:endParaRPr lang="en-US"/>
           </a:p>
@@ -4586,7 +4636,7 @@
             <a:fld id="{1BC102A9-C1B1-4354-89E4-F43472216A4F}" type="datetime1">
               <a:rPr lang="en-US" smtClean="0"/>
               <a:pPr algn="r"/>
-              <a:t>4/14/2018</a:t>
+              <a:t>4/16/2018</a:t>
             </a:fld>
             <a:endParaRPr lang="en-US" sz="1000" dirty="0">
               <a:solidFill>
@@ -5031,7 +5081,7 @@
           <a:lstStyle/>
           <a:p>
             <a:r>
-              <a:rPr lang="en-US" sz="6700" b="1" dirty="0">
+              <a:rPr lang="en-US" sz="6700" b="1" noProof="0" dirty="0">
                 <a:solidFill>
                   <a:schemeClr val="bg1"/>
                 </a:solidFill>
@@ -5039,7 +5089,7 @@
               <a:t>A</a:t>
             </a:r>
             <a:r>
-              <a:rPr lang="en-US" dirty="0">
+              <a:rPr lang="en-US" noProof="0" dirty="0">
                 <a:solidFill>
                   <a:schemeClr val="bg1"/>
                 </a:solidFill>
@@ -5047,7 +5097,7 @@
               <a:t>rduino </a:t>
             </a:r>
             <a:r>
-              <a:rPr lang="en-US" sz="6700" b="1" dirty="0">
+              <a:rPr lang="en-US" sz="6700" b="1" noProof="0" dirty="0">
                 <a:solidFill>
                   <a:schemeClr val="bg1"/>
                 </a:solidFill>
@@ -5055,7 +5105,7 @@
               <a:t>C</a:t>
             </a:r>
             <a:r>
-              <a:rPr lang="en-US" dirty="0">
+              <a:rPr lang="en-US" noProof="0" dirty="0">
                 <a:solidFill>
                   <a:schemeClr val="bg1"/>
                 </a:solidFill>
@@ -5063,7 +5113,7 @@
               <a:t>omponent </a:t>
             </a:r>
             <a:r>
-              <a:rPr lang="en-US" sz="6700" b="1" dirty="0">
+              <a:rPr lang="en-US" sz="6700" b="1" noProof="0" dirty="0">
                 <a:solidFill>
                   <a:schemeClr val="bg1"/>
                 </a:solidFill>
@@ -5071,7 +5121,7 @@
               <a:t>P</a:t>
             </a:r>
             <a:r>
-              <a:rPr lang="en-US" dirty="0">
+              <a:rPr lang="en-US" noProof="0" dirty="0">
                 <a:solidFill>
                   <a:schemeClr val="bg1"/>
                 </a:solidFill>
@@ -5104,26 +5154,26 @@
           <a:lstStyle/>
           <a:p>
             <a:r>
-              <a:rPr lang="en-US" sz="3600" b="1" dirty="0"/>
+              <a:rPr lang="en-US" sz="3600" b="1" noProof="0" dirty="0"/>
               <a:t>component</a:t>
             </a:r>
             <a:r>
-              <a:rPr lang="en-US" sz="3600" dirty="0"/>
+              <a:rPr lang="en-US" sz="3600" noProof="0" dirty="0"/>
               <a:t>-oriented</a:t>
             </a:r>
             <a:r>
-              <a:rPr lang="en-US" sz="3600" b="1" dirty="0"/>
+              <a:rPr lang="en-US" sz="3600" b="1" noProof="0" dirty="0"/>
               <a:t> event</a:t>
             </a:r>
             <a:r>
-              <a:rPr lang="en-US" sz="3600" dirty="0"/>
+              <a:rPr lang="en-US" sz="3600" noProof="0" dirty="0"/>
               <a:t>-driven</a:t>
             </a:r>
             <a:r>
-              <a:rPr lang="en-US" sz="3600" b="1" dirty="0"/>
+              <a:rPr lang="en-US" sz="3600" b="1" noProof="0" dirty="0"/>
               <a:t> programming</a:t>
             </a:r>
-            <a:endParaRPr lang="en-US" sz="2000" dirty="0"/>
+            <a:endParaRPr lang="en-US" sz="2000" noProof="0" dirty="0"/>
           </a:p>
         </p:txBody>
       </p:sp>
@@ -5220,11 +5270,4834 @@
           </a:p>
         </p:txBody>
       </p:sp>
+      <p:sp>
+        <p:nvSpPr>
+          <p:cNvPr id="6" name="BlokTextu 5"/>
+          <p:cNvSpPr txBox="1"/>
+          <p:nvPr/>
+        </p:nvSpPr>
+        <p:spPr>
+          <a:xfrm>
+            <a:off x="4774067" y="6309320"/>
+            <a:ext cx="2643865" cy="369332"/>
+          </a:xfrm>
+          <a:prstGeom prst="rect">
+            <a:avLst/>
+          </a:prstGeom>
+          <a:noFill/>
+        </p:spPr>
+        <p:txBody>
+          <a:bodyPr wrap="none" rtlCol="0">
+            <a:spAutoFit/>
+          </a:bodyPr>
+          <a:lstStyle/>
+          <a:p>
+            <a:r>
+              <a:rPr lang="sk-SK" dirty="0" smtClean="0"/>
+              <a:t>ŠVK 2018 – Patrik Pekarčík</a:t>
+            </a:r>
+            <a:endParaRPr lang="sk-SK" dirty="0"/>
+          </a:p>
+        </p:txBody>
+      </p:sp>
     </p:spTree>
   </p:cSld>
   <p:clrMapOvr>
     <a:masterClrMapping/>
   </p:clrMapOvr>
+  <p:timing>
+    <p:tnLst>
+      <p:par>
+        <p:cTn id="1" dur="indefinite" restart="never" nodeType="tmRoot"/>
+      </p:par>
+    </p:tnLst>
+  </p:timing>
+</p:sld>
+</file>
+
+<file path=ppt/slides/slide10.xml><?xml version="1.0" encoding="utf-8"?>
+<p:sld xmlns:a="http://schemas.openxmlformats.org/drawingml/2006/main" xmlns:r="http://schemas.openxmlformats.org/officeDocument/2006/relationships" xmlns:p="http://schemas.openxmlformats.org/presentationml/2006/main">
+  <p:cSld>
+    <p:spTree>
+      <p:nvGrpSpPr>
+        <p:cNvPr id="1" name=""/>
+        <p:cNvGrpSpPr/>
+        <p:nvPr/>
+      </p:nvGrpSpPr>
+      <p:grpSpPr>
+        <a:xfrm>
+          <a:off x="0" y="0"/>
+          <a:ext cx="0" cy="0"/>
+          <a:chOff x="0" y="0"/>
+          <a:chExt cx="0" cy="0"/>
+        </a:xfrm>
+      </p:grpSpPr>
+      <p:sp>
+        <p:nvSpPr>
+          <p:cNvPr id="2" name="Nadpis 1"/>
+          <p:cNvSpPr>
+            <a:spLocks noGrp="1"/>
+          </p:cNvSpPr>
+          <p:nvPr>
+            <p:ph type="title"/>
+          </p:nvPr>
+        </p:nvSpPr>
+        <p:spPr/>
+        <p:txBody>
+          <a:bodyPr>
+            <a:normAutofit fontScale="90000"/>
+          </a:bodyPr>
+          <a:lstStyle/>
+          <a:p>
+            <a:r>
+              <a:rPr lang="en-US" noProof="0" dirty="0" smtClean="0"/>
+              <a:t>Abstract syntax tree</a:t>
+            </a:r>
+            <a:endParaRPr lang="en-US" noProof="0" dirty="0"/>
+          </a:p>
+        </p:txBody>
+      </p:sp>
+      <p:sp>
+        <p:nvSpPr>
+          <p:cNvPr id="4" name="Zástupný objekt pre text 3"/>
+          <p:cNvSpPr>
+            <a:spLocks noGrp="1"/>
+          </p:cNvSpPr>
+          <p:nvPr>
+            <p:ph type="body" sz="quarter" idx="15"/>
+          </p:nvPr>
+        </p:nvSpPr>
+        <p:spPr>
+          <a:xfrm>
+            <a:off x="670560" y="1196752"/>
+            <a:ext cx="6339416" cy="2159496"/>
+          </a:xfrm>
+        </p:spPr>
+        <p:txBody>
+          <a:bodyPr/>
+          <a:lstStyle/>
+          <a:p>
+            <a:r>
+              <a:rPr lang="en-US" noProof="0" dirty="0" smtClean="0"/>
+              <a:t>C++ language grammar</a:t>
+            </a:r>
+          </a:p>
+          <a:p>
+            <a:r>
+              <a:rPr lang="en-US" noProof="0" dirty="0" smtClean="0"/>
+              <a:t>Lexical analysis</a:t>
+            </a:r>
+          </a:p>
+          <a:p>
+            <a:r>
+              <a:rPr lang="en-US" noProof="0" dirty="0" smtClean="0"/>
+              <a:t>Source code validation</a:t>
+            </a:r>
+          </a:p>
+          <a:p>
+            <a:endParaRPr lang="en-US" noProof="0" dirty="0"/>
+          </a:p>
+        </p:txBody>
+      </p:sp>
+      <p:pic>
+        <p:nvPicPr>
+          <p:cNvPr id="6" name="Obrázok 5"/>
+          <p:cNvPicPr>
+            <a:picLocks noChangeAspect="1"/>
+          </p:cNvPicPr>
+          <p:nvPr/>
+        </p:nvPicPr>
+        <p:blipFill>
+          <a:blip r:embed="rId2">
+            <a:extLst>
+              <a:ext uri="{28A0092B-C50C-407E-A947-70E740481C1C}">
+                <a14:useLocalDpi xmlns:a14="http://schemas.microsoft.com/office/drawing/2010/main" val="0"/>
+              </a:ext>
+            </a:extLst>
+          </a:blip>
+          <a:stretch>
+            <a:fillRect/>
+          </a:stretch>
+        </p:blipFill>
+        <p:spPr>
+          <a:xfrm>
+            <a:off x="4151784" y="1196752"/>
+            <a:ext cx="7543830" cy="3912521"/>
+          </a:xfrm>
+          <a:prstGeom prst="rect">
+            <a:avLst/>
+          </a:prstGeom>
+        </p:spPr>
+      </p:pic>
+      <p:sp>
+        <p:nvSpPr>
+          <p:cNvPr id="9" name="Rectangle 3"/>
+          <p:cNvSpPr>
+            <a:spLocks noChangeArrowheads="1"/>
+          </p:cNvSpPr>
+          <p:nvPr/>
+        </p:nvSpPr>
+        <p:spPr bwMode="auto">
+          <a:xfrm>
+            <a:off x="335360" y="3068960"/>
+            <a:ext cx="4493538" cy="2862322"/>
+          </a:xfrm>
+          <a:prstGeom prst="rect">
+            <a:avLst/>
+          </a:prstGeom>
+          <a:noFill/>
+          <a:ln>
+            <a:noFill/>
+          </a:ln>
+          <a:effectLst/>
+        </p:spPr>
+        <p:txBody>
+          <a:bodyPr vert="horz" wrap="none" lIns="91440" tIns="45720" rIns="91440" bIns="45720" numCol="1" anchor="ctr" anchorCtr="0" compatLnSpc="1">
+            <a:prstTxWarp prst="textNoShape">
+              <a:avLst/>
+            </a:prstTxWarp>
+            <a:spAutoFit/>
+          </a:bodyPr>
+          <a:lstStyle/>
+          <a:p>
+            <a:pPr lvl="0" defTabSz="914400" eaLnBrk="0" fontAlgn="base" hangingPunct="0">
+              <a:spcBef>
+                <a:spcPct val="0"/>
+              </a:spcBef>
+              <a:spcAft>
+                <a:spcPct val="0"/>
+              </a:spcAft>
+            </a:pPr>
+            <a:r>
+              <a:rPr lang="sk-SK" altLang="sk-SK" sz="1000" dirty="0" err="1">
+                <a:solidFill>
+                  <a:schemeClr val="bg1">
+                    <a:lumMod val="50000"/>
+                  </a:schemeClr>
+                </a:solidFill>
+                <a:latin typeface="Courier New" panose="02070309020205020404" pitchFamily="49" charset="0"/>
+                <a:cs typeface="Courier New" panose="02070309020205020404" pitchFamily="49" charset="0"/>
+              </a:rPr>
+              <a:t>t</a:t>
+            </a:r>
+            <a:r>
+              <a:rPr kumimoji="0" lang="sk-SK" altLang="sk-SK" sz="1000" b="0" i="0" u="none" strike="noStrike" cap="none" normalizeH="0" baseline="0" dirty="0" err="1" smtClean="0">
+                <a:ln>
+                  <a:noFill/>
+                </a:ln>
+                <a:solidFill>
+                  <a:schemeClr val="bg1">
+                    <a:lumMod val="50000"/>
+                  </a:schemeClr>
+                </a:solidFill>
+                <a:effectLst/>
+                <a:latin typeface="Courier New" panose="02070309020205020404" pitchFamily="49" charset="0"/>
+                <a:cs typeface="Courier New" panose="02070309020205020404" pitchFamily="49" charset="0"/>
+              </a:rPr>
+              <a:t>erminal</a:t>
+            </a:r>
+            <a:r>
+              <a:rPr kumimoji="0" lang="sk-SK" altLang="sk-SK" sz="1000" b="0" i="0" u="none" strike="noStrike" cap="none" normalizeH="0" baseline="0" dirty="0" smtClean="0">
+                <a:ln>
+                  <a:noFill/>
+                </a:ln>
+                <a:solidFill>
+                  <a:schemeClr val="bg1">
+                    <a:lumMod val="50000"/>
+                  </a:schemeClr>
+                </a:solidFill>
+                <a:effectLst/>
+                <a:latin typeface="Courier New" panose="02070309020205020404" pitchFamily="49" charset="0"/>
+                <a:cs typeface="Courier New" panose="02070309020205020404" pitchFamily="49" charset="0"/>
+              </a:rPr>
+              <a:t> WHILE, LPAR, RPAR, </a:t>
+            </a:r>
+            <a:r>
+              <a:rPr lang="sk-SK" altLang="sk-SK" sz="1000" dirty="0">
+                <a:solidFill>
+                  <a:schemeClr val="bg1">
+                    <a:lumMod val="50000"/>
+                  </a:schemeClr>
+                </a:solidFill>
+                <a:latin typeface="Courier New" panose="02070309020205020404" pitchFamily="49" charset="0"/>
+                <a:cs typeface="Courier New" panose="02070309020205020404" pitchFamily="49" charset="0"/>
+              </a:rPr>
+              <a:t>SEMICOLON</a:t>
+            </a:r>
+            <a:r>
+              <a:rPr kumimoji="0" lang="sk-SK" altLang="sk-SK" sz="1000" b="0" i="0" u="none" strike="noStrike" cap="none" normalizeH="0" baseline="0" dirty="0" smtClean="0">
+                <a:ln>
+                  <a:noFill/>
+                </a:ln>
+                <a:solidFill>
+                  <a:schemeClr val="bg1">
+                    <a:lumMod val="50000"/>
+                  </a:schemeClr>
+                </a:solidFill>
+                <a:effectLst/>
+                <a:latin typeface="Courier New" panose="02070309020205020404" pitchFamily="49" charset="0"/>
+                <a:cs typeface="Courier New" panose="02070309020205020404" pitchFamily="49" charset="0"/>
+              </a:rPr>
+              <a:t>;</a:t>
+            </a:r>
+          </a:p>
+          <a:p>
+            <a:pPr marL="0" marR="0" lvl="0" indent="0" algn="l" defTabSz="914400" rtl="0" eaLnBrk="0" fontAlgn="base" latinLnBrk="0" hangingPunct="0">
+              <a:lnSpc>
+                <a:spcPct val="100000"/>
+              </a:lnSpc>
+              <a:spcBef>
+                <a:spcPct val="0"/>
+              </a:spcBef>
+              <a:spcAft>
+                <a:spcPct val="0"/>
+              </a:spcAft>
+              <a:buClrTx/>
+              <a:buSzTx/>
+              <a:buFontTx/>
+              <a:buNone/>
+              <a:tabLst/>
+            </a:pPr>
+            <a:endParaRPr lang="sk-SK" altLang="sk-SK" sz="1000" dirty="0" smtClean="0">
+              <a:solidFill>
+                <a:schemeClr val="bg1">
+                  <a:lumMod val="50000"/>
+                </a:schemeClr>
+              </a:solidFill>
+              <a:latin typeface="Courier New" panose="02070309020205020404" pitchFamily="49" charset="0"/>
+              <a:cs typeface="Courier New" panose="02070309020205020404" pitchFamily="49" charset="0"/>
+            </a:endParaRPr>
+          </a:p>
+          <a:p>
+            <a:pPr marL="0" marR="0" lvl="0" indent="0" algn="l" defTabSz="914400" rtl="0" eaLnBrk="0" fontAlgn="base" latinLnBrk="0" hangingPunct="0">
+              <a:lnSpc>
+                <a:spcPct val="100000"/>
+              </a:lnSpc>
+              <a:spcBef>
+                <a:spcPct val="0"/>
+              </a:spcBef>
+              <a:spcAft>
+                <a:spcPct val="0"/>
+              </a:spcAft>
+              <a:buClrTx/>
+              <a:buSzTx/>
+              <a:buFontTx/>
+              <a:buNone/>
+              <a:tabLst/>
+            </a:pPr>
+            <a:r>
+              <a:rPr lang="sk-SK" altLang="sk-SK" sz="1000" dirty="0" smtClean="0">
+                <a:solidFill>
+                  <a:schemeClr val="bg1">
+                    <a:lumMod val="50000"/>
+                  </a:schemeClr>
+                </a:solidFill>
+                <a:latin typeface="Courier New" panose="02070309020205020404" pitchFamily="49" charset="0"/>
+                <a:cs typeface="Courier New" panose="02070309020205020404" pitchFamily="49" charset="0"/>
+              </a:rPr>
+              <a:t>...</a:t>
+            </a:r>
+          </a:p>
+          <a:p>
+            <a:pPr marL="0" marR="0" lvl="0" indent="0" algn="l" defTabSz="914400" rtl="0" eaLnBrk="0" fontAlgn="base" latinLnBrk="0" hangingPunct="0">
+              <a:lnSpc>
+                <a:spcPct val="100000"/>
+              </a:lnSpc>
+              <a:spcBef>
+                <a:spcPct val="0"/>
+              </a:spcBef>
+              <a:spcAft>
+                <a:spcPct val="0"/>
+              </a:spcAft>
+              <a:buClrTx/>
+              <a:buSzTx/>
+              <a:buFontTx/>
+              <a:buNone/>
+              <a:tabLst/>
+            </a:pPr>
+            <a:endParaRPr lang="sk-SK" altLang="sk-SK" sz="1000" dirty="0" smtClean="0">
+              <a:solidFill>
+                <a:schemeClr val="bg1">
+                  <a:lumMod val="50000"/>
+                </a:schemeClr>
+              </a:solidFill>
+              <a:latin typeface="Courier New" panose="02070309020205020404" pitchFamily="49" charset="0"/>
+              <a:cs typeface="Courier New" panose="02070309020205020404" pitchFamily="49" charset="0"/>
+            </a:endParaRPr>
+          </a:p>
+          <a:p>
+            <a:pPr marL="0" marR="0" lvl="0" indent="0" algn="l" defTabSz="914400" rtl="0" eaLnBrk="0" fontAlgn="base" latinLnBrk="0" hangingPunct="0">
+              <a:lnSpc>
+                <a:spcPct val="100000"/>
+              </a:lnSpc>
+              <a:spcBef>
+                <a:spcPct val="0"/>
+              </a:spcBef>
+              <a:spcAft>
+                <a:spcPct val="0"/>
+              </a:spcAft>
+              <a:buClrTx/>
+              <a:buSzTx/>
+              <a:buFontTx/>
+              <a:buNone/>
+              <a:tabLst/>
+            </a:pPr>
+            <a:r>
+              <a:rPr lang="sk-SK" altLang="sk-SK" sz="1000" dirty="0" err="1" smtClean="0">
+                <a:solidFill>
+                  <a:schemeClr val="bg1">
+                    <a:lumMod val="50000"/>
+                  </a:schemeClr>
+                </a:solidFill>
+                <a:latin typeface="Courier New" panose="02070309020205020404" pitchFamily="49" charset="0"/>
+                <a:cs typeface="Courier New" panose="02070309020205020404" pitchFamily="49" charset="0"/>
+              </a:rPr>
+              <a:t>non-terminal</a:t>
+            </a:r>
+            <a:r>
+              <a:rPr lang="sk-SK" altLang="sk-SK" sz="1000" dirty="0" smtClean="0">
+                <a:solidFill>
+                  <a:schemeClr val="bg1">
+                    <a:lumMod val="50000"/>
+                  </a:schemeClr>
+                </a:solidFill>
+                <a:latin typeface="Courier New" panose="02070309020205020404" pitchFamily="49" charset="0"/>
+                <a:cs typeface="Courier New" panose="02070309020205020404" pitchFamily="49" charset="0"/>
+              </a:rPr>
+              <a:t> </a:t>
+            </a:r>
+            <a:r>
+              <a:rPr lang="sk-SK" altLang="sk-SK" sz="1000" dirty="0" err="1" smtClean="0">
+                <a:solidFill>
+                  <a:schemeClr val="bg1">
+                    <a:lumMod val="50000"/>
+                  </a:schemeClr>
+                </a:solidFill>
+                <a:latin typeface="Courier New" panose="02070309020205020404" pitchFamily="49" charset="0"/>
+                <a:cs typeface="Courier New" panose="02070309020205020404" pitchFamily="49" charset="0"/>
+              </a:rPr>
+              <a:t>condition</a:t>
+            </a:r>
+            <a:r>
+              <a:rPr lang="sk-SK" altLang="sk-SK" sz="1000" dirty="0" smtClean="0">
+                <a:solidFill>
+                  <a:schemeClr val="bg1">
+                    <a:lumMod val="50000"/>
+                  </a:schemeClr>
+                </a:solidFill>
+                <a:latin typeface="Courier New" panose="02070309020205020404" pitchFamily="49" charset="0"/>
+                <a:cs typeface="Courier New" panose="02070309020205020404" pitchFamily="49" charset="0"/>
+              </a:rPr>
+              <a:t>, </a:t>
+            </a:r>
+            <a:r>
+              <a:rPr lang="sk-SK" altLang="sk-SK" sz="1000" dirty="0" err="1" smtClean="0">
+                <a:solidFill>
+                  <a:schemeClr val="bg1">
+                    <a:lumMod val="50000"/>
+                  </a:schemeClr>
+                </a:solidFill>
+                <a:latin typeface="Courier New" panose="02070309020205020404" pitchFamily="49" charset="0"/>
+                <a:cs typeface="Courier New" panose="02070309020205020404" pitchFamily="49" charset="0"/>
+              </a:rPr>
+              <a:t>statement</a:t>
+            </a:r>
+            <a:r>
+              <a:rPr lang="sk-SK" altLang="sk-SK" sz="1000" dirty="0" smtClean="0">
+                <a:solidFill>
+                  <a:schemeClr val="bg1">
+                    <a:lumMod val="50000"/>
+                  </a:schemeClr>
+                </a:solidFill>
+                <a:latin typeface="Courier New" panose="02070309020205020404" pitchFamily="49" charset="0"/>
+                <a:cs typeface="Courier New" panose="02070309020205020404" pitchFamily="49" charset="0"/>
+              </a:rPr>
+              <a:t>, </a:t>
+            </a:r>
+            <a:r>
+              <a:rPr lang="sk-SK" altLang="sk-SK" sz="1000" dirty="0" err="1" smtClean="0">
+                <a:solidFill>
+                  <a:schemeClr val="bg1">
+                    <a:lumMod val="50000"/>
+                  </a:schemeClr>
+                </a:solidFill>
+                <a:latin typeface="Courier New" panose="02070309020205020404" pitchFamily="49" charset="0"/>
+                <a:cs typeface="Courier New" panose="02070309020205020404" pitchFamily="49" charset="0"/>
+              </a:rPr>
+              <a:t>iterationStatement</a:t>
+            </a:r>
+            <a:r>
+              <a:rPr lang="sk-SK" altLang="sk-SK" sz="1000" dirty="0" smtClean="0">
+                <a:solidFill>
+                  <a:schemeClr val="bg1">
+                    <a:lumMod val="50000"/>
+                  </a:schemeClr>
+                </a:solidFill>
+                <a:latin typeface="Courier New" panose="02070309020205020404" pitchFamily="49" charset="0"/>
+                <a:cs typeface="Courier New" panose="02070309020205020404" pitchFamily="49" charset="0"/>
+              </a:rPr>
+              <a:t>;</a:t>
+            </a:r>
+          </a:p>
+          <a:p>
+            <a:pPr marL="0" marR="0" lvl="0" indent="0" algn="l" defTabSz="914400" rtl="0" eaLnBrk="0" fontAlgn="base" latinLnBrk="0" hangingPunct="0">
+              <a:lnSpc>
+                <a:spcPct val="100000"/>
+              </a:lnSpc>
+              <a:spcBef>
+                <a:spcPct val="0"/>
+              </a:spcBef>
+              <a:spcAft>
+                <a:spcPct val="0"/>
+              </a:spcAft>
+              <a:buClrTx/>
+              <a:buSzTx/>
+              <a:buFontTx/>
+              <a:buNone/>
+              <a:tabLst/>
+            </a:pPr>
+            <a:endParaRPr lang="sk-SK" altLang="sk-SK" sz="1000" dirty="0" smtClean="0">
+              <a:solidFill>
+                <a:schemeClr val="bg1">
+                  <a:lumMod val="50000"/>
+                </a:schemeClr>
+              </a:solidFill>
+              <a:latin typeface="Courier New" panose="02070309020205020404" pitchFamily="49" charset="0"/>
+              <a:cs typeface="Courier New" panose="02070309020205020404" pitchFamily="49" charset="0"/>
+            </a:endParaRPr>
+          </a:p>
+          <a:p>
+            <a:pPr marL="0" marR="0" lvl="0" indent="0" algn="l" defTabSz="914400" rtl="0" eaLnBrk="0" fontAlgn="base" latinLnBrk="0" hangingPunct="0">
+              <a:lnSpc>
+                <a:spcPct val="100000"/>
+              </a:lnSpc>
+              <a:spcBef>
+                <a:spcPct val="0"/>
+              </a:spcBef>
+              <a:spcAft>
+                <a:spcPct val="0"/>
+              </a:spcAft>
+              <a:buClrTx/>
+              <a:buSzTx/>
+              <a:buFontTx/>
+              <a:buNone/>
+              <a:tabLst/>
+            </a:pPr>
+            <a:r>
+              <a:rPr lang="sk-SK" altLang="sk-SK" sz="1000" dirty="0" smtClean="0">
+                <a:solidFill>
+                  <a:schemeClr val="bg1">
+                    <a:lumMod val="50000"/>
+                  </a:schemeClr>
+                </a:solidFill>
+                <a:latin typeface="Courier New" panose="02070309020205020404" pitchFamily="49" charset="0"/>
+                <a:cs typeface="Courier New" panose="02070309020205020404" pitchFamily="49" charset="0"/>
+              </a:rPr>
+              <a:t>...</a:t>
+            </a:r>
+          </a:p>
+          <a:p>
+            <a:pPr marL="0" marR="0" lvl="0" indent="0" algn="l" defTabSz="914400" rtl="0" eaLnBrk="0" fontAlgn="base" latinLnBrk="0" hangingPunct="0">
+              <a:lnSpc>
+                <a:spcPct val="100000"/>
+              </a:lnSpc>
+              <a:spcBef>
+                <a:spcPct val="0"/>
+              </a:spcBef>
+              <a:spcAft>
+                <a:spcPct val="0"/>
+              </a:spcAft>
+              <a:buClrTx/>
+              <a:buSzTx/>
+              <a:buFontTx/>
+              <a:buNone/>
+              <a:tabLst/>
+            </a:pPr>
+            <a:endParaRPr lang="sk-SK" altLang="sk-SK" sz="1000" dirty="0">
+              <a:solidFill>
+                <a:schemeClr val="bg1">
+                  <a:lumMod val="50000"/>
+                </a:schemeClr>
+              </a:solidFill>
+              <a:latin typeface="Courier New" panose="02070309020205020404" pitchFamily="49" charset="0"/>
+              <a:cs typeface="Courier New" panose="02070309020205020404" pitchFamily="49" charset="0"/>
+            </a:endParaRPr>
+          </a:p>
+          <a:p>
+            <a:pPr marL="0" marR="0" lvl="0" indent="0" algn="l" defTabSz="914400" rtl="0" eaLnBrk="0" fontAlgn="base" latinLnBrk="0" hangingPunct="0">
+              <a:lnSpc>
+                <a:spcPct val="100000"/>
+              </a:lnSpc>
+              <a:spcBef>
+                <a:spcPct val="0"/>
+              </a:spcBef>
+              <a:spcAft>
+                <a:spcPct val="0"/>
+              </a:spcAft>
+              <a:buClrTx/>
+              <a:buSzTx/>
+              <a:buFontTx/>
+              <a:buNone/>
+              <a:tabLst/>
+            </a:pPr>
+            <a:r>
+              <a:rPr lang="sk-SK" altLang="sk-SK" sz="1000" dirty="0" err="1" smtClean="0">
+                <a:solidFill>
+                  <a:schemeClr val="bg1">
+                    <a:lumMod val="50000"/>
+                  </a:schemeClr>
+                </a:solidFill>
+                <a:latin typeface="Courier New" panose="02070309020205020404" pitchFamily="49" charset="0"/>
+                <a:cs typeface="Courier New" panose="02070309020205020404" pitchFamily="49" charset="0"/>
+              </a:rPr>
+              <a:t>iterationStatement</a:t>
+            </a:r>
+            <a:endParaRPr lang="sk-SK" altLang="sk-SK" sz="1000" dirty="0">
+              <a:solidFill>
+                <a:schemeClr val="bg1">
+                  <a:lumMod val="50000"/>
+                </a:schemeClr>
+              </a:solidFill>
+              <a:latin typeface="Courier New" panose="02070309020205020404" pitchFamily="49" charset="0"/>
+              <a:cs typeface="Courier New" panose="02070309020205020404" pitchFamily="49" charset="0"/>
+            </a:endParaRPr>
+          </a:p>
+          <a:p>
+            <a:pPr marL="0" marR="0" lvl="0" indent="0" algn="l" defTabSz="914400" rtl="0" eaLnBrk="0" fontAlgn="base" latinLnBrk="0" hangingPunct="0">
+              <a:lnSpc>
+                <a:spcPct val="100000"/>
+              </a:lnSpc>
+              <a:spcBef>
+                <a:spcPct val="0"/>
+              </a:spcBef>
+              <a:spcAft>
+                <a:spcPct val="0"/>
+              </a:spcAft>
+              <a:buClrTx/>
+              <a:buSzTx/>
+              <a:buFontTx/>
+              <a:buNone/>
+              <a:tabLst/>
+            </a:pPr>
+            <a:r>
+              <a:rPr lang="sk-SK" altLang="sk-SK" sz="1000" dirty="0" smtClean="0">
+                <a:solidFill>
+                  <a:schemeClr val="bg1">
+                    <a:lumMod val="50000"/>
+                  </a:schemeClr>
+                </a:solidFill>
+                <a:latin typeface="Courier New" panose="02070309020205020404" pitchFamily="49" charset="0"/>
+                <a:cs typeface="Courier New" panose="02070309020205020404" pitchFamily="49" charset="0"/>
+              </a:rPr>
+              <a:t>    ::= WHILE LPAR </a:t>
+            </a:r>
+            <a:r>
+              <a:rPr lang="sk-SK" altLang="sk-SK" sz="1000" dirty="0" err="1" smtClean="0">
+                <a:solidFill>
+                  <a:schemeClr val="bg1">
+                    <a:lumMod val="50000"/>
+                  </a:schemeClr>
+                </a:solidFill>
+                <a:latin typeface="Courier New" panose="02070309020205020404" pitchFamily="49" charset="0"/>
+                <a:cs typeface="Courier New" panose="02070309020205020404" pitchFamily="49" charset="0"/>
+              </a:rPr>
+              <a:t>condition</a:t>
+            </a:r>
+            <a:r>
+              <a:rPr lang="sk-SK" altLang="sk-SK" sz="1000" dirty="0" smtClean="0">
+                <a:solidFill>
+                  <a:schemeClr val="bg1">
+                    <a:lumMod val="50000"/>
+                  </a:schemeClr>
+                </a:solidFill>
+                <a:latin typeface="Courier New" panose="02070309020205020404" pitchFamily="49" charset="0"/>
+                <a:cs typeface="Courier New" panose="02070309020205020404" pitchFamily="49" charset="0"/>
+              </a:rPr>
+              <a:t> RPAR </a:t>
+            </a:r>
+            <a:r>
+              <a:rPr lang="sk-SK" altLang="sk-SK" sz="1000" dirty="0" err="1" smtClean="0">
+                <a:solidFill>
+                  <a:schemeClr val="bg1">
+                    <a:lumMod val="50000"/>
+                  </a:schemeClr>
+                </a:solidFill>
+                <a:latin typeface="Courier New" panose="02070309020205020404" pitchFamily="49" charset="0"/>
+                <a:cs typeface="Courier New" panose="02070309020205020404" pitchFamily="49" charset="0"/>
+              </a:rPr>
+              <a:t>statement</a:t>
+            </a:r>
+            <a:endParaRPr lang="sk-SK" altLang="sk-SK" sz="1000" dirty="0" smtClean="0">
+              <a:solidFill>
+                <a:schemeClr val="bg1">
+                  <a:lumMod val="50000"/>
+                </a:schemeClr>
+              </a:solidFill>
+              <a:latin typeface="Courier New" panose="02070309020205020404" pitchFamily="49" charset="0"/>
+              <a:cs typeface="Courier New" panose="02070309020205020404" pitchFamily="49" charset="0"/>
+            </a:endParaRPr>
+          </a:p>
+          <a:p>
+            <a:pPr marL="0" marR="0" lvl="0" indent="0" algn="l" defTabSz="914400" rtl="0" eaLnBrk="0" fontAlgn="base" latinLnBrk="0" hangingPunct="0">
+              <a:lnSpc>
+                <a:spcPct val="100000"/>
+              </a:lnSpc>
+              <a:spcBef>
+                <a:spcPct val="0"/>
+              </a:spcBef>
+              <a:spcAft>
+                <a:spcPct val="0"/>
+              </a:spcAft>
+              <a:buClrTx/>
+              <a:buSzTx/>
+              <a:buFontTx/>
+              <a:buNone/>
+              <a:tabLst/>
+            </a:pPr>
+            <a:r>
+              <a:rPr lang="sk-SK" altLang="sk-SK" sz="1000" dirty="0">
+                <a:solidFill>
+                  <a:schemeClr val="bg1">
+                    <a:lumMod val="50000"/>
+                  </a:schemeClr>
+                </a:solidFill>
+                <a:latin typeface="Courier New" panose="02070309020205020404" pitchFamily="49" charset="0"/>
+                <a:cs typeface="Courier New" panose="02070309020205020404" pitchFamily="49" charset="0"/>
+              </a:rPr>
+              <a:t> </a:t>
+            </a:r>
+            <a:r>
+              <a:rPr lang="sk-SK" altLang="sk-SK" sz="1000" dirty="0" smtClean="0">
+                <a:solidFill>
+                  <a:schemeClr val="bg1">
+                    <a:lumMod val="50000"/>
+                  </a:schemeClr>
+                </a:solidFill>
+                <a:latin typeface="Courier New" panose="02070309020205020404" pitchFamily="49" charset="0"/>
+                <a:cs typeface="Courier New" panose="02070309020205020404" pitchFamily="49" charset="0"/>
+              </a:rPr>
+              <a:t>   |   DO </a:t>
+            </a:r>
+            <a:r>
+              <a:rPr lang="sk-SK" altLang="sk-SK" sz="1000" dirty="0" err="1" smtClean="0">
+                <a:solidFill>
+                  <a:schemeClr val="bg1">
+                    <a:lumMod val="50000"/>
+                  </a:schemeClr>
+                </a:solidFill>
+                <a:latin typeface="Courier New" panose="02070309020205020404" pitchFamily="49" charset="0"/>
+                <a:cs typeface="Courier New" panose="02070309020205020404" pitchFamily="49" charset="0"/>
+              </a:rPr>
+              <a:t>statement</a:t>
+            </a:r>
+            <a:r>
+              <a:rPr lang="sk-SK" altLang="sk-SK" sz="1000" dirty="0" smtClean="0">
+                <a:solidFill>
+                  <a:schemeClr val="bg1">
+                    <a:lumMod val="50000"/>
+                  </a:schemeClr>
+                </a:solidFill>
+                <a:latin typeface="Courier New" panose="02070309020205020404" pitchFamily="49" charset="0"/>
+                <a:cs typeface="Courier New" panose="02070309020205020404" pitchFamily="49" charset="0"/>
+              </a:rPr>
+              <a:t> WHILE LPAR </a:t>
+            </a:r>
+            <a:r>
+              <a:rPr lang="sk-SK" altLang="sk-SK" sz="1000" dirty="0" err="1" smtClean="0">
+                <a:solidFill>
+                  <a:schemeClr val="bg1">
+                    <a:lumMod val="50000"/>
+                  </a:schemeClr>
+                </a:solidFill>
+                <a:latin typeface="Courier New" panose="02070309020205020404" pitchFamily="49" charset="0"/>
+                <a:cs typeface="Courier New" panose="02070309020205020404" pitchFamily="49" charset="0"/>
+              </a:rPr>
+              <a:t>condition</a:t>
+            </a:r>
+            <a:r>
+              <a:rPr lang="sk-SK" altLang="sk-SK" sz="1000" dirty="0" smtClean="0">
+                <a:solidFill>
+                  <a:schemeClr val="bg1">
+                    <a:lumMod val="50000"/>
+                  </a:schemeClr>
+                </a:solidFill>
+                <a:latin typeface="Courier New" panose="02070309020205020404" pitchFamily="49" charset="0"/>
+                <a:cs typeface="Courier New" panose="02070309020205020404" pitchFamily="49" charset="0"/>
+              </a:rPr>
+              <a:t> RPAR SEMICOLON</a:t>
+            </a:r>
+          </a:p>
+          <a:p>
+            <a:pPr marL="0" marR="0" lvl="0" indent="0" algn="l" defTabSz="914400" rtl="0" eaLnBrk="0" fontAlgn="base" latinLnBrk="0" hangingPunct="0">
+              <a:lnSpc>
+                <a:spcPct val="100000"/>
+              </a:lnSpc>
+              <a:spcBef>
+                <a:spcPct val="0"/>
+              </a:spcBef>
+              <a:spcAft>
+                <a:spcPct val="0"/>
+              </a:spcAft>
+              <a:buClrTx/>
+              <a:buSzTx/>
+              <a:buFontTx/>
+              <a:buNone/>
+              <a:tabLst/>
+            </a:pPr>
+            <a:r>
+              <a:rPr lang="sk-SK" altLang="sk-SK" sz="1000" dirty="0">
+                <a:solidFill>
+                  <a:schemeClr val="bg1">
+                    <a:lumMod val="50000"/>
+                  </a:schemeClr>
+                </a:solidFill>
+                <a:latin typeface="Courier New" panose="02070309020205020404" pitchFamily="49" charset="0"/>
+                <a:cs typeface="Courier New" panose="02070309020205020404" pitchFamily="49" charset="0"/>
+              </a:rPr>
+              <a:t> </a:t>
+            </a:r>
+            <a:r>
+              <a:rPr lang="sk-SK" altLang="sk-SK" sz="1000" dirty="0" smtClean="0">
+                <a:solidFill>
+                  <a:schemeClr val="bg1">
+                    <a:lumMod val="50000"/>
+                  </a:schemeClr>
+                </a:solidFill>
+                <a:latin typeface="Courier New" panose="02070309020205020404" pitchFamily="49" charset="0"/>
+                <a:cs typeface="Courier New" panose="02070309020205020404" pitchFamily="49" charset="0"/>
+              </a:rPr>
+              <a:t>   ;</a:t>
+            </a:r>
+          </a:p>
+          <a:p>
+            <a:pPr marL="0" marR="0" lvl="0" indent="0" algn="l" defTabSz="914400" rtl="0" eaLnBrk="0" fontAlgn="base" latinLnBrk="0" hangingPunct="0">
+              <a:lnSpc>
+                <a:spcPct val="100000"/>
+              </a:lnSpc>
+              <a:spcBef>
+                <a:spcPct val="0"/>
+              </a:spcBef>
+              <a:spcAft>
+                <a:spcPct val="0"/>
+              </a:spcAft>
+              <a:buClrTx/>
+              <a:buSzTx/>
+              <a:buFontTx/>
+              <a:buNone/>
+              <a:tabLst/>
+            </a:pPr>
+            <a:endParaRPr lang="sk-SK" altLang="sk-SK" sz="1000" dirty="0">
+              <a:solidFill>
+                <a:schemeClr val="bg1">
+                  <a:lumMod val="50000"/>
+                </a:schemeClr>
+              </a:solidFill>
+              <a:latin typeface="Courier New" panose="02070309020205020404" pitchFamily="49" charset="0"/>
+              <a:cs typeface="Courier New" panose="02070309020205020404" pitchFamily="49" charset="0"/>
+            </a:endParaRPr>
+          </a:p>
+          <a:p>
+            <a:pPr marL="0" marR="0" lvl="0" indent="0" algn="l" defTabSz="914400" rtl="0" eaLnBrk="0" fontAlgn="base" latinLnBrk="0" hangingPunct="0">
+              <a:lnSpc>
+                <a:spcPct val="100000"/>
+              </a:lnSpc>
+              <a:spcBef>
+                <a:spcPct val="0"/>
+              </a:spcBef>
+              <a:spcAft>
+                <a:spcPct val="0"/>
+              </a:spcAft>
+              <a:buClrTx/>
+              <a:buSzTx/>
+              <a:buFontTx/>
+              <a:buNone/>
+              <a:tabLst/>
+            </a:pPr>
+            <a:r>
+              <a:rPr lang="sk-SK" altLang="sk-SK" sz="1000" dirty="0" err="1" smtClean="0">
+                <a:solidFill>
+                  <a:schemeClr val="bg1">
+                    <a:lumMod val="50000"/>
+                  </a:schemeClr>
+                </a:solidFill>
+                <a:latin typeface="Courier New" panose="02070309020205020404" pitchFamily="49" charset="0"/>
+                <a:cs typeface="Courier New" panose="02070309020205020404" pitchFamily="49" charset="0"/>
+              </a:rPr>
+              <a:t>condition</a:t>
+            </a:r>
+            <a:endParaRPr lang="sk-SK" altLang="sk-SK" sz="1000" dirty="0" smtClean="0">
+              <a:solidFill>
+                <a:schemeClr val="bg1">
+                  <a:lumMod val="50000"/>
+                </a:schemeClr>
+              </a:solidFill>
+              <a:latin typeface="Courier New" panose="02070309020205020404" pitchFamily="49" charset="0"/>
+              <a:cs typeface="Courier New" panose="02070309020205020404" pitchFamily="49" charset="0"/>
+            </a:endParaRPr>
+          </a:p>
+          <a:p>
+            <a:pPr marL="0" marR="0" lvl="0" indent="0" algn="l" defTabSz="914400" rtl="0" eaLnBrk="0" fontAlgn="base" latinLnBrk="0" hangingPunct="0">
+              <a:lnSpc>
+                <a:spcPct val="100000"/>
+              </a:lnSpc>
+              <a:spcBef>
+                <a:spcPct val="0"/>
+              </a:spcBef>
+              <a:spcAft>
+                <a:spcPct val="0"/>
+              </a:spcAft>
+              <a:buClrTx/>
+              <a:buSzTx/>
+              <a:buFontTx/>
+              <a:buNone/>
+              <a:tabLst/>
+            </a:pPr>
+            <a:r>
+              <a:rPr lang="sk-SK" altLang="sk-SK" sz="1000" dirty="0" smtClean="0">
+                <a:solidFill>
+                  <a:schemeClr val="bg1">
+                    <a:lumMod val="50000"/>
+                  </a:schemeClr>
+                </a:solidFill>
+                <a:latin typeface="Courier New" panose="02070309020205020404" pitchFamily="49" charset="0"/>
+                <a:cs typeface="Courier New" panose="02070309020205020404" pitchFamily="49" charset="0"/>
+              </a:rPr>
+              <a:t>    ::= </a:t>
+            </a:r>
+            <a:r>
+              <a:rPr lang="sk-SK" altLang="sk-SK" sz="1000" dirty="0" err="1" smtClean="0">
+                <a:solidFill>
+                  <a:schemeClr val="bg1">
+                    <a:lumMod val="50000"/>
+                  </a:schemeClr>
+                </a:solidFill>
+                <a:latin typeface="Courier New" panose="02070309020205020404" pitchFamily="49" charset="0"/>
+                <a:cs typeface="Courier New" panose="02070309020205020404" pitchFamily="49" charset="0"/>
+              </a:rPr>
+              <a:t>postfixExpr</a:t>
+            </a:r>
+            <a:endParaRPr lang="sk-SK" altLang="sk-SK" sz="1000" dirty="0" smtClean="0">
+              <a:solidFill>
+                <a:schemeClr val="bg1">
+                  <a:lumMod val="50000"/>
+                </a:schemeClr>
+              </a:solidFill>
+              <a:latin typeface="Courier New" panose="02070309020205020404" pitchFamily="49" charset="0"/>
+              <a:cs typeface="Courier New" panose="02070309020205020404" pitchFamily="49" charset="0"/>
+            </a:endParaRPr>
+          </a:p>
+          <a:p>
+            <a:pPr marL="0" marR="0" lvl="0" indent="0" algn="l" defTabSz="914400" rtl="0" eaLnBrk="0" fontAlgn="base" latinLnBrk="0" hangingPunct="0">
+              <a:lnSpc>
+                <a:spcPct val="100000"/>
+              </a:lnSpc>
+              <a:spcBef>
+                <a:spcPct val="0"/>
+              </a:spcBef>
+              <a:spcAft>
+                <a:spcPct val="0"/>
+              </a:spcAft>
+              <a:buClrTx/>
+              <a:buSzTx/>
+              <a:buFontTx/>
+              <a:buNone/>
+              <a:tabLst/>
+            </a:pPr>
+            <a:r>
+              <a:rPr lang="sk-SK" altLang="sk-SK" sz="1000" dirty="0" smtClean="0">
+                <a:solidFill>
+                  <a:schemeClr val="bg1">
+                    <a:lumMod val="50000"/>
+                  </a:schemeClr>
+                </a:solidFill>
+                <a:latin typeface="Courier New" panose="02070309020205020404" pitchFamily="49" charset="0"/>
+                <a:cs typeface="Courier New" panose="02070309020205020404" pitchFamily="49" charset="0"/>
+              </a:rPr>
+              <a:t>    ;</a:t>
+            </a:r>
+          </a:p>
+          <a:p>
+            <a:pPr marL="0" marR="0" lvl="0" indent="0" algn="l" defTabSz="914400" rtl="0" eaLnBrk="0" fontAlgn="base" latinLnBrk="0" hangingPunct="0">
+              <a:lnSpc>
+                <a:spcPct val="100000"/>
+              </a:lnSpc>
+              <a:spcBef>
+                <a:spcPct val="0"/>
+              </a:spcBef>
+              <a:spcAft>
+                <a:spcPct val="0"/>
+              </a:spcAft>
+              <a:buClrTx/>
+              <a:buSzTx/>
+              <a:buFontTx/>
+              <a:buNone/>
+              <a:tabLst/>
+            </a:pPr>
+            <a:endParaRPr lang="sk-SK" altLang="sk-SK" sz="1000" dirty="0">
+              <a:solidFill>
+                <a:schemeClr val="bg1">
+                  <a:lumMod val="50000"/>
+                </a:schemeClr>
+              </a:solidFill>
+              <a:latin typeface="Courier New" panose="02070309020205020404" pitchFamily="49" charset="0"/>
+              <a:cs typeface="Courier New" panose="02070309020205020404" pitchFamily="49" charset="0"/>
+            </a:endParaRPr>
+          </a:p>
+          <a:p>
+            <a:pPr marL="0" marR="0" lvl="0" indent="0" algn="l" defTabSz="914400" rtl="0" eaLnBrk="0" fontAlgn="base" latinLnBrk="0" hangingPunct="0">
+              <a:lnSpc>
+                <a:spcPct val="100000"/>
+              </a:lnSpc>
+              <a:spcBef>
+                <a:spcPct val="0"/>
+              </a:spcBef>
+              <a:spcAft>
+                <a:spcPct val="0"/>
+              </a:spcAft>
+              <a:buClrTx/>
+              <a:buSzTx/>
+              <a:buFontTx/>
+              <a:buNone/>
+              <a:tabLst/>
+            </a:pPr>
+            <a:r>
+              <a:rPr lang="sk-SK" altLang="sk-SK" sz="1000" dirty="0" smtClean="0">
+                <a:solidFill>
+                  <a:schemeClr val="bg1">
+                    <a:lumMod val="50000"/>
+                  </a:schemeClr>
+                </a:solidFill>
+                <a:latin typeface="Courier New" panose="02070309020205020404" pitchFamily="49" charset="0"/>
+                <a:cs typeface="Courier New" panose="02070309020205020404" pitchFamily="49" charset="0"/>
+              </a:rPr>
+              <a:t>...</a:t>
+            </a:r>
+            <a:endParaRPr kumimoji="0" lang="sk-SK" altLang="sk-SK" sz="1000" b="0" i="0" u="none" strike="noStrike" cap="none" normalizeH="0" baseline="0" dirty="0">
+              <a:ln>
+                <a:noFill/>
+              </a:ln>
+              <a:solidFill>
+                <a:schemeClr val="bg1">
+                  <a:lumMod val="50000"/>
+                </a:schemeClr>
+              </a:solidFill>
+              <a:effectLst/>
+              <a:latin typeface="Courier New" panose="02070309020205020404" pitchFamily="49" charset="0"/>
+              <a:cs typeface="Courier New" panose="02070309020205020404" pitchFamily="49" charset="0"/>
+            </a:endParaRPr>
+          </a:p>
+        </p:txBody>
+      </p:sp>
+    </p:spTree>
+    <p:extLst>
+      <p:ext uri="{BB962C8B-B14F-4D97-AF65-F5344CB8AC3E}">
+        <p14:creationId xmlns:p14="http://schemas.microsoft.com/office/powerpoint/2010/main" val="2344627924"/>
+      </p:ext>
+    </p:extLst>
+  </p:cSld>
+  <p:clrMapOvr>
+    <a:masterClrMapping/>
+  </p:clrMapOvr>
+  <p:timing>
+    <p:tnLst>
+      <p:par>
+        <p:cTn id="1" dur="indefinite" restart="never" nodeType="tmRoot"/>
+      </p:par>
+    </p:tnLst>
+  </p:timing>
+</p:sld>
+</file>
+
+<file path=ppt/slides/slide11.xml><?xml version="1.0" encoding="utf-8"?>
+<p:sld xmlns:a="http://schemas.openxmlformats.org/drawingml/2006/main" xmlns:r="http://schemas.openxmlformats.org/officeDocument/2006/relationships" xmlns:p="http://schemas.openxmlformats.org/presentationml/2006/main">
+  <p:cSld>
+    <p:spTree>
+      <p:nvGrpSpPr>
+        <p:cNvPr id="1" name=""/>
+        <p:cNvGrpSpPr/>
+        <p:nvPr/>
+      </p:nvGrpSpPr>
+      <p:grpSpPr>
+        <a:xfrm>
+          <a:off x="0" y="0"/>
+          <a:ext cx="0" cy="0"/>
+          <a:chOff x="0" y="0"/>
+          <a:chExt cx="0" cy="0"/>
+        </a:xfrm>
+      </p:grpSpPr>
+      <p:sp>
+        <p:nvSpPr>
+          <p:cNvPr id="2" name="Nadpis 1"/>
+          <p:cNvSpPr>
+            <a:spLocks noGrp="1"/>
+          </p:cNvSpPr>
+          <p:nvPr>
+            <p:ph type="title"/>
+          </p:nvPr>
+        </p:nvSpPr>
+        <p:spPr/>
+        <p:txBody>
+          <a:bodyPr>
+            <a:normAutofit fontScale="90000"/>
+          </a:bodyPr>
+          <a:lstStyle/>
+          <a:p>
+            <a:r>
+              <a:rPr lang="en-US" noProof="0" dirty="0" smtClean="0"/>
+              <a:t>Not only tree - </a:t>
+            </a:r>
+            <a:r>
+              <a:rPr lang="en-US" b="1" noProof="0" dirty="0" smtClean="0"/>
+              <a:t>Metadata</a:t>
+            </a:r>
+            <a:endParaRPr lang="en-US" b="1" noProof="0" dirty="0"/>
+          </a:p>
+        </p:txBody>
+      </p:sp>
+      <p:pic>
+        <p:nvPicPr>
+          <p:cNvPr id="2050" name="Picture 2" descr="http://nwchurch.com/wp-content/uploads/2016/11/Open-Cardboard-Box-2400px.png"/>
+          <p:cNvPicPr>
+            <a:picLocks noChangeAspect="1" noChangeArrowheads="1"/>
+          </p:cNvPicPr>
+          <p:nvPr/>
+        </p:nvPicPr>
+        <p:blipFill>
+          <a:blip r:embed="rId2" cstate="print">
+            <a:extLst>
+              <a:ext uri="{28A0092B-C50C-407E-A947-70E740481C1C}">
+                <a14:useLocalDpi xmlns:a14="http://schemas.microsoft.com/office/drawing/2010/main" val="0"/>
+              </a:ext>
+            </a:extLst>
+          </a:blip>
+          <a:srcRect/>
+          <a:stretch>
+            <a:fillRect/>
+          </a:stretch>
+        </p:blipFill>
+        <p:spPr bwMode="auto">
+          <a:xfrm>
+            <a:off x="642947" y="2564904"/>
+            <a:ext cx="3063371" cy="2371800"/>
+          </a:xfrm>
+          <a:prstGeom prst="rect">
+            <a:avLst/>
+          </a:prstGeom>
+          <a:noFill/>
+          <a:extLst>
+            <a:ext uri="{909E8E84-426E-40DD-AFC4-6F175D3DCCD1}">
+              <a14:hiddenFill xmlns:a14="http://schemas.microsoft.com/office/drawing/2010/main">
+                <a:solidFill>
+                  <a:srgbClr val="FFFFFF"/>
+                </a:solidFill>
+              </a14:hiddenFill>
+            </a:ext>
+          </a:extLst>
+        </p:spPr>
+      </p:pic>
+      <p:pic>
+        <p:nvPicPr>
+          <p:cNvPr id="10" name="Picture 2" descr="http://nwchurch.com/wp-content/uploads/2016/11/Open-Cardboard-Box-2400px.png"/>
+          <p:cNvPicPr>
+            <a:picLocks noChangeAspect="1" noChangeArrowheads="1"/>
+          </p:cNvPicPr>
+          <p:nvPr/>
+        </p:nvPicPr>
+        <p:blipFill>
+          <a:blip r:embed="rId2" cstate="print">
+            <a:extLst>
+              <a:ext uri="{28A0092B-C50C-407E-A947-70E740481C1C}">
+                <a14:useLocalDpi xmlns:a14="http://schemas.microsoft.com/office/drawing/2010/main" val="0"/>
+              </a:ext>
+            </a:extLst>
+          </a:blip>
+          <a:srcRect/>
+          <a:stretch>
+            <a:fillRect/>
+          </a:stretch>
+        </p:blipFill>
+        <p:spPr bwMode="auto">
+          <a:xfrm>
+            <a:off x="4511824" y="2564904"/>
+            <a:ext cx="3063371" cy="2371800"/>
+          </a:xfrm>
+          <a:prstGeom prst="rect">
+            <a:avLst/>
+          </a:prstGeom>
+          <a:noFill/>
+          <a:extLst>
+            <a:ext uri="{909E8E84-426E-40DD-AFC4-6F175D3DCCD1}">
+              <a14:hiddenFill xmlns:a14="http://schemas.microsoft.com/office/drawing/2010/main">
+                <a:solidFill>
+                  <a:srgbClr val="FFFFFF"/>
+                </a:solidFill>
+              </a14:hiddenFill>
+            </a:ext>
+          </a:extLst>
+        </p:spPr>
+      </p:pic>
+      <p:pic>
+        <p:nvPicPr>
+          <p:cNvPr id="11" name="Picture 2" descr="http://nwchurch.com/wp-content/uploads/2016/11/Open-Cardboard-Box-2400px.png"/>
+          <p:cNvPicPr>
+            <a:picLocks noChangeAspect="1" noChangeArrowheads="1"/>
+          </p:cNvPicPr>
+          <p:nvPr/>
+        </p:nvPicPr>
+        <p:blipFill>
+          <a:blip r:embed="rId2" cstate="print">
+            <a:extLst>
+              <a:ext uri="{28A0092B-C50C-407E-A947-70E740481C1C}">
+                <a14:useLocalDpi xmlns:a14="http://schemas.microsoft.com/office/drawing/2010/main" val="0"/>
+              </a:ext>
+            </a:extLst>
+          </a:blip>
+          <a:srcRect/>
+          <a:stretch>
+            <a:fillRect/>
+          </a:stretch>
+        </p:blipFill>
+        <p:spPr bwMode="auto">
+          <a:xfrm>
+            <a:off x="8400256" y="2564904"/>
+            <a:ext cx="3063371" cy="2371800"/>
+          </a:xfrm>
+          <a:prstGeom prst="rect">
+            <a:avLst/>
+          </a:prstGeom>
+          <a:noFill/>
+          <a:extLst>
+            <a:ext uri="{909E8E84-426E-40DD-AFC4-6F175D3DCCD1}">
+              <a14:hiddenFill xmlns:a14="http://schemas.microsoft.com/office/drawing/2010/main">
+                <a:solidFill>
+                  <a:srgbClr val="FFFFFF"/>
+                </a:solidFill>
+              </a14:hiddenFill>
+            </a:ext>
+          </a:extLst>
+        </p:spPr>
+      </p:pic>
+      <p:sp>
+        <p:nvSpPr>
+          <p:cNvPr id="9" name="BlokTextu 8"/>
+          <p:cNvSpPr txBox="1"/>
+          <p:nvPr/>
+        </p:nvSpPr>
+        <p:spPr>
+          <a:xfrm>
+            <a:off x="5193148" y="1596511"/>
+            <a:ext cx="1700722" cy="584775"/>
+          </a:xfrm>
+          <a:prstGeom prst="rect">
+            <a:avLst/>
+          </a:prstGeom>
+          <a:noFill/>
+        </p:spPr>
+        <p:txBody>
+          <a:bodyPr wrap="none" rtlCol="0">
+            <a:spAutoFit/>
+          </a:bodyPr>
+          <a:lstStyle/>
+          <a:p>
+            <a:pPr algn="ctr"/>
+            <a:r>
+              <a:rPr lang="en-US" sz="3200" dirty="0" smtClean="0"/>
+              <a:t>Variables</a:t>
+            </a:r>
+            <a:endParaRPr lang="en-US" sz="3200" dirty="0" smtClean="0"/>
+          </a:p>
+        </p:txBody>
+      </p:sp>
+      <p:sp>
+        <p:nvSpPr>
+          <p:cNvPr id="13" name="BlokTextu 12"/>
+          <p:cNvSpPr txBox="1"/>
+          <p:nvPr/>
+        </p:nvSpPr>
+        <p:spPr>
+          <a:xfrm>
+            <a:off x="1271982" y="1596511"/>
+            <a:ext cx="1805301" cy="584775"/>
+          </a:xfrm>
+          <a:prstGeom prst="rect">
+            <a:avLst/>
+          </a:prstGeom>
+          <a:noFill/>
+        </p:spPr>
+        <p:txBody>
+          <a:bodyPr wrap="none" rtlCol="0">
+            <a:spAutoFit/>
+          </a:bodyPr>
+          <a:lstStyle/>
+          <a:p>
+            <a:pPr algn="ctr"/>
+            <a:r>
+              <a:rPr lang="en-US" sz="3200" dirty="0" smtClean="0"/>
+              <a:t>Functions</a:t>
+            </a:r>
+            <a:endParaRPr lang="en-US" sz="3200" dirty="0" smtClean="0"/>
+          </a:p>
+        </p:txBody>
+      </p:sp>
+      <p:sp>
+        <p:nvSpPr>
+          <p:cNvPr id="14" name="BlokTextu 13"/>
+          <p:cNvSpPr txBox="1"/>
+          <p:nvPr/>
+        </p:nvSpPr>
+        <p:spPr>
+          <a:xfrm>
+            <a:off x="9147111" y="1576794"/>
+            <a:ext cx="1569660" cy="584775"/>
+          </a:xfrm>
+          <a:prstGeom prst="rect">
+            <a:avLst/>
+          </a:prstGeom>
+          <a:noFill/>
+        </p:spPr>
+        <p:txBody>
+          <a:bodyPr wrap="none" rtlCol="0">
+            <a:spAutoFit/>
+          </a:bodyPr>
+          <a:lstStyle/>
+          <a:p>
+            <a:pPr algn="ctr"/>
+            <a:r>
+              <a:rPr lang="en-US" sz="3200" dirty="0" smtClean="0"/>
+              <a:t>Includes</a:t>
+            </a:r>
+            <a:endParaRPr lang="en-US" sz="3200" dirty="0" smtClean="0"/>
+          </a:p>
+        </p:txBody>
+      </p:sp>
+      <p:sp>
+        <p:nvSpPr>
+          <p:cNvPr id="15" name="BlokTextu 14"/>
+          <p:cNvSpPr txBox="1"/>
+          <p:nvPr/>
+        </p:nvSpPr>
+        <p:spPr>
+          <a:xfrm>
+            <a:off x="5003095" y="5517232"/>
+            <a:ext cx="2080827" cy="400110"/>
+          </a:xfrm>
+          <a:prstGeom prst="rect">
+            <a:avLst/>
+          </a:prstGeom>
+          <a:noFill/>
+        </p:spPr>
+        <p:txBody>
+          <a:bodyPr wrap="none" rtlCol="0">
+            <a:spAutoFit/>
+          </a:bodyPr>
+          <a:lstStyle/>
+          <a:p>
+            <a:pPr algn="ctr"/>
+            <a:r>
+              <a:rPr lang="en-US" sz="2000" dirty="0" smtClean="0"/>
+              <a:t>a</a:t>
+            </a:r>
+            <a:r>
+              <a:rPr lang="en-US" sz="2000" dirty="0" smtClean="0"/>
+              <a:t>nd much more ...</a:t>
+            </a:r>
+            <a:endParaRPr lang="en-US" sz="2000" dirty="0" smtClean="0"/>
+          </a:p>
+        </p:txBody>
+      </p:sp>
+    </p:spTree>
+    <p:extLst>
+      <p:ext uri="{BB962C8B-B14F-4D97-AF65-F5344CB8AC3E}">
+        <p14:creationId xmlns:p14="http://schemas.microsoft.com/office/powerpoint/2010/main" val="2888289243"/>
+      </p:ext>
+    </p:extLst>
+  </p:cSld>
+  <p:clrMapOvr>
+    <a:masterClrMapping/>
+  </p:clrMapOvr>
+  <p:timing>
+    <p:tnLst>
+      <p:par>
+        <p:cTn id="1" dur="indefinite" restart="never" nodeType="tmRoot"/>
+      </p:par>
+    </p:tnLst>
+  </p:timing>
+</p:sld>
+</file>
+
+<file path=ppt/slides/slide12.xml><?xml version="1.0" encoding="utf-8"?>
+<p:sld xmlns:a="http://schemas.openxmlformats.org/drawingml/2006/main" xmlns:r="http://schemas.openxmlformats.org/officeDocument/2006/relationships" xmlns:p="http://schemas.openxmlformats.org/presentationml/2006/main">
+  <p:cSld>
+    <p:spTree>
+      <p:nvGrpSpPr>
+        <p:cNvPr id="1" name=""/>
+        <p:cNvGrpSpPr/>
+        <p:nvPr/>
+      </p:nvGrpSpPr>
+      <p:grpSpPr>
+        <a:xfrm>
+          <a:off x="0" y="0"/>
+          <a:ext cx="0" cy="0"/>
+          <a:chOff x="0" y="0"/>
+          <a:chExt cx="0" cy="0"/>
+        </a:xfrm>
+      </p:grpSpPr>
+      <p:sp>
+        <p:nvSpPr>
+          <p:cNvPr id="2" name="Nadpis 1"/>
+          <p:cNvSpPr>
+            <a:spLocks noGrp="1"/>
+          </p:cNvSpPr>
+          <p:nvPr>
+            <p:ph type="title"/>
+          </p:nvPr>
+        </p:nvSpPr>
+        <p:spPr/>
+        <p:txBody>
+          <a:bodyPr>
+            <a:normAutofit fontScale="90000"/>
+          </a:bodyPr>
+          <a:lstStyle/>
+          <a:p>
+            <a:r>
+              <a:rPr lang="sk-SK" dirty="0" err="1" smtClean="0"/>
+              <a:t>Benefits</a:t>
+            </a:r>
+            <a:r>
+              <a:rPr lang="en-US" noProof="0" dirty="0" smtClean="0"/>
+              <a:t> of AST</a:t>
+            </a:r>
+            <a:endParaRPr lang="en-US" noProof="0" dirty="0"/>
+          </a:p>
+        </p:txBody>
+      </p:sp>
+      <p:pic>
+        <p:nvPicPr>
+          <p:cNvPr id="7" name="Obrázok 6"/>
+          <p:cNvPicPr>
+            <a:picLocks noChangeAspect="1"/>
+          </p:cNvPicPr>
+          <p:nvPr/>
+        </p:nvPicPr>
+        <p:blipFill>
+          <a:blip r:embed="rId2">
+            <a:extLst>
+              <a:ext uri="{28A0092B-C50C-407E-A947-70E740481C1C}">
+                <a14:useLocalDpi xmlns:a14="http://schemas.microsoft.com/office/drawing/2010/main" val="0"/>
+              </a:ext>
+            </a:extLst>
+          </a:blip>
+          <a:stretch>
+            <a:fillRect/>
+          </a:stretch>
+        </p:blipFill>
+        <p:spPr>
+          <a:xfrm>
+            <a:off x="6149779" y="2852936"/>
+            <a:ext cx="5524500" cy="3305175"/>
+          </a:xfrm>
+          <a:prstGeom prst="rect">
+            <a:avLst/>
+          </a:prstGeom>
+        </p:spPr>
+      </p:pic>
+      <p:sp>
+        <p:nvSpPr>
+          <p:cNvPr id="5" name="Zástupný objekt pre text 3"/>
+          <p:cNvSpPr>
+            <a:spLocks noGrp="1"/>
+          </p:cNvSpPr>
+          <p:nvPr>
+            <p:ph type="body" sz="quarter" idx="15"/>
+          </p:nvPr>
+        </p:nvSpPr>
+        <p:spPr>
+          <a:xfrm>
+            <a:off x="551384" y="3806801"/>
+            <a:ext cx="6339416" cy="2814761"/>
+          </a:xfrm>
+        </p:spPr>
+        <p:txBody>
+          <a:bodyPr/>
+          <a:lstStyle/>
+          <a:p>
+            <a:r>
+              <a:rPr lang="en-US" noProof="0" dirty="0" smtClean="0"/>
+              <a:t>Source code verification</a:t>
+            </a:r>
+          </a:p>
+          <a:p>
+            <a:r>
+              <a:rPr lang="en-US" noProof="0" dirty="0" smtClean="0"/>
+              <a:t>Event implementation parameters check</a:t>
+            </a:r>
+          </a:p>
+          <a:p>
+            <a:r>
+              <a:rPr lang="en-US" noProof="0" dirty="0" smtClean="0"/>
+              <a:t>Check properties pairing</a:t>
+            </a:r>
+          </a:p>
+          <a:p>
+            <a:r>
+              <a:rPr lang="en-US" noProof="0" dirty="0" smtClean="0"/>
+              <a:t>Missing imports</a:t>
+            </a:r>
+          </a:p>
+          <a:p>
+            <a:r>
+              <a:rPr lang="en-US" noProof="0" dirty="0" smtClean="0"/>
+              <a:t>Autocomplete </a:t>
+            </a:r>
+          </a:p>
+          <a:p>
+            <a:r>
+              <a:rPr lang="en-US" noProof="0" dirty="0" smtClean="0"/>
+              <a:t>Searching implementations</a:t>
+            </a:r>
+          </a:p>
+          <a:p>
+            <a:endParaRPr lang="en-US" noProof="0" dirty="0"/>
+          </a:p>
+        </p:txBody>
+      </p:sp>
+      <p:grpSp>
+        <p:nvGrpSpPr>
+          <p:cNvPr id="3" name="Skupina 2"/>
+          <p:cNvGrpSpPr/>
+          <p:nvPr/>
+        </p:nvGrpSpPr>
+        <p:grpSpPr>
+          <a:xfrm>
+            <a:off x="526441" y="1124744"/>
+            <a:ext cx="5265936" cy="2111400"/>
+            <a:chOff x="254000" y="251732"/>
+            <a:chExt cx="7366000" cy="2953430"/>
+          </a:xfrm>
+        </p:grpSpPr>
+        <p:pic>
+          <p:nvPicPr>
+            <p:cNvPr id="8" name="Obrázok 7"/>
+            <p:cNvPicPr>
+              <a:picLocks noChangeAspect="1"/>
+            </p:cNvPicPr>
+            <p:nvPr/>
+          </p:nvPicPr>
+          <p:blipFill>
+            <a:blip r:embed="rId3"/>
+            <a:stretch>
+              <a:fillRect/>
+            </a:stretch>
+          </p:blipFill>
+          <p:spPr>
+            <a:xfrm>
+              <a:off x="254000" y="251732"/>
+              <a:ext cx="2133600" cy="1390650"/>
+            </a:xfrm>
+            <a:prstGeom prst="rect">
+              <a:avLst/>
+            </a:prstGeom>
+          </p:spPr>
+        </p:pic>
+        <p:pic>
+          <p:nvPicPr>
+            <p:cNvPr id="9" name="Obrázok 8"/>
+            <p:cNvPicPr>
+              <a:picLocks noChangeAspect="1"/>
+            </p:cNvPicPr>
+            <p:nvPr/>
+          </p:nvPicPr>
+          <p:blipFill>
+            <a:blip r:embed="rId4"/>
+            <a:stretch>
+              <a:fillRect/>
+            </a:stretch>
+          </p:blipFill>
+          <p:spPr>
+            <a:xfrm>
+              <a:off x="254000" y="1785937"/>
+              <a:ext cx="2133600" cy="1419225"/>
+            </a:xfrm>
+            <a:prstGeom prst="rect">
+              <a:avLst/>
+            </a:prstGeom>
+          </p:spPr>
+        </p:pic>
+        <p:pic>
+          <p:nvPicPr>
+            <p:cNvPr id="10" name="Obrázok 9"/>
+            <p:cNvPicPr>
+              <a:picLocks noChangeAspect="1"/>
+            </p:cNvPicPr>
+            <p:nvPr/>
+          </p:nvPicPr>
+          <p:blipFill>
+            <a:blip r:embed="rId5"/>
+            <a:stretch>
+              <a:fillRect/>
+            </a:stretch>
+          </p:blipFill>
+          <p:spPr>
+            <a:xfrm>
+              <a:off x="5486400" y="251732"/>
+              <a:ext cx="2133600" cy="2390775"/>
+            </a:xfrm>
+            <a:prstGeom prst="rect">
+              <a:avLst/>
+            </a:prstGeom>
+          </p:spPr>
+        </p:pic>
+        <p:pic>
+          <p:nvPicPr>
+            <p:cNvPr id="11" name="Obrázok 10"/>
+            <p:cNvPicPr>
+              <a:picLocks noChangeAspect="1"/>
+            </p:cNvPicPr>
+            <p:nvPr/>
+          </p:nvPicPr>
+          <p:blipFill>
+            <a:blip r:embed="rId6" cstate="print">
+              <a:extLst>
+                <a:ext uri="{28A0092B-C50C-407E-A947-70E740481C1C}">
+                  <a14:useLocalDpi xmlns:a14="http://schemas.microsoft.com/office/drawing/2010/main" val="0"/>
+                </a:ext>
+              </a:extLst>
+            </a:blip>
+            <a:stretch>
+              <a:fillRect/>
+            </a:stretch>
+          </p:blipFill>
+          <p:spPr>
+            <a:xfrm>
+              <a:off x="2200579" y="2015987"/>
+              <a:ext cx="167971" cy="167971"/>
+            </a:xfrm>
+            <a:prstGeom prst="rect">
+              <a:avLst/>
+            </a:prstGeom>
+          </p:spPr>
+        </p:pic>
+        <p:pic>
+          <p:nvPicPr>
+            <p:cNvPr id="12" name="Obrázok 11"/>
+            <p:cNvPicPr>
+              <a:picLocks noChangeAspect="1"/>
+            </p:cNvPicPr>
+            <p:nvPr/>
+          </p:nvPicPr>
+          <p:blipFill>
+            <a:blip r:embed="rId6" cstate="print">
+              <a:extLst>
+                <a:ext uri="{28A0092B-C50C-407E-A947-70E740481C1C}">
+                  <a14:useLocalDpi xmlns:a14="http://schemas.microsoft.com/office/drawing/2010/main" val="0"/>
+                </a:ext>
+              </a:extLst>
+            </a:blip>
+            <a:stretch>
+              <a:fillRect/>
+            </a:stretch>
+          </p:blipFill>
+          <p:spPr>
+            <a:xfrm>
+              <a:off x="2200578" y="482462"/>
+              <a:ext cx="167971" cy="167971"/>
+            </a:xfrm>
+            <a:prstGeom prst="rect">
+              <a:avLst/>
+            </a:prstGeom>
+          </p:spPr>
+        </p:pic>
+        <p:pic>
+          <p:nvPicPr>
+            <p:cNvPr id="13" name="Obrázok 12"/>
+            <p:cNvPicPr>
+              <a:picLocks noChangeAspect="1"/>
+            </p:cNvPicPr>
+            <p:nvPr/>
+          </p:nvPicPr>
+          <p:blipFill>
+            <a:blip r:embed="rId6" cstate="print">
+              <a:extLst>
+                <a:ext uri="{28A0092B-C50C-407E-A947-70E740481C1C}">
+                  <a14:useLocalDpi xmlns:a14="http://schemas.microsoft.com/office/drawing/2010/main" val="0"/>
+                </a:ext>
+              </a:extLst>
+            </a:blip>
+            <a:stretch>
+              <a:fillRect/>
+            </a:stretch>
+          </p:blipFill>
+          <p:spPr>
+            <a:xfrm>
+              <a:off x="2191052" y="975632"/>
+              <a:ext cx="167971" cy="167971"/>
+            </a:xfrm>
+            <a:prstGeom prst="rect">
+              <a:avLst/>
+            </a:prstGeom>
+          </p:spPr>
+        </p:pic>
+        <p:pic>
+          <p:nvPicPr>
+            <p:cNvPr id="14" name="Obrázok 13"/>
+            <p:cNvPicPr>
+              <a:picLocks noChangeAspect="1"/>
+            </p:cNvPicPr>
+            <p:nvPr/>
+          </p:nvPicPr>
+          <p:blipFill>
+            <a:blip r:embed="rId6" cstate="print">
+              <a:extLst>
+                <a:ext uri="{28A0092B-C50C-407E-A947-70E740481C1C}">
+                  <a14:useLocalDpi xmlns:a14="http://schemas.microsoft.com/office/drawing/2010/main" val="0"/>
+                </a:ext>
+              </a:extLst>
+            </a:blip>
+            <a:stretch>
+              <a:fillRect/>
+            </a:stretch>
+          </p:blipFill>
+          <p:spPr>
+            <a:xfrm>
+              <a:off x="7429804" y="1298198"/>
+              <a:ext cx="167971" cy="167971"/>
+            </a:xfrm>
+            <a:prstGeom prst="rect">
+              <a:avLst/>
+            </a:prstGeom>
+          </p:spPr>
+        </p:pic>
+        <p:sp>
+          <p:nvSpPr>
+            <p:cNvPr id="15" name="BlokTextu 14"/>
+            <p:cNvSpPr txBox="1"/>
+            <p:nvPr/>
+          </p:nvSpPr>
+          <p:spPr>
+            <a:xfrm>
+              <a:off x="2741612" y="767230"/>
+              <a:ext cx="2390774" cy="473570"/>
+            </a:xfrm>
+            <a:prstGeom prst="rect">
+              <a:avLst/>
+            </a:prstGeom>
+            <a:noFill/>
+            <a:ln w="28575" cap="flat" cmpd="sng" algn="ctr">
+              <a:solidFill>
+                <a:srgbClr val="00B050"/>
+              </a:solidFill>
+              <a:prstDash val="solid"/>
+              <a:round/>
+              <a:headEnd type="none" w="med" len="med"/>
+              <a:tailEnd type="none" w="med" len="med"/>
+            </a:ln>
+          </p:spPr>
+          <p:style>
+            <a:lnRef idx="0">
+              <a:scrgbClr r="0" g="0" b="0"/>
+            </a:lnRef>
+            <a:fillRef idx="0">
+              <a:scrgbClr r="0" g="0" b="0"/>
+            </a:fillRef>
+            <a:effectRef idx="0">
+              <a:scrgbClr r="0" g="0" b="0"/>
+            </a:effectRef>
+            <a:fontRef idx="minor">
+              <a:schemeClr val="dk1"/>
+            </a:fontRef>
+          </p:style>
+          <p:txBody>
+            <a:bodyPr wrap="square" rtlCol="0">
+              <a:spAutoFit/>
+            </a:bodyPr>
+            <a:lstStyle/>
+            <a:p>
+              <a:r>
+                <a:rPr lang="en-US" sz="1600" dirty="0" smtClean="0"/>
+                <a:t>Same name usage</a:t>
+              </a:r>
+              <a:endParaRPr lang="en-US" sz="1600" dirty="0"/>
+            </a:p>
+          </p:txBody>
+        </p:sp>
+        <p:sp>
+          <p:nvSpPr>
+            <p:cNvPr id="16" name="BlokTextu 15"/>
+            <p:cNvSpPr txBox="1"/>
+            <p:nvPr/>
+          </p:nvSpPr>
+          <p:spPr>
+            <a:xfrm>
+              <a:off x="2751139" y="1723599"/>
+              <a:ext cx="2390774" cy="817984"/>
+            </a:xfrm>
+            <a:prstGeom prst="rect">
+              <a:avLst/>
+            </a:prstGeom>
+            <a:ln w="28575">
+              <a:solidFill>
+                <a:srgbClr val="C00000"/>
+              </a:solidFill>
+            </a:ln>
+          </p:spPr>
+          <p:style>
+            <a:lnRef idx="2">
+              <a:schemeClr val="dk1"/>
+            </a:lnRef>
+            <a:fillRef idx="1">
+              <a:schemeClr val="lt1"/>
+            </a:fillRef>
+            <a:effectRef idx="0">
+              <a:schemeClr val="dk1"/>
+            </a:effectRef>
+            <a:fontRef idx="minor">
+              <a:schemeClr val="dk1"/>
+            </a:fontRef>
+          </p:style>
+          <p:txBody>
+            <a:bodyPr wrap="square" rtlCol="0">
+              <a:spAutoFit/>
+            </a:bodyPr>
+            <a:lstStyle/>
+            <a:p>
+              <a:r>
+                <a:rPr lang="en-US" sz="1600" dirty="0" smtClean="0"/>
+                <a:t>Same h</a:t>
+              </a:r>
+              <a:r>
+                <a:rPr lang="sk-SK" sz="1600" dirty="0" err="1" smtClean="0"/>
+                <a:t>ard</a:t>
+              </a:r>
+              <a:r>
+                <a:rPr lang="en-US" sz="1600" dirty="0" smtClean="0"/>
+                <a:t>w</a:t>
+              </a:r>
+              <a:r>
+                <a:rPr lang="sk-SK" sz="1600" dirty="0" smtClean="0"/>
+                <a:t>are</a:t>
+              </a:r>
+              <a:r>
+                <a:rPr lang="en-US" sz="1600" dirty="0" smtClean="0"/>
+                <a:t> device usage</a:t>
+              </a:r>
+              <a:endParaRPr lang="en-US" sz="1600" dirty="0"/>
+            </a:p>
+          </p:txBody>
+        </p:sp>
+        <p:cxnSp>
+          <p:nvCxnSpPr>
+            <p:cNvPr id="17" name="Rovná spojnica 16"/>
+            <p:cNvCxnSpPr>
+              <a:stCxn id="12" idx="3"/>
+              <a:endCxn id="15" idx="1"/>
+            </p:cNvCxnSpPr>
+            <p:nvPr/>
+          </p:nvCxnSpPr>
+          <p:spPr>
+            <a:xfrm>
+              <a:off x="2368549" y="566447"/>
+              <a:ext cx="373063" cy="437568"/>
+            </a:xfrm>
+            <a:prstGeom prst="line">
+              <a:avLst/>
+            </a:prstGeom>
+            <a:ln w="19050">
+              <a:solidFill>
+                <a:srgbClr val="00B050"/>
+              </a:solidFill>
+            </a:ln>
+            <a:effectLst/>
+          </p:spPr>
+          <p:style>
+            <a:lnRef idx="3">
+              <a:schemeClr val="dk1"/>
+            </a:lnRef>
+            <a:fillRef idx="0">
+              <a:schemeClr val="dk1"/>
+            </a:fillRef>
+            <a:effectRef idx="2">
+              <a:schemeClr val="dk1"/>
+            </a:effectRef>
+            <a:fontRef idx="minor">
+              <a:schemeClr val="tx1"/>
+            </a:fontRef>
+          </p:style>
+        </p:cxnSp>
+        <p:cxnSp>
+          <p:nvCxnSpPr>
+            <p:cNvPr id="18" name="Rovná spojnica 17"/>
+            <p:cNvCxnSpPr>
+              <a:stCxn id="11" idx="3"/>
+              <a:endCxn id="15" idx="1"/>
+            </p:cNvCxnSpPr>
+            <p:nvPr/>
+          </p:nvCxnSpPr>
+          <p:spPr>
+            <a:xfrm flipV="1">
+              <a:off x="2368550" y="1004015"/>
+              <a:ext cx="373062" cy="1095958"/>
+            </a:xfrm>
+            <a:prstGeom prst="line">
+              <a:avLst/>
+            </a:prstGeom>
+            <a:ln w="19050">
+              <a:solidFill>
+                <a:srgbClr val="00B050"/>
+              </a:solidFill>
+            </a:ln>
+            <a:effectLst/>
+          </p:spPr>
+          <p:style>
+            <a:lnRef idx="3">
+              <a:schemeClr val="dk1"/>
+            </a:lnRef>
+            <a:fillRef idx="0">
+              <a:schemeClr val="dk1"/>
+            </a:fillRef>
+            <a:effectRef idx="2">
+              <a:schemeClr val="dk1"/>
+            </a:effectRef>
+            <a:fontRef idx="minor">
+              <a:schemeClr val="tx1"/>
+            </a:fontRef>
+          </p:style>
+        </p:cxnSp>
+        <p:cxnSp>
+          <p:nvCxnSpPr>
+            <p:cNvPr id="19" name="Rovná spojnica 18"/>
+            <p:cNvCxnSpPr>
+              <a:stCxn id="13" idx="3"/>
+              <a:endCxn id="16" idx="1"/>
+            </p:cNvCxnSpPr>
+            <p:nvPr/>
+          </p:nvCxnSpPr>
+          <p:spPr>
+            <a:xfrm>
+              <a:off x="2359023" y="1059617"/>
+              <a:ext cx="392116" cy="1072975"/>
+            </a:xfrm>
+            <a:prstGeom prst="line">
+              <a:avLst/>
+            </a:prstGeom>
+            <a:ln w="19050">
+              <a:solidFill>
+                <a:srgbClr val="C00000"/>
+              </a:solidFill>
+            </a:ln>
+            <a:effectLst/>
+          </p:spPr>
+          <p:style>
+            <a:lnRef idx="3">
+              <a:schemeClr val="accent2"/>
+            </a:lnRef>
+            <a:fillRef idx="0">
+              <a:schemeClr val="accent2"/>
+            </a:fillRef>
+            <a:effectRef idx="2">
+              <a:schemeClr val="accent2"/>
+            </a:effectRef>
+            <a:fontRef idx="minor">
+              <a:schemeClr val="tx1"/>
+            </a:fontRef>
+          </p:style>
+        </p:cxnSp>
+        <p:cxnSp>
+          <p:nvCxnSpPr>
+            <p:cNvPr id="20" name="Rovná spojnica 19"/>
+            <p:cNvCxnSpPr>
+              <a:stCxn id="10" idx="1"/>
+              <a:endCxn id="16" idx="3"/>
+            </p:cNvCxnSpPr>
+            <p:nvPr/>
+          </p:nvCxnSpPr>
+          <p:spPr>
+            <a:xfrm flipH="1">
+              <a:off x="5141914" y="1447120"/>
+              <a:ext cx="344486" cy="685472"/>
+            </a:xfrm>
+            <a:prstGeom prst="line">
+              <a:avLst/>
+            </a:prstGeom>
+            <a:ln w="19050">
+              <a:solidFill>
+                <a:srgbClr val="C00000"/>
+              </a:solidFill>
+            </a:ln>
+            <a:effectLst/>
+          </p:spPr>
+          <p:style>
+            <a:lnRef idx="3">
+              <a:schemeClr val="accent2"/>
+            </a:lnRef>
+            <a:fillRef idx="0">
+              <a:schemeClr val="accent2"/>
+            </a:fillRef>
+            <a:effectRef idx="2">
+              <a:schemeClr val="accent2"/>
+            </a:effectRef>
+            <a:fontRef idx="minor">
+              <a:schemeClr val="tx1"/>
+            </a:fontRef>
+          </p:style>
+        </p:cxnSp>
+      </p:grpSp>
+      <p:sp>
+        <p:nvSpPr>
+          <p:cNvPr id="4" name="Obdĺžnik 3"/>
+          <p:cNvSpPr/>
+          <p:nvPr/>
+        </p:nvSpPr>
+        <p:spPr>
+          <a:xfrm>
+            <a:off x="6672064" y="3501008"/>
+            <a:ext cx="2016224" cy="144016"/>
+          </a:xfrm>
+          <a:prstGeom prst="rect">
+            <a:avLst/>
+          </a:prstGeom>
+          <a:solidFill>
+            <a:srgbClr val="FFFFE1"/>
+          </a:solidFill>
+          <a:ln>
+            <a:noFill/>
+          </a:ln>
+        </p:spPr>
+        <p:style>
+          <a:lnRef idx="2">
+            <a:schemeClr val="accent1">
+              <a:shade val="50000"/>
+            </a:schemeClr>
+          </a:lnRef>
+          <a:fillRef idx="1">
+            <a:schemeClr val="accent1"/>
+          </a:fillRef>
+          <a:effectRef idx="0">
+            <a:schemeClr val="accent1"/>
+          </a:effectRef>
+          <a:fontRef idx="minor">
+            <a:schemeClr val="lt1"/>
+          </a:fontRef>
+        </p:style>
+        <p:txBody>
+          <a:bodyPr rtlCol="0" anchor="ctr"/>
+          <a:lstStyle/>
+          <a:p>
+            <a:pPr algn="ctr"/>
+            <a:endParaRPr lang="sk-SK"/>
+          </a:p>
+        </p:txBody>
+      </p:sp>
+      <p:sp>
+        <p:nvSpPr>
+          <p:cNvPr id="21" name="BlokTextu 20"/>
+          <p:cNvSpPr txBox="1"/>
+          <p:nvPr/>
+        </p:nvSpPr>
+        <p:spPr>
+          <a:xfrm>
+            <a:off x="6654093" y="3457600"/>
+            <a:ext cx="2052165" cy="230832"/>
+          </a:xfrm>
+          <a:prstGeom prst="rect">
+            <a:avLst/>
+          </a:prstGeom>
+          <a:noFill/>
+        </p:spPr>
+        <p:txBody>
+          <a:bodyPr wrap="none" rtlCol="0">
+            <a:spAutoFit/>
+          </a:bodyPr>
+          <a:lstStyle/>
+          <a:p>
+            <a:r>
+              <a:rPr lang="sk-SK" sz="900" dirty="0" err="1" smtClean="0"/>
+              <a:t>Missing</a:t>
+            </a:r>
+            <a:r>
+              <a:rPr lang="sk-SK" sz="900" dirty="0" smtClean="0"/>
+              <a:t> import #</a:t>
+            </a:r>
+            <a:r>
+              <a:rPr lang="sk-SK" sz="900" dirty="0" err="1" smtClean="0"/>
+              <a:t>include</a:t>
+            </a:r>
+            <a:r>
+              <a:rPr lang="sk-SK" sz="900" dirty="0" smtClean="0"/>
+              <a:t> &lt;</a:t>
+            </a:r>
+            <a:r>
+              <a:rPr lang="sk-SK" sz="900" dirty="0" err="1" smtClean="0"/>
+              <a:t>BlinkTimer.h</a:t>
+            </a:r>
+            <a:r>
+              <a:rPr lang="sk-SK" sz="900" dirty="0" smtClean="0"/>
+              <a:t>&gt;</a:t>
+            </a:r>
+            <a:endParaRPr lang="sk-SK" sz="900" dirty="0"/>
+          </a:p>
+        </p:txBody>
+      </p:sp>
+    </p:spTree>
+    <p:extLst>
+      <p:ext uri="{BB962C8B-B14F-4D97-AF65-F5344CB8AC3E}">
+        <p14:creationId xmlns:p14="http://schemas.microsoft.com/office/powerpoint/2010/main" val="335833981"/>
+      </p:ext>
+    </p:extLst>
+  </p:cSld>
+  <p:clrMapOvr>
+    <a:masterClrMapping/>
+  </p:clrMapOvr>
+  <p:timing>
+    <p:tnLst>
+      <p:par>
+        <p:cTn id="1" dur="indefinite" restart="never" nodeType="tmRoot"/>
+      </p:par>
+    </p:tnLst>
+  </p:timing>
+</p:sld>
+</file>
+
+<file path=ppt/slides/slide13.xml><?xml version="1.0" encoding="utf-8"?>
+<p:sld xmlns:a="http://schemas.openxmlformats.org/drawingml/2006/main" xmlns:r="http://schemas.openxmlformats.org/officeDocument/2006/relationships" xmlns:p="http://schemas.openxmlformats.org/presentationml/2006/main">
+  <p:cSld>
+    <p:spTree>
+      <p:nvGrpSpPr>
+        <p:cNvPr id="1" name=""/>
+        <p:cNvGrpSpPr/>
+        <p:nvPr/>
+      </p:nvGrpSpPr>
+      <p:grpSpPr>
+        <a:xfrm>
+          <a:off x="0" y="0"/>
+          <a:ext cx="0" cy="0"/>
+          <a:chOff x="0" y="0"/>
+          <a:chExt cx="0" cy="0"/>
+        </a:xfrm>
+      </p:grpSpPr>
+      <p:sp>
+        <p:nvSpPr>
+          <p:cNvPr id="2" name="Nadpis 1"/>
+          <p:cNvSpPr>
+            <a:spLocks noGrp="1"/>
+          </p:cNvSpPr>
+          <p:nvPr>
+            <p:ph type="title"/>
+          </p:nvPr>
+        </p:nvSpPr>
+        <p:spPr/>
+        <p:txBody>
+          <a:bodyPr>
+            <a:normAutofit fontScale="90000"/>
+          </a:bodyPr>
+          <a:lstStyle/>
+          <a:p>
+            <a:r>
+              <a:rPr lang="en-US" noProof="0" dirty="0" smtClean="0"/>
+              <a:t>Deployment – inter-process communication</a:t>
+            </a:r>
+            <a:endParaRPr lang="en-US" noProof="0" dirty="0"/>
+          </a:p>
+        </p:txBody>
+      </p:sp>
+      <p:pic>
+        <p:nvPicPr>
+          <p:cNvPr id="6" name="Obrázok 5"/>
+          <p:cNvPicPr>
+            <a:picLocks noChangeAspect="1"/>
+          </p:cNvPicPr>
+          <p:nvPr/>
+        </p:nvPicPr>
+        <p:blipFill>
+          <a:blip r:embed="rId2" cstate="print">
+            <a:extLst>
+              <a:ext uri="{28A0092B-C50C-407E-A947-70E740481C1C}">
+                <a14:useLocalDpi xmlns:a14="http://schemas.microsoft.com/office/drawing/2010/main" val="0"/>
+              </a:ext>
+            </a:extLst>
+          </a:blip>
+          <a:stretch>
+            <a:fillRect/>
+          </a:stretch>
+        </p:blipFill>
+        <p:spPr>
+          <a:xfrm>
+            <a:off x="1271464" y="1340768"/>
+            <a:ext cx="2440033" cy="1489437"/>
+          </a:xfrm>
+          <a:prstGeom prst="rect">
+            <a:avLst/>
+          </a:prstGeom>
+        </p:spPr>
+      </p:pic>
+      <p:pic>
+        <p:nvPicPr>
+          <p:cNvPr id="7" name="Obrázok 6"/>
+          <p:cNvPicPr>
+            <a:picLocks noChangeAspect="1"/>
+          </p:cNvPicPr>
+          <p:nvPr/>
+        </p:nvPicPr>
+        <p:blipFill>
+          <a:blip r:embed="rId3" cstate="print">
+            <a:extLst>
+              <a:ext uri="{28A0092B-C50C-407E-A947-70E740481C1C}">
+                <a14:useLocalDpi xmlns:a14="http://schemas.microsoft.com/office/drawing/2010/main" val="0"/>
+              </a:ext>
+            </a:extLst>
+          </a:blip>
+          <a:stretch>
+            <a:fillRect/>
+          </a:stretch>
+        </p:blipFill>
+        <p:spPr>
+          <a:xfrm>
+            <a:off x="1347109" y="3656605"/>
+            <a:ext cx="2527158" cy="1229118"/>
+          </a:xfrm>
+          <a:prstGeom prst="rect">
+            <a:avLst/>
+          </a:prstGeom>
+        </p:spPr>
+      </p:pic>
+      <p:pic>
+        <p:nvPicPr>
+          <p:cNvPr id="1026" name="Picture 2" descr="appicns, terminal icon"/>
+          <p:cNvPicPr>
+            <a:picLocks noChangeAspect="1" noChangeArrowheads="1"/>
+          </p:cNvPicPr>
+          <p:nvPr/>
+        </p:nvPicPr>
+        <p:blipFill>
+          <a:blip r:embed="rId4" cstate="print">
+            <a:extLst>
+              <a:ext uri="{28A0092B-C50C-407E-A947-70E740481C1C}">
+                <a14:useLocalDpi xmlns:a14="http://schemas.microsoft.com/office/drawing/2010/main" val="0"/>
+              </a:ext>
+            </a:extLst>
+          </a:blip>
+          <a:srcRect/>
+          <a:stretch>
+            <a:fillRect/>
+          </a:stretch>
+        </p:blipFill>
+        <p:spPr bwMode="auto">
+          <a:xfrm>
+            <a:off x="1751811" y="3656605"/>
+            <a:ext cx="1224136" cy="1224136"/>
+          </a:xfrm>
+          <a:prstGeom prst="rect">
+            <a:avLst/>
+          </a:prstGeom>
+          <a:noFill/>
+          <a:extLst>
+            <a:ext uri="{909E8E84-426E-40DD-AFC4-6F175D3DCCD1}">
+              <a14:hiddenFill xmlns:a14="http://schemas.microsoft.com/office/drawing/2010/main">
+                <a:solidFill>
+                  <a:srgbClr val="FFFFFF"/>
+                </a:solidFill>
+              </a14:hiddenFill>
+            </a:ext>
+          </a:extLst>
+        </p:spPr>
+      </p:pic>
+      <p:pic>
+        <p:nvPicPr>
+          <p:cNvPr id="1028" name="Picture 4" descr="https://cdn.arduino.cc/homepage/static/media/arduino-UNO.bcc69bde.png"/>
+          <p:cNvPicPr>
+            <a:picLocks noChangeAspect="1" noChangeArrowheads="1"/>
+          </p:cNvPicPr>
+          <p:nvPr/>
+        </p:nvPicPr>
+        <p:blipFill>
+          <a:blip r:embed="rId5">
+            <a:extLst>
+              <a:ext uri="{28A0092B-C50C-407E-A947-70E740481C1C}">
+                <a14:useLocalDpi xmlns:a14="http://schemas.microsoft.com/office/drawing/2010/main" val="0"/>
+              </a:ext>
+            </a:extLst>
+          </a:blip>
+          <a:srcRect/>
+          <a:stretch>
+            <a:fillRect/>
+          </a:stretch>
+        </p:blipFill>
+        <p:spPr bwMode="auto">
+          <a:xfrm>
+            <a:off x="6904365" y="5047488"/>
+            <a:ext cx="1351175" cy="962845"/>
+          </a:xfrm>
+          <a:prstGeom prst="rect">
+            <a:avLst/>
+          </a:prstGeom>
+          <a:noFill/>
+          <a:extLst>
+            <a:ext uri="{909E8E84-426E-40DD-AFC4-6F175D3DCCD1}">
+              <a14:hiddenFill xmlns:a14="http://schemas.microsoft.com/office/drawing/2010/main">
+                <a:solidFill>
+                  <a:srgbClr val="FFFFFF"/>
+                </a:solidFill>
+              </a14:hiddenFill>
+            </a:ext>
+          </a:extLst>
+        </p:spPr>
+      </p:pic>
+      <p:cxnSp>
+        <p:nvCxnSpPr>
+          <p:cNvPr id="9" name="Rovná spojovacia šípka 8"/>
+          <p:cNvCxnSpPr/>
+          <p:nvPr/>
+        </p:nvCxnSpPr>
+        <p:spPr>
+          <a:xfrm>
+            <a:off x="3976485" y="5729073"/>
+            <a:ext cx="1440160" cy="0"/>
+          </a:xfrm>
+          <a:prstGeom prst="straightConnector1">
+            <a:avLst/>
+          </a:prstGeom>
+          <a:ln>
+            <a:tailEnd type="triangle"/>
+          </a:ln>
+        </p:spPr>
+        <p:style>
+          <a:lnRef idx="1">
+            <a:schemeClr val="accent1"/>
+          </a:lnRef>
+          <a:fillRef idx="0">
+            <a:schemeClr val="accent1"/>
+          </a:fillRef>
+          <a:effectRef idx="0">
+            <a:schemeClr val="accent1"/>
+          </a:effectRef>
+          <a:fontRef idx="minor">
+            <a:schemeClr val="tx1"/>
+          </a:fontRef>
+        </p:style>
+      </p:cxnSp>
+      <p:sp>
+        <p:nvSpPr>
+          <p:cNvPr id="10" name="BlokTextu 9"/>
+          <p:cNvSpPr txBox="1"/>
+          <p:nvPr/>
+        </p:nvSpPr>
+        <p:spPr>
+          <a:xfrm>
+            <a:off x="3976485" y="5726333"/>
+            <a:ext cx="649537" cy="369332"/>
+          </a:xfrm>
+          <a:prstGeom prst="rect">
+            <a:avLst/>
+          </a:prstGeom>
+          <a:noFill/>
+        </p:spPr>
+        <p:txBody>
+          <a:bodyPr wrap="none" rtlCol="0">
+            <a:spAutoFit/>
+          </a:bodyPr>
+          <a:lstStyle/>
+          <a:p>
+            <a:r>
+              <a:rPr lang="en-US" dirty="0" smtClean="0"/>
+              <a:t>Time</a:t>
+            </a:r>
+            <a:endParaRPr lang="en-US" dirty="0"/>
+          </a:p>
+        </p:txBody>
+      </p:sp>
+      <p:sp>
+        <p:nvSpPr>
+          <p:cNvPr id="13" name="Šípka nadol 12"/>
+          <p:cNvSpPr/>
+          <p:nvPr/>
+        </p:nvSpPr>
+        <p:spPr>
+          <a:xfrm rot="12014516">
+            <a:off x="5810933" y="2054514"/>
+            <a:ext cx="390520" cy="2177849"/>
+          </a:xfrm>
+          <a:prstGeom prst="downArrow">
+            <a:avLst>
+              <a:gd name="adj1" fmla="val 24137"/>
+              <a:gd name="adj2" fmla="val 50000"/>
+            </a:avLst>
+          </a:prstGeom>
+          <a:solidFill>
+            <a:schemeClr val="accent6"/>
+          </a:solidFill>
+          <a:ln>
+            <a:noFill/>
+          </a:ln>
+        </p:spPr>
+        <p:style>
+          <a:lnRef idx="0">
+            <a:scrgbClr r="0" g="0" b="0"/>
+          </a:lnRef>
+          <a:fillRef idx="0">
+            <a:scrgbClr r="0" g="0" b="0"/>
+          </a:fillRef>
+          <a:effectRef idx="0">
+            <a:scrgbClr r="0" g="0" b="0"/>
+          </a:effectRef>
+          <a:fontRef idx="minor">
+            <a:schemeClr val="lt1"/>
+          </a:fontRef>
+        </p:style>
+        <p:txBody>
+          <a:bodyPr rtlCol="0" anchor="ctr"/>
+          <a:lstStyle/>
+          <a:p>
+            <a:pPr algn="ctr"/>
+            <a:endParaRPr lang="en-US" dirty="0"/>
+          </a:p>
+        </p:txBody>
+      </p:sp>
+      <p:cxnSp>
+        <p:nvCxnSpPr>
+          <p:cNvPr id="21" name="Rovná spojnica 20"/>
+          <p:cNvCxnSpPr/>
+          <p:nvPr/>
+        </p:nvCxnSpPr>
+        <p:spPr>
+          <a:xfrm>
+            <a:off x="4813870" y="4268673"/>
+            <a:ext cx="3144512" cy="2491"/>
+          </a:xfrm>
+          <a:prstGeom prst="line">
+            <a:avLst/>
+          </a:prstGeom>
+        </p:spPr>
+        <p:style>
+          <a:lnRef idx="1">
+            <a:schemeClr val="accent1"/>
+          </a:lnRef>
+          <a:fillRef idx="0">
+            <a:schemeClr val="accent1"/>
+          </a:fillRef>
+          <a:effectRef idx="0">
+            <a:schemeClr val="accent1"/>
+          </a:effectRef>
+          <a:fontRef idx="minor">
+            <a:schemeClr val="tx1"/>
+          </a:fontRef>
+        </p:style>
+      </p:cxnSp>
+      <p:cxnSp>
+        <p:nvCxnSpPr>
+          <p:cNvPr id="24" name="Rovná spojnica 23"/>
+          <p:cNvCxnSpPr/>
+          <p:nvPr/>
+        </p:nvCxnSpPr>
+        <p:spPr>
+          <a:xfrm>
+            <a:off x="3928785" y="2013477"/>
+            <a:ext cx="6936020" cy="0"/>
+          </a:xfrm>
+          <a:prstGeom prst="line">
+            <a:avLst/>
+          </a:prstGeom>
+        </p:spPr>
+        <p:style>
+          <a:lnRef idx="1">
+            <a:schemeClr val="accent1"/>
+          </a:lnRef>
+          <a:fillRef idx="0">
+            <a:schemeClr val="accent1"/>
+          </a:fillRef>
+          <a:effectRef idx="0">
+            <a:schemeClr val="accent1"/>
+          </a:effectRef>
+          <a:fontRef idx="minor">
+            <a:schemeClr val="tx1"/>
+          </a:fontRef>
+        </p:style>
+      </p:cxnSp>
+      <p:sp>
+        <p:nvSpPr>
+          <p:cNvPr id="12" name="Ohnutá šípka 11"/>
+          <p:cNvSpPr/>
+          <p:nvPr/>
+        </p:nvSpPr>
+        <p:spPr>
+          <a:xfrm rot="5400000">
+            <a:off x="3445718" y="2468473"/>
+            <a:ext cx="2232248" cy="1224136"/>
+          </a:xfrm>
+          <a:prstGeom prst="bentArrow">
+            <a:avLst>
+              <a:gd name="adj1" fmla="val 11419"/>
+              <a:gd name="adj2" fmla="val 22963"/>
+              <a:gd name="adj3" fmla="val 25679"/>
+              <a:gd name="adj4" fmla="val 77293"/>
+            </a:avLst>
+          </a:prstGeom>
+        </p:spPr>
+        <p:style>
+          <a:lnRef idx="2">
+            <a:schemeClr val="accent1">
+              <a:shade val="50000"/>
+            </a:schemeClr>
+          </a:lnRef>
+          <a:fillRef idx="1">
+            <a:schemeClr val="accent1"/>
+          </a:fillRef>
+          <a:effectRef idx="0">
+            <a:schemeClr val="accent1"/>
+          </a:effectRef>
+          <a:fontRef idx="minor">
+            <a:schemeClr val="lt1"/>
+          </a:fontRef>
+        </p:style>
+        <p:txBody>
+          <a:bodyPr rtlCol="0" anchor="ctr"/>
+          <a:lstStyle/>
+          <a:p>
+            <a:pPr algn="ctr"/>
+            <a:endParaRPr lang="en-US" dirty="0">
+              <a:solidFill>
+                <a:schemeClr val="tx1"/>
+              </a:solidFill>
+            </a:endParaRPr>
+          </a:p>
+        </p:txBody>
+      </p:sp>
+      <p:sp>
+        <p:nvSpPr>
+          <p:cNvPr id="26" name="Šípka nadol 25"/>
+          <p:cNvSpPr/>
+          <p:nvPr/>
+        </p:nvSpPr>
+        <p:spPr>
+          <a:xfrm rot="12014516">
+            <a:off x="6528830" y="2049788"/>
+            <a:ext cx="390520" cy="2177849"/>
+          </a:xfrm>
+          <a:prstGeom prst="downArrow">
+            <a:avLst>
+              <a:gd name="adj1" fmla="val 24137"/>
+              <a:gd name="adj2" fmla="val 50000"/>
+            </a:avLst>
+          </a:prstGeom>
+          <a:solidFill>
+            <a:schemeClr val="accent2"/>
+          </a:solidFill>
+          <a:ln>
+            <a:noFill/>
+          </a:ln>
+        </p:spPr>
+        <p:style>
+          <a:lnRef idx="0">
+            <a:scrgbClr r="0" g="0" b="0"/>
+          </a:lnRef>
+          <a:fillRef idx="0">
+            <a:scrgbClr r="0" g="0" b="0"/>
+          </a:fillRef>
+          <a:effectRef idx="0">
+            <a:scrgbClr r="0" g="0" b="0"/>
+          </a:effectRef>
+          <a:fontRef idx="minor">
+            <a:schemeClr val="lt1"/>
+          </a:fontRef>
+        </p:style>
+        <p:txBody>
+          <a:bodyPr rtlCol="0" anchor="ctr"/>
+          <a:lstStyle/>
+          <a:p>
+            <a:pPr algn="ctr"/>
+            <a:endParaRPr lang="en-US" dirty="0"/>
+          </a:p>
+        </p:txBody>
+      </p:sp>
+      <p:sp>
+        <p:nvSpPr>
+          <p:cNvPr id="27" name="Šípka nadol 26"/>
+          <p:cNvSpPr/>
+          <p:nvPr/>
+        </p:nvSpPr>
+        <p:spPr>
+          <a:xfrm rot="12014516">
+            <a:off x="7203169" y="2085793"/>
+            <a:ext cx="390520" cy="2177849"/>
+          </a:xfrm>
+          <a:prstGeom prst="downArrow">
+            <a:avLst>
+              <a:gd name="adj1" fmla="val 24137"/>
+              <a:gd name="adj2" fmla="val 50000"/>
+            </a:avLst>
+          </a:prstGeom>
+          <a:solidFill>
+            <a:schemeClr val="accent6"/>
+          </a:solidFill>
+          <a:ln>
+            <a:noFill/>
+          </a:ln>
+        </p:spPr>
+        <p:style>
+          <a:lnRef idx="0">
+            <a:scrgbClr r="0" g="0" b="0"/>
+          </a:lnRef>
+          <a:fillRef idx="0">
+            <a:scrgbClr r="0" g="0" b="0"/>
+          </a:fillRef>
+          <a:effectRef idx="0">
+            <a:scrgbClr r="0" g="0" b="0"/>
+          </a:effectRef>
+          <a:fontRef idx="minor">
+            <a:schemeClr val="lt1"/>
+          </a:fontRef>
+        </p:style>
+        <p:txBody>
+          <a:bodyPr rtlCol="0" anchor="ctr"/>
+          <a:lstStyle/>
+          <a:p>
+            <a:pPr algn="ctr"/>
+            <a:endParaRPr lang="en-US" dirty="0"/>
+          </a:p>
+        </p:txBody>
+      </p:sp>
+      <p:sp>
+        <p:nvSpPr>
+          <p:cNvPr id="29" name="Šípka nadol 28"/>
+          <p:cNvSpPr/>
+          <p:nvPr/>
+        </p:nvSpPr>
+        <p:spPr>
+          <a:xfrm rot="12014516">
+            <a:off x="8204736" y="2071297"/>
+            <a:ext cx="390520" cy="2177849"/>
+          </a:xfrm>
+          <a:prstGeom prst="downArrow">
+            <a:avLst>
+              <a:gd name="adj1" fmla="val 24137"/>
+              <a:gd name="adj2" fmla="val 50000"/>
+            </a:avLst>
+          </a:prstGeom>
+          <a:solidFill>
+            <a:schemeClr val="accent6"/>
+          </a:solidFill>
+          <a:ln>
+            <a:noFill/>
+          </a:ln>
+        </p:spPr>
+        <p:style>
+          <a:lnRef idx="0">
+            <a:scrgbClr r="0" g="0" b="0"/>
+          </a:lnRef>
+          <a:fillRef idx="0">
+            <a:scrgbClr r="0" g="0" b="0"/>
+          </a:fillRef>
+          <a:effectRef idx="0">
+            <a:scrgbClr r="0" g="0" b="0"/>
+          </a:effectRef>
+          <a:fontRef idx="minor">
+            <a:schemeClr val="lt1"/>
+          </a:fontRef>
+        </p:style>
+        <p:txBody>
+          <a:bodyPr rtlCol="0" anchor="ctr"/>
+          <a:lstStyle/>
+          <a:p>
+            <a:pPr algn="ctr"/>
+            <a:endParaRPr lang="en-US" dirty="0"/>
+          </a:p>
+        </p:txBody>
+      </p:sp>
+      <p:sp>
+        <p:nvSpPr>
+          <p:cNvPr id="32" name="Šípka nadol 31"/>
+          <p:cNvSpPr/>
+          <p:nvPr/>
+        </p:nvSpPr>
+        <p:spPr>
+          <a:xfrm>
+            <a:off x="7504568" y="4357806"/>
+            <a:ext cx="150767" cy="521970"/>
+          </a:xfrm>
+          <a:prstGeom prst="downArrow">
+            <a:avLst>
+              <a:gd name="adj1" fmla="val 7108"/>
+              <a:gd name="adj2" fmla="val 41485"/>
+            </a:avLst>
+          </a:prstGeom>
+        </p:spPr>
+        <p:style>
+          <a:lnRef idx="2">
+            <a:schemeClr val="accent1">
+              <a:shade val="50000"/>
+            </a:schemeClr>
+          </a:lnRef>
+          <a:fillRef idx="1">
+            <a:schemeClr val="accent1"/>
+          </a:fillRef>
+          <a:effectRef idx="0">
+            <a:schemeClr val="accent1"/>
+          </a:effectRef>
+          <a:fontRef idx="minor">
+            <a:schemeClr val="lt1"/>
+          </a:fontRef>
+        </p:style>
+        <p:txBody>
+          <a:bodyPr rtlCol="0" anchor="ctr"/>
+          <a:lstStyle/>
+          <a:p>
+            <a:pPr algn="ctr"/>
+            <a:endParaRPr lang="en-US" dirty="0"/>
+          </a:p>
+        </p:txBody>
+      </p:sp>
+      <p:sp>
+        <p:nvSpPr>
+          <p:cNvPr id="31" name="BlokTextu 30"/>
+          <p:cNvSpPr txBox="1"/>
+          <p:nvPr/>
+        </p:nvSpPr>
+        <p:spPr>
+          <a:xfrm rot="17447362">
+            <a:off x="6124631" y="3008688"/>
+            <a:ext cx="743793" cy="369332"/>
+          </a:xfrm>
+          <a:prstGeom prst="rect">
+            <a:avLst/>
+          </a:prstGeom>
+          <a:noFill/>
+        </p:spPr>
+        <p:txBody>
+          <a:bodyPr wrap="none" rtlCol="0">
+            <a:spAutoFit/>
+          </a:bodyPr>
+          <a:lstStyle/>
+          <a:p>
+            <a:r>
+              <a:rPr lang="en-US" dirty="0" err="1" smtClean="0"/>
+              <a:t>stderr</a:t>
+            </a:r>
+            <a:endParaRPr lang="en-US" dirty="0"/>
+          </a:p>
+        </p:txBody>
+      </p:sp>
+      <p:sp>
+        <p:nvSpPr>
+          <p:cNvPr id="35" name="BlokTextu 34"/>
+          <p:cNvSpPr txBox="1"/>
+          <p:nvPr/>
+        </p:nvSpPr>
+        <p:spPr>
+          <a:xfrm rot="17429767">
+            <a:off x="6804178" y="3008688"/>
+            <a:ext cx="788677" cy="369332"/>
+          </a:xfrm>
+          <a:prstGeom prst="rect">
+            <a:avLst/>
+          </a:prstGeom>
+          <a:noFill/>
+        </p:spPr>
+        <p:txBody>
+          <a:bodyPr wrap="none" rtlCol="0">
+            <a:spAutoFit/>
+          </a:bodyPr>
+          <a:lstStyle/>
+          <a:p>
+            <a:r>
+              <a:rPr lang="en-US" dirty="0" err="1" smtClean="0"/>
+              <a:t>stdout</a:t>
+            </a:r>
+            <a:endParaRPr lang="en-US" dirty="0" smtClean="0"/>
+          </a:p>
+        </p:txBody>
+      </p:sp>
+      <p:sp>
+        <p:nvSpPr>
+          <p:cNvPr id="36" name="BlokTextu 35"/>
+          <p:cNvSpPr txBox="1"/>
+          <p:nvPr/>
+        </p:nvSpPr>
+        <p:spPr>
+          <a:xfrm rot="17429767">
+            <a:off x="5346751" y="3008688"/>
+            <a:ext cx="788677" cy="369332"/>
+          </a:xfrm>
+          <a:prstGeom prst="rect">
+            <a:avLst/>
+          </a:prstGeom>
+          <a:noFill/>
+        </p:spPr>
+        <p:txBody>
+          <a:bodyPr wrap="none" rtlCol="0">
+            <a:spAutoFit/>
+          </a:bodyPr>
+          <a:lstStyle/>
+          <a:p>
+            <a:r>
+              <a:rPr lang="en-US" dirty="0" err="1" smtClean="0"/>
+              <a:t>stdout</a:t>
+            </a:r>
+            <a:endParaRPr lang="en-US" dirty="0" smtClean="0"/>
+          </a:p>
+        </p:txBody>
+      </p:sp>
+      <p:sp>
+        <p:nvSpPr>
+          <p:cNvPr id="37" name="BlokTextu 36"/>
+          <p:cNvSpPr txBox="1"/>
+          <p:nvPr/>
+        </p:nvSpPr>
+        <p:spPr>
+          <a:xfrm rot="17429767">
+            <a:off x="7535867" y="3008688"/>
+            <a:ext cx="1210396" cy="369332"/>
+          </a:xfrm>
+          <a:prstGeom prst="rect">
+            <a:avLst/>
+          </a:prstGeom>
+          <a:noFill/>
+        </p:spPr>
+        <p:txBody>
+          <a:bodyPr wrap="none" rtlCol="0">
+            <a:spAutoFit/>
+          </a:bodyPr>
+          <a:lstStyle/>
+          <a:p>
+            <a:r>
+              <a:rPr lang="en-US" dirty="0" err="1" smtClean="0"/>
+              <a:t>exitcode</a:t>
+            </a:r>
+            <a:r>
+              <a:rPr lang="en-US" dirty="0" smtClean="0"/>
+              <a:t>: 0</a:t>
+            </a:r>
+          </a:p>
+        </p:txBody>
+      </p:sp>
+      <p:sp>
+        <p:nvSpPr>
+          <p:cNvPr id="33" name="Ovál 32"/>
+          <p:cNvSpPr/>
+          <p:nvPr/>
+        </p:nvSpPr>
+        <p:spPr>
+          <a:xfrm>
+            <a:off x="8750153" y="1916832"/>
+            <a:ext cx="154159" cy="154159"/>
+          </a:xfrm>
+          <a:prstGeom prst="ellipse">
+            <a:avLst/>
+          </a:prstGeom>
+        </p:spPr>
+        <p:style>
+          <a:lnRef idx="2">
+            <a:schemeClr val="accent1">
+              <a:shade val="50000"/>
+            </a:schemeClr>
+          </a:lnRef>
+          <a:fillRef idx="1">
+            <a:schemeClr val="accent1"/>
+          </a:fillRef>
+          <a:effectRef idx="0">
+            <a:schemeClr val="accent1"/>
+          </a:effectRef>
+          <a:fontRef idx="minor">
+            <a:schemeClr val="lt1"/>
+          </a:fontRef>
+        </p:style>
+        <p:txBody>
+          <a:bodyPr rtlCol="0" anchor="ctr"/>
+          <a:lstStyle/>
+          <a:p>
+            <a:pPr algn="ctr"/>
+            <a:endParaRPr lang="en-US" dirty="0"/>
+          </a:p>
+        </p:txBody>
+      </p:sp>
+      <p:sp>
+        <p:nvSpPr>
+          <p:cNvPr id="34" name="BlokTextu 33"/>
+          <p:cNvSpPr txBox="1"/>
+          <p:nvPr/>
+        </p:nvSpPr>
+        <p:spPr>
+          <a:xfrm>
+            <a:off x="8750153" y="1283827"/>
+            <a:ext cx="1338700" cy="646331"/>
+          </a:xfrm>
+          <a:prstGeom prst="rect">
+            <a:avLst/>
+          </a:prstGeom>
+          <a:noFill/>
+        </p:spPr>
+        <p:txBody>
+          <a:bodyPr wrap="none" rtlCol="0">
+            <a:spAutoFit/>
+          </a:bodyPr>
+          <a:lstStyle/>
+          <a:p>
+            <a:r>
+              <a:rPr lang="en-US" dirty="0" smtClean="0"/>
+              <a:t>Deployment</a:t>
+            </a:r>
+          </a:p>
+          <a:p>
+            <a:r>
+              <a:rPr lang="en-US" dirty="0" smtClean="0"/>
+              <a:t>finished</a:t>
+            </a:r>
+            <a:endParaRPr lang="en-US" dirty="0"/>
+          </a:p>
+        </p:txBody>
+      </p:sp>
+      <p:sp>
+        <p:nvSpPr>
+          <p:cNvPr id="40" name="BlokTextu 39"/>
+          <p:cNvSpPr txBox="1"/>
+          <p:nvPr/>
+        </p:nvSpPr>
+        <p:spPr>
+          <a:xfrm>
+            <a:off x="3899160" y="1266929"/>
+            <a:ext cx="1317861" cy="646331"/>
+          </a:xfrm>
+          <a:prstGeom prst="rect">
+            <a:avLst/>
+          </a:prstGeom>
+          <a:noFill/>
+        </p:spPr>
+        <p:txBody>
+          <a:bodyPr wrap="none" rtlCol="0">
+            <a:spAutoFit/>
+          </a:bodyPr>
+          <a:lstStyle/>
+          <a:p>
+            <a:r>
+              <a:rPr lang="en-US" dirty="0" smtClean="0"/>
+              <a:t>Starting</a:t>
+            </a:r>
+          </a:p>
+          <a:p>
+            <a:r>
+              <a:rPr lang="en-US" dirty="0" smtClean="0"/>
+              <a:t>deployment</a:t>
+            </a:r>
+          </a:p>
+        </p:txBody>
+      </p:sp>
+      <p:sp>
+        <p:nvSpPr>
+          <p:cNvPr id="41" name="BlokTextu 40"/>
+          <p:cNvSpPr txBox="1"/>
+          <p:nvPr/>
+        </p:nvSpPr>
+        <p:spPr>
+          <a:xfrm>
+            <a:off x="4716426" y="4311894"/>
+            <a:ext cx="1391599" cy="923330"/>
+          </a:xfrm>
+          <a:prstGeom prst="rect">
+            <a:avLst/>
+          </a:prstGeom>
+          <a:noFill/>
+        </p:spPr>
+        <p:txBody>
+          <a:bodyPr wrap="none" rtlCol="0">
+            <a:spAutoFit/>
+          </a:bodyPr>
+          <a:lstStyle/>
+          <a:p>
+            <a:r>
+              <a:rPr lang="en-US" dirty="0" smtClean="0"/>
+              <a:t>Deployment </a:t>
+            </a:r>
+          </a:p>
+          <a:p>
+            <a:r>
+              <a:rPr lang="en-US" dirty="0" smtClean="0"/>
+              <a:t>process</a:t>
+            </a:r>
+          </a:p>
+          <a:p>
+            <a:r>
+              <a:rPr lang="en-US" dirty="0" smtClean="0"/>
+              <a:t>started</a:t>
+            </a:r>
+          </a:p>
+        </p:txBody>
+      </p:sp>
+      <p:sp>
+        <p:nvSpPr>
+          <p:cNvPr id="42" name="BlokTextu 41"/>
+          <p:cNvSpPr txBox="1"/>
+          <p:nvPr/>
+        </p:nvSpPr>
+        <p:spPr>
+          <a:xfrm>
+            <a:off x="7709675" y="4357806"/>
+            <a:ext cx="1040478" cy="646331"/>
+          </a:xfrm>
+          <a:prstGeom prst="rect">
+            <a:avLst/>
+          </a:prstGeom>
+          <a:noFill/>
+        </p:spPr>
+        <p:txBody>
+          <a:bodyPr wrap="none" rtlCol="0">
+            <a:spAutoFit/>
+          </a:bodyPr>
+          <a:lstStyle/>
+          <a:p>
+            <a:r>
+              <a:rPr lang="sk-SK" dirty="0" err="1" smtClean="0"/>
+              <a:t>Upload</a:t>
+            </a:r>
+            <a:r>
+              <a:rPr lang="sk-SK" dirty="0" smtClean="0"/>
+              <a:t> </a:t>
+            </a:r>
+          </a:p>
+          <a:p>
+            <a:r>
+              <a:rPr lang="sk-SK" dirty="0"/>
+              <a:t>t</a:t>
+            </a:r>
+            <a:r>
+              <a:rPr lang="sk-SK" dirty="0" smtClean="0"/>
+              <a:t>o device</a:t>
+            </a:r>
+            <a:endParaRPr lang="en-US" dirty="0" smtClean="0"/>
+          </a:p>
+        </p:txBody>
+      </p:sp>
+    </p:spTree>
+    <p:extLst>
+      <p:ext uri="{BB962C8B-B14F-4D97-AF65-F5344CB8AC3E}">
+        <p14:creationId xmlns:p14="http://schemas.microsoft.com/office/powerpoint/2010/main" val="270574625"/>
+      </p:ext>
+    </p:extLst>
+  </p:cSld>
+  <p:clrMapOvr>
+    <a:masterClrMapping/>
+  </p:clrMapOvr>
+  <p:timing>
+    <p:tnLst>
+      <p:par>
+        <p:cTn id="1" dur="indefinite" restart="never" nodeType="tmRoot"/>
+      </p:par>
+    </p:tnLst>
+  </p:timing>
+</p:sld>
+</file>
+
+<file path=ppt/slides/slide14.xml><?xml version="1.0" encoding="utf-8"?>
+<p:sld xmlns:a="http://schemas.openxmlformats.org/drawingml/2006/main" xmlns:r="http://schemas.openxmlformats.org/officeDocument/2006/relationships" xmlns:p="http://schemas.openxmlformats.org/presentationml/2006/main">
+  <p:cSld>
+    <p:spTree>
+      <p:nvGrpSpPr>
+        <p:cNvPr id="1" name=""/>
+        <p:cNvGrpSpPr/>
+        <p:nvPr/>
+      </p:nvGrpSpPr>
+      <p:grpSpPr>
+        <a:xfrm>
+          <a:off x="0" y="0"/>
+          <a:ext cx="0" cy="0"/>
+          <a:chOff x="0" y="0"/>
+          <a:chExt cx="0" cy="0"/>
+        </a:xfrm>
+      </p:grpSpPr>
+      <p:sp>
+        <p:nvSpPr>
+          <p:cNvPr id="2" name="Nadpis 1"/>
+          <p:cNvSpPr>
+            <a:spLocks noGrp="1"/>
+          </p:cNvSpPr>
+          <p:nvPr>
+            <p:ph type="title"/>
+          </p:nvPr>
+        </p:nvSpPr>
+        <p:spPr/>
+        <p:txBody>
+          <a:bodyPr>
+            <a:normAutofit fontScale="90000"/>
+          </a:bodyPr>
+          <a:lstStyle/>
+          <a:p>
+            <a:r>
+              <a:rPr lang="en-US" dirty="0" smtClean="0"/>
+              <a:t>New component to library - RC 433 MHz</a:t>
+            </a:r>
+            <a:endParaRPr lang="en-US" dirty="0"/>
+          </a:p>
+        </p:txBody>
+      </p:sp>
+      <p:pic>
+        <p:nvPicPr>
+          <p:cNvPr id="1026" name="Picture 2" descr="http://img.dxcdn.com/productimages/sku_149254_1.jpg"/>
+          <p:cNvPicPr>
+            <a:picLocks noChangeAspect="1" noChangeArrowheads="1"/>
+          </p:cNvPicPr>
+          <p:nvPr/>
+        </p:nvPicPr>
+        <p:blipFill>
+          <a:blip r:embed="rId2" cstate="print">
+            <a:extLst>
+              <a:ext uri="{28A0092B-C50C-407E-A947-70E740481C1C}">
+                <a14:useLocalDpi xmlns:a14="http://schemas.microsoft.com/office/drawing/2010/main" val="0"/>
+              </a:ext>
+            </a:extLst>
+          </a:blip>
+          <a:srcRect/>
+          <a:stretch>
+            <a:fillRect/>
+          </a:stretch>
+        </p:blipFill>
+        <p:spPr bwMode="auto">
+          <a:xfrm>
+            <a:off x="846926" y="1644184"/>
+            <a:ext cx="2448272" cy="2448272"/>
+          </a:xfrm>
+          <a:prstGeom prst="rect">
+            <a:avLst/>
+          </a:prstGeom>
+          <a:noFill/>
+          <a:extLst>
+            <a:ext uri="{909E8E84-426E-40DD-AFC4-6F175D3DCCD1}">
+              <a14:hiddenFill xmlns:a14="http://schemas.microsoft.com/office/drawing/2010/main">
+                <a:solidFill>
+                  <a:srgbClr val="FFFFFF"/>
+                </a:solidFill>
+              </a14:hiddenFill>
+            </a:ext>
+          </a:extLst>
+        </p:spPr>
+      </p:pic>
+      <p:pic>
+        <p:nvPicPr>
+          <p:cNvPr id="1028" name="Picture 4" descr="http://cdn1.bigcommerce.com/server800/a8995/products/320/images/643/nrf__66638.1347562824.1280.1280.jpg?c=2"/>
+          <p:cNvPicPr>
+            <a:picLocks noChangeAspect="1" noChangeArrowheads="1"/>
+          </p:cNvPicPr>
+          <p:nvPr/>
+        </p:nvPicPr>
+        <p:blipFill>
+          <a:blip r:embed="rId3" cstate="print">
+            <a:extLst>
+              <a:ext uri="{28A0092B-C50C-407E-A947-70E740481C1C}">
+                <a14:useLocalDpi xmlns:a14="http://schemas.microsoft.com/office/drawing/2010/main" val="0"/>
+              </a:ext>
+            </a:extLst>
+          </a:blip>
+          <a:srcRect/>
+          <a:stretch>
+            <a:fillRect/>
+          </a:stretch>
+        </p:blipFill>
+        <p:spPr bwMode="auto">
+          <a:xfrm>
+            <a:off x="8040216" y="1764922"/>
+            <a:ext cx="3327390" cy="2219521"/>
+          </a:xfrm>
+          <a:prstGeom prst="rect">
+            <a:avLst/>
+          </a:prstGeom>
+          <a:noFill/>
+          <a:extLst>
+            <a:ext uri="{909E8E84-426E-40DD-AFC4-6F175D3DCCD1}">
+              <a14:hiddenFill xmlns:a14="http://schemas.microsoft.com/office/drawing/2010/main">
+                <a:solidFill>
+                  <a:srgbClr val="FFFFFF"/>
+                </a:solidFill>
+              </a14:hiddenFill>
+            </a:ext>
+          </a:extLst>
+        </p:spPr>
+      </p:pic>
+      <p:pic>
+        <p:nvPicPr>
+          <p:cNvPr id="1030" name="Picture 6" descr="https://garazenakluc.sk/wp-content/uploads/2014/12/hormann-pearl-vyklopna-garazenakluc-sk.png"/>
+          <p:cNvPicPr>
+            <a:picLocks noChangeAspect="1" noChangeArrowheads="1"/>
+          </p:cNvPicPr>
+          <p:nvPr/>
+        </p:nvPicPr>
+        <p:blipFill rotWithShape="1">
+          <a:blip r:embed="rId4" cstate="print">
+            <a:extLst>
+              <a:ext uri="{28A0092B-C50C-407E-A947-70E740481C1C}">
+                <a14:useLocalDpi xmlns:a14="http://schemas.microsoft.com/office/drawing/2010/main" val="0"/>
+              </a:ext>
+            </a:extLst>
+          </a:blip>
+          <a:srcRect b="20895"/>
+          <a:stretch/>
+        </p:blipFill>
+        <p:spPr bwMode="auto">
+          <a:xfrm>
+            <a:off x="7824192" y="4095227"/>
+            <a:ext cx="2376264" cy="1879744"/>
+          </a:xfrm>
+          <a:prstGeom prst="rect">
+            <a:avLst/>
+          </a:prstGeom>
+          <a:noFill/>
+          <a:extLst>
+            <a:ext uri="{909E8E84-426E-40DD-AFC4-6F175D3DCCD1}">
+              <a14:hiddenFill xmlns:a14="http://schemas.microsoft.com/office/drawing/2010/main">
+                <a:solidFill>
+                  <a:srgbClr val="FFFFFF"/>
+                </a:solidFill>
+              </a14:hiddenFill>
+            </a:ext>
+          </a:extLst>
+        </p:spPr>
+      </p:pic>
+      <p:pic>
+        <p:nvPicPr>
+          <p:cNvPr id="1034" name="Picture 10" descr="https://image.ec21.com/image/lillie12/OF0011090210_2/Sell_rolling_codeHCS301_433Mhz_wireless.jpg"/>
+          <p:cNvPicPr>
+            <a:picLocks noChangeAspect="1" noChangeArrowheads="1"/>
+          </p:cNvPicPr>
+          <p:nvPr/>
+        </p:nvPicPr>
+        <p:blipFill>
+          <a:blip r:embed="rId5">
+            <a:extLst>
+              <a:ext uri="{28A0092B-C50C-407E-A947-70E740481C1C}">
+                <a14:useLocalDpi xmlns:a14="http://schemas.microsoft.com/office/drawing/2010/main" val="0"/>
+              </a:ext>
+            </a:extLst>
+          </a:blip>
+          <a:srcRect/>
+          <a:stretch>
+            <a:fillRect/>
+          </a:stretch>
+        </p:blipFill>
+        <p:spPr bwMode="auto">
+          <a:xfrm>
+            <a:off x="4943872" y="4344242"/>
+            <a:ext cx="2471266" cy="1643393"/>
+          </a:xfrm>
+          <a:prstGeom prst="rect">
+            <a:avLst/>
+          </a:prstGeom>
+          <a:noFill/>
+          <a:extLst>
+            <a:ext uri="{909E8E84-426E-40DD-AFC4-6F175D3DCCD1}">
+              <a14:hiddenFill xmlns:a14="http://schemas.microsoft.com/office/drawing/2010/main">
+                <a:solidFill>
+                  <a:srgbClr val="FFFFFF"/>
+                </a:solidFill>
+              </a14:hiddenFill>
+            </a:ext>
+          </a:extLst>
+        </p:spPr>
+      </p:pic>
+      <p:pic>
+        <p:nvPicPr>
+          <p:cNvPr id="1036" name="Picture 12" descr="https://ae01.alicdn.com/kf/HTB1XiicRpXXXXcqaXXXq6xXFXXXG/EU-socket-outlet-plug-universal-wireless-remote-control-controller-Germany-socket-433mhz-rf-remote-compatible-Broadlink.jpg"/>
+          <p:cNvPicPr>
+            <a:picLocks noChangeAspect="1" noChangeArrowheads="1"/>
+          </p:cNvPicPr>
+          <p:nvPr/>
+        </p:nvPicPr>
+        <p:blipFill rotWithShape="1">
+          <a:blip r:embed="rId6" cstate="print">
+            <a:extLst>
+              <a:ext uri="{28A0092B-C50C-407E-A947-70E740481C1C}">
+                <a14:useLocalDpi xmlns:a14="http://schemas.microsoft.com/office/drawing/2010/main" val="0"/>
+              </a:ext>
+            </a:extLst>
+          </a:blip>
+          <a:srcRect t="16338" b="10644"/>
+          <a:stretch/>
+        </p:blipFill>
+        <p:spPr bwMode="auto">
+          <a:xfrm>
+            <a:off x="1958154" y="4119163"/>
+            <a:ext cx="2558893" cy="1868472"/>
+          </a:xfrm>
+          <a:prstGeom prst="rect">
+            <a:avLst/>
+          </a:prstGeom>
+          <a:noFill/>
+          <a:extLst>
+            <a:ext uri="{909E8E84-426E-40DD-AFC4-6F175D3DCCD1}">
+              <a14:hiddenFill xmlns:a14="http://schemas.microsoft.com/office/drawing/2010/main">
+                <a:solidFill>
+                  <a:srgbClr val="FFFFFF"/>
+                </a:solidFill>
+              </a14:hiddenFill>
+            </a:ext>
+          </a:extLst>
+        </p:spPr>
+      </p:pic>
+      <p:sp>
+        <p:nvSpPr>
+          <p:cNvPr id="7" name="BlokTextu 6"/>
+          <p:cNvSpPr txBox="1"/>
+          <p:nvPr/>
+        </p:nvSpPr>
+        <p:spPr>
+          <a:xfrm>
+            <a:off x="1019748" y="1207780"/>
+            <a:ext cx="2102627" cy="584775"/>
+          </a:xfrm>
+          <a:prstGeom prst="rect">
+            <a:avLst/>
+          </a:prstGeom>
+          <a:noFill/>
+        </p:spPr>
+        <p:txBody>
+          <a:bodyPr wrap="none" rtlCol="0">
+            <a:spAutoFit/>
+          </a:bodyPr>
+          <a:lstStyle/>
+          <a:p>
+            <a:r>
+              <a:rPr lang="en-US" sz="3200" dirty="0" smtClean="0"/>
+              <a:t>Transmitter</a:t>
+            </a:r>
+          </a:p>
+        </p:txBody>
+      </p:sp>
+      <p:sp>
+        <p:nvSpPr>
+          <p:cNvPr id="14" name="BlokTextu 13"/>
+          <p:cNvSpPr txBox="1"/>
+          <p:nvPr/>
+        </p:nvSpPr>
+        <p:spPr>
+          <a:xfrm>
+            <a:off x="8911822" y="1203770"/>
+            <a:ext cx="1603259" cy="584775"/>
+          </a:xfrm>
+          <a:prstGeom prst="rect">
+            <a:avLst/>
+          </a:prstGeom>
+          <a:noFill/>
+        </p:spPr>
+        <p:txBody>
+          <a:bodyPr wrap="none" rtlCol="0">
+            <a:spAutoFit/>
+          </a:bodyPr>
+          <a:lstStyle/>
+          <a:p>
+            <a:r>
+              <a:rPr lang="sk-SK" sz="3200" dirty="0" err="1" smtClean="0"/>
+              <a:t>Receiver</a:t>
+            </a:r>
+            <a:endParaRPr lang="sk-SK" sz="3200" dirty="0" smtClean="0"/>
+          </a:p>
+        </p:txBody>
+      </p:sp>
+      <p:pic>
+        <p:nvPicPr>
+          <p:cNvPr id="1038" name="Picture 14" descr="https://s3.eu-west-3.amazonaws.com/dealna/uploads/2016/06/Figure-1.png"/>
+          <p:cNvPicPr>
+            <a:picLocks noChangeAspect="1" noChangeArrowheads="1"/>
+          </p:cNvPicPr>
+          <p:nvPr/>
+        </p:nvPicPr>
+        <p:blipFill rotWithShape="1">
+          <a:blip r:embed="rId7">
+            <a:extLst>
+              <a:ext uri="{28A0092B-C50C-407E-A947-70E740481C1C}">
+                <a14:useLocalDpi xmlns:a14="http://schemas.microsoft.com/office/drawing/2010/main" val="0"/>
+              </a:ext>
+            </a:extLst>
+          </a:blip>
+          <a:srcRect l="12315" t="24283" r="21371" b="38484"/>
+          <a:stretch/>
+        </p:blipFill>
+        <p:spPr bwMode="auto">
+          <a:xfrm>
+            <a:off x="3668462" y="2070881"/>
+            <a:ext cx="4176464" cy="1372267"/>
+          </a:xfrm>
+          <a:prstGeom prst="rect">
+            <a:avLst/>
+          </a:prstGeom>
+          <a:noFill/>
+          <a:extLst>
+            <a:ext uri="{909E8E84-426E-40DD-AFC4-6F175D3DCCD1}">
+              <a14:hiddenFill xmlns:a14="http://schemas.microsoft.com/office/drawing/2010/main">
+                <a:solidFill>
+                  <a:srgbClr val="FFFFFF"/>
+                </a:solidFill>
+              </a14:hiddenFill>
+            </a:ext>
+          </a:extLst>
+        </p:spPr>
+      </p:pic>
+      <p:grpSp>
+        <p:nvGrpSpPr>
+          <p:cNvPr id="8" name="Skupina 7"/>
+          <p:cNvGrpSpPr/>
+          <p:nvPr/>
+        </p:nvGrpSpPr>
+        <p:grpSpPr>
+          <a:xfrm>
+            <a:off x="4361727" y="1411909"/>
+            <a:ext cx="3013271" cy="369338"/>
+            <a:chOff x="4320519" y="1199836"/>
+            <a:chExt cx="3013271" cy="369338"/>
+          </a:xfrm>
+        </p:grpSpPr>
+        <p:sp>
+          <p:nvSpPr>
+            <p:cNvPr id="16" name="BlokTextu 15"/>
+            <p:cNvSpPr txBox="1"/>
+            <p:nvPr/>
+          </p:nvSpPr>
+          <p:spPr>
+            <a:xfrm>
+              <a:off x="4320519" y="1199842"/>
+              <a:ext cx="301686" cy="369332"/>
+            </a:xfrm>
+            <a:prstGeom prst="rect">
+              <a:avLst/>
+            </a:prstGeom>
+            <a:noFill/>
+          </p:spPr>
+          <p:txBody>
+            <a:bodyPr wrap="none" rtlCol="0">
+              <a:spAutoFit/>
+            </a:bodyPr>
+            <a:lstStyle/>
+            <a:p>
+              <a:r>
+                <a:rPr lang="sk-SK" dirty="0" smtClean="0"/>
+                <a:t>1</a:t>
+              </a:r>
+            </a:p>
+          </p:txBody>
+        </p:sp>
+        <p:sp>
+          <p:nvSpPr>
+            <p:cNvPr id="17" name="BlokTextu 16"/>
+            <p:cNvSpPr txBox="1"/>
+            <p:nvPr/>
+          </p:nvSpPr>
+          <p:spPr>
+            <a:xfrm>
+              <a:off x="7032104" y="1199836"/>
+              <a:ext cx="301686" cy="369332"/>
+            </a:xfrm>
+            <a:prstGeom prst="rect">
+              <a:avLst/>
+            </a:prstGeom>
+            <a:noFill/>
+          </p:spPr>
+          <p:txBody>
+            <a:bodyPr wrap="none" rtlCol="0">
+              <a:spAutoFit/>
+            </a:bodyPr>
+            <a:lstStyle/>
+            <a:p>
+              <a:r>
+                <a:rPr lang="sk-SK" dirty="0" smtClean="0"/>
+                <a:t>1</a:t>
+              </a:r>
+            </a:p>
+          </p:txBody>
+        </p:sp>
+        <p:sp>
+          <p:nvSpPr>
+            <p:cNvPr id="18" name="BlokTextu 17"/>
+            <p:cNvSpPr txBox="1"/>
+            <p:nvPr/>
+          </p:nvSpPr>
+          <p:spPr>
+            <a:xfrm>
+              <a:off x="5676311" y="1199836"/>
+              <a:ext cx="301686" cy="369332"/>
+            </a:xfrm>
+            <a:prstGeom prst="rect">
+              <a:avLst/>
+            </a:prstGeom>
+            <a:noFill/>
+          </p:spPr>
+          <p:txBody>
+            <a:bodyPr wrap="none" rtlCol="0">
+              <a:spAutoFit/>
+            </a:bodyPr>
+            <a:lstStyle/>
+            <a:p>
+              <a:r>
+                <a:rPr lang="sk-SK" dirty="0" smtClean="0"/>
+                <a:t>0</a:t>
+              </a:r>
+            </a:p>
+          </p:txBody>
+        </p:sp>
+      </p:grpSp>
+      <p:cxnSp>
+        <p:nvCxnSpPr>
+          <p:cNvPr id="10" name="Rovná spojnica 9"/>
+          <p:cNvCxnSpPr/>
+          <p:nvPr/>
+        </p:nvCxnSpPr>
+        <p:spPr>
+          <a:xfrm>
+            <a:off x="3638857" y="2070881"/>
+            <a:ext cx="4228536" cy="0"/>
+          </a:xfrm>
+          <a:prstGeom prst="line">
+            <a:avLst/>
+          </a:prstGeom>
+        </p:spPr>
+        <p:style>
+          <a:lnRef idx="1">
+            <a:schemeClr val="accent3"/>
+          </a:lnRef>
+          <a:fillRef idx="0">
+            <a:schemeClr val="accent3"/>
+          </a:fillRef>
+          <a:effectRef idx="0">
+            <a:schemeClr val="accent3"/>
+          </a:effectRef>
+          <a:fontRef idx="minor">
+            <a:schemeClr val="tx1"/>
+          </a:fontRef>
+        </p:style>
+      </p:cxnSp>
+      <p:cxnSp>
+        <p:nvCxnSpPr>
+          <p:cNvPr id="12" name="Rovná spojnica 11"/>
+          <p:cNvCxnSpPr/>
+          <p:nvPr/>
+        </p:nvCxnSpPr>
+        <p:spPr>
+          <a:xfrm>
+            <a:off x="5087888" y="1268760"/>
+            <a:ext cx="0" cy="2304256"/>
+          </a:xfrm>
+          <a:prstGeom prst="line">
+            <a:avLst/>
+          </a:prstGeom>
+        </p:spPr>
+        <p:style>
+          <a:lnRef idx="1">
+            <a:schemeClr val="accent3"/>
+          </a:lnRef>
+          <a:fillRef idx="0">
+            <a:schemeClr val="accent3"/>
+          </a:fillRef>
+          <a:effectRef idx="0">
+            <a:schemeClr val="accent3"/>
+          </a:effectRef>
+          <a:fontRef idx="minor">
+            <a:schemeClr val="tx1"/>
+          </a:fontRef>
+        </p:style>
+      </p:cxnSp>
+      <p:cxnSp>
+        <p:nvCxnSpPr>
+          <p:cNvPr id="24" name="Rovná spojnica 23"/>
+          <p:cNvCxnSpPr/>
+          <p:nvPr/>
+        </p:nvCxnSpPr>
+        <p:spPr>
+          <a:xfrm>
+            <a:off x="6528048" y="1344210"/>
+            <a:ext cx="0" cy="2304256"/>
+          </a:xfrm>
+          <a:prstGeom prst="line">
+            <a:avLst/>
+          </a:prstGeom>
+        </p:spPr>
+        <p:style>
+          <a:lnRef idx="1">
+            <a:schemeClr val="accent3"/>
+          </a:lnRef>
+          <a:fillRef idx="0">
+            <a:schemeClr val="accent3"/>
+          </a:fillRef>
+          <a:effectRef idx="0">
+            <a:schemeClr val="accent3"/>
+          </a:effectRef>
+          <a:fontRef idx="minor">
+            <a:schemeClr val="tx1"/>
+          </a:fontRef>
+        </p:style>
+      </p:cxnSp>
+    </p:spTree>
+    <p:extLst>
+      <p:ext uri="{BB962C8B-B14F-4D97-AF65-F5344CB8AC3E}">
+        <p14:creationId xmlns:p14="http://schemas.microsoft.com/office/powerpoint/2010/main" val="401645510"/>
+      </p:ext>
+    </p:extLst>
+  </p:cSld>
+  <p:clrMapOvr>
+    <a:masterClrMapping/>
+  </p:clrMapOvr>
+  <p:timing>
+    <p:tnLst>
+      <p:par>
+        <p:cTn id="1" dur="indefinite" restart="never" nodeType="tmRoot"/>
+      </p:par>
+    </p:tnLst>
+  </p:timing>
+</p:sld>
+</file>
+
+<file path=ppt/slides/slide15.xml><?xml version="1.0" encoding="utf-8"?>
+<p:sld xmlns:a="http://schemas.openxmlformats.org/drawingml/2006/main" xmlns:r="http://schemas.openxmlformats.org/officeDocument/2006/relationships" xmlns:p="http://schemas.openxmlformats.org/presentationml/2006/main">
+  <p:cSld>
+    <p:spTree>
+      <p:nvGrpSpPr>
+        <p:cNvPr id="1" name=""/>
+        <p:cNvGrpSpPr/>
+        <p:nvPr/>
+      </p:nvGrpSpPr>
+      <p:grpSpPr>
+        <a:xfrm>
+          <a:off x="0" y="0"/>
+          <a:ext cx="0" cy="0"/>
+          <a:chOff x="0" y="0"/>
+          <a:chExt cx="0" cy="0"/>
+        </a:xfrm>
+      </p:grpSpPr>
+      <p:sp>
+        <p:nvSpPr>
+          <p:cNvPr id="3" name="Zástupný objekt pre text 2">
+            <a:extLst>
+              <a:ext uri="{FF2B5EF4-FFF2-40B4-BE49-F238E27FC236}">
+                <a16:creationId xmlns:a16="http://schemas.microsoft.com/office/drawing/2014/main" id="{F96356BC-36F4-43C6-8B9A-BA630ABB3DF2}"/>
+              </a:ext>
+            </a:extLst>
+          </p:cNvPr>
+          <p:cNvSpPr>
+            <a:spLocks noGrp="1"/>
+          </p:cNvSpPr>
+          <p:nvPr>
+            <p:ph type="body" sz="quarter" idx="14"/>
+          </p:nvPr>
+        </p:nvSpPr>
+        <p:spPr>
+          <a:xfrm>
+            <a:off x="695400" y="3854658"/>
+            <a:ext cx="10609592" cy="1728192"/>
+          </a:xfrm>
+        </p:spPr>
+        <p:txBody>
+          <a:bodyPr>
+            <a:normAutofit/>
+          </a:bodyPr>
+          <a:lstStyle/>
+          <a:p>
+            <a:pPr marL="804672" lvl="1" indent="-457200">
+              <a:buFont typeface="Arial" panose="020B0604020202020204" pitchFamily="34" charset="0"/>
+              <a:buChar char="•"/>
+            </a:pPr>
+            <a:endParaRPr lang="en-US" sz="2800" b="1" noProof="0" dirty="0" smtClean="0">
+              <a:solidFill>
+                <a:srgbClr val="FF0000"/>
+              </a:solidFill>
+            </a:endParaRPr>
+          </a:p>
+          <a:p>
+            <a:pPr lvl="1" algn="ctr"/>
+            <a:r>
+              <a:rPr lang="en-US" sz="5400" noProof="0" dirty="0" smtClean="0">
+                <a:solidFill>
+                  <a:schemeClr val="tx1">
+                    <a:lumMod val="95000"/>
+                    <a:lumOff val="5000"/>
+                  </a:schemeClr>
+                </a:solidFill>
+              </a:rPr>
+              <a:t>Thank you for attention.</a:t>
+            </a:r>
+          </a:p>
+          <a:p>
+            <a:pPr marL="804672" lvl="1" indent="-457200">
+              <a:buFont typeface="Arial" panose="020B0604020202020204" pitchFamily="34" charset="0"/>
+              <a:buChar char="•"/>
+            </a:pPr>
+            <a:endParaRPr lang="en-US" sz="2800" noProof="0" dirty="0" smtClean="0"/>
+          </a:p>
+          <a:p>
+            <a:pPr marL="804672" lvl="1" indent="-457200">
+              <a:buFont typeface="Arial" panose="020B0604020202020204" pitchFamily="34" charset="0"/>
+              <a:buChar char="•"/>
+            </a:pPr>
+            <a:endParaRPr lang="en-US" sz="2800" noProof="0" dirty="0" smtClean="0"/>
+          </a:p>
+          <a:p>
+            <a:pPr marL="457200" indent="-457200">
+              <a:buFont typeface="Arial" panose="020B0604020202020204" pitchFamily="34" charset="0"/>
+              <a:buChar char="•"/>
+            </a:pPr>
+            <a:endParaRPr lang="en-US" sz="2800" noProof="0" dirty="0"/>
+          </a:p>
+        </p:txBody>
+      </p:sp>
+      <p:pic>
+        <p:nvPicPr>
+          <p:cNvPr id="4" name="Picture 2" descr="@acptools">
+            <a:extLst>
+              <a:ext uri="{FF2B5EF4-FFF2-40B4-BE49-F238E27FC236}">
+                <a16:creationId xmlns:a16="http://schemas.microsoft.com/office/drawing/2014/main" id="{ABD35FBF-404B-4976-9982-BFFC4FF2457C}"/>
+              </a:ext>
+            </a:extLst>
+          </p:cNvPr>
+          <p:cNvPicPr>
+            <a:picLocks noChangeAspect="1" noChangeArrowheads="1"/>
+          </p:cNvPicPr>
+          <p:nvPr/>
+        </p:nvPicPr>
+        <p:blipFill>
+          <a:blip r:embed="rId2">
+            <a:extLst>
+              <a:ext uri="{28A0092B-C50C-407E-A947-70E740481C1C}">
+                <a14:useLocalDpi xmlns:a14="http://schemas.microsoft.com/office/drawing/2010/main" val="0"/>
+              </a:ext>
+            </a:extLst>
+          </a:blip>
+          <a:srcRect/>
+          <a:stretch>
+            <a:fillRect/>
+          </a:stretch>
+        </p:blipFill>
+        <p:spPr bwMode="auto">
+          <a:xfrm>
+            <a:off x="2423592" y="1794987"/>
+            <a:ext cx="1339492" cy="1339492"/>
+          </a:xfrm>
+          <a:prstGeom prst="rect">
+            <a:avLst/>
+          </a:prstGeom>
+          <a:noFill/>
+          <a:extLst>
+            <a:ext uri="{909E8E84-426E-40DD-AFC4-6F175D3DCCD1}">
+              <a14:hiddenFill xmlns:a14="http://schemas.microsoft.com/office/drawing/2010/main">
+                <a:solidFill>
+                  <a:srgbClr val="FFFFFF"/>
+                </a:solidFill>
+              </a14:hiddenFill>
+            </a:ext>
+          </a:extLst>
+        </p:spPr>
+      </p:pic>
+      <p:sp>
+        <p:nvSpPr>
+          <p:cNvPr id="2" name="BlokTextu 1">
+            <a:extLst>
+              <a:ext uri="{FF2B5EF4-FFF2-40B4-BE49-F238E27FC236}">
+                <a16:creationId xmlns:a16="http://schemas.microsoft.com/office/drawing/2014/main" id="{5E9159B6-6722-4DE4-AC34-A2367D0E27E7}"/>
+              </a:ext>
+            </a:extLst>
+          </p:cNvPr>
+          <p:cNvSpPr txBox="1"/>
+          <p:nvPr/>
+        </p:nvSpPr>
+        <p:spPr>
+          <a:xfrm>
+            <a:off x="4007768" y="1926124"/>
+            <a:ext cx="5711179" cy="1077218"/>
+          </a:xfrm>
+          <a:prstGeom prst="rect">
+            <a:avLst/>
+          </a:prstGeom>
+          <a:noFill/>
+        </p:spPr>
+        <p:txBody>
+          <a:bodyPr wrap="none" rtlCol="0">
+            <a:spAutoFit/>
+          </a:bodyPr>
+          <a:lstStyle/>
+          <a:p>
+            <a:r>
+              <a:rPr lang="en-US" sz="3200" b="1" dirty="0"/>
+              <a:t>ACP: </a:t>
+            </a:r>
+          </a:p>
+          <a:p>
+            <a:r>
+              <a:rPr lang="en-US" sz="3200" b="1" dirty="0"/>
+              <a:t>new way of Arduino prototyping</a:t>
+            </a:r>
+            <a:endParaRPr lang="sk-SK" sz="3200" b="1" dirty="0"/>
+          </a:p>
+        </p:txBody>
+      </p:sp>
+      <p:sp>
+        <p:nvSpPr>
+          <p:cNvPr id="5" name="BlokTextu 4"/>
+          <p:cNvSpPr txBox="1"/>
+          <p:nvPr/>
+        </p:nvSpPr>
+        <p:spPr>
+          <a:xfrm>
+            <a:off x="4404721" y="3003342"/>
+            <a:ext cx="2843407" cy="369332"/>
+          </a:xfrm>
+          <a:prstGeom prst="rect">
+            <a:avLst/>
+          </a:prstGeom>
+          <a:noFill/>
+        </p:spPr>
+        <p:txBody>
+          <a:bodyPr wrap="none" rtlCol="0">
+            <a:spAutoFit/>
+          </a:bodyPr>
+          <a:lstStyle/>
+          <a:p>
+            <a:r>
+              <a:rPr lang="sk-SK" dirty="0"/>
+              <a:t>https://github.com/acptools</a:t>
+            </a:r>
+          </a:p>
+        </p:txBody>
+      </p:sp>
+      <p:pic>
+        <p:nvPicPr>
+          <p:cNvPr id="8" name="Obrázok 7"/>
+          <p:cNvPicPr>
+            <a:picLocks noChangeAspect="1"/>
+          </p:cNvPicPr>
+          <p:nvPr/>
+        </p:nvPicPr>
+        <p:blipFill>
+          <a:blip r:embed="rId3" cstate="print">
+            <a:extLst>
+              <a:ext uri="{28A0092B-C50C-407E-A947-70E740481C1C}">
+                <a14:useLocalDpi xmlns:a14="http://schemas.microsoft.com/office/drawing/2010/main" val="0"/>
+              </a:ext>
+            </a:extLst>
+          </a:blip>
+          <a:stretch>
+            <a:fillRect/>
+          </a:stretch>
+        </p:blipFill>
+        <p:spPr>
+          <a:xfrm>
+            <a:off x="4113805" y="3043992"/>
+            <a:ext cx="290916" cy="283844"/>
+          </a:xfrm>
+          <a:prstGeom prst="rect">
+            <a:avLst/>
+          </a:prstGeom>
+        </p:spPr>
+      </p:pic>
+    </p:spTree>
+    <p:extLst>
+      <p:ext uri="{BB962C8B-B14F-4D97-AF65-F5344CB8AC3E}">
+        <p14:creationId xmlns:p14="http://schemas.microsoft.com/office/powerpoint/2010/main" val="2723843419"/>
+      </p:ext>
+    </p:extLst>
+  </p:cSld>
+  <p:clrMapOvr>
+    <a:masterClrMapping/>
+  </p:clrMapOvr>
+  <p:timing>
+    <p:tnLst>
+      <p:par>
+        <p:cTn id="1" dur="indefinite" restart="never" nodeType="tmRoot"/>
+      </p:par>
+    </p:tnLst>
+  </p:timing>
+</p:sld>
+</file>
+
+<file path=ppt/slides/slide16.xml><?xml version="1.0" encoding="utf-8"?>
+<p:sld xmlns:a="http://schemas.openxmlformats.org/drawingml/2006/main" xmlns:r="http://schemas.openxmlformats.org/officeDocument/2006/relationships" xmlns:p="http://schemas.openxmlformats.org/presentationml/2006/main">
+  <p:cSld>
+    <p:spTree>
+      <p:nvGrpSpPr>
+        <p:cNvPr id="1" name=""/>
+        <p:cNvGrpSpPr/>
+        <p:nvPr/>
+      </p:nvGrpSpPr>
+      <p:grpSpPr>
+        <a:xfrm>
+          <a:off x="0" y="0"/>
+          <a:ext cx="0" cy="0"/>
+          <a:chOff x="0" y="0"/>
+          <a:chExt cx="0" cy="0"/>
+        </a:xfrm>
+      </p:grpSpPr>
+      <p:pic>
+        <p:nvPicPr>
+          <p:cNvPr id="2056" name="Picture 8" descr="http://retis.sssup.it/~p.buonocunto/img_arduino/002.png"/>
+          <p:cNvPicPr>
+            <a:picLocks noChangeAspect="1" noChangeArrowheads="1"/>
+          </p:cNvPicPr>
+          <p:nvPr/>
+        </p:nvPicPr>
+        <p:blipFill>
+          <a:blip r:embed="rId2" cstate="print">
+            <a:extLst>
+              <a:ext uri="{28A0092B-C50C-407E-A947-70E740481C1C}">
+                <a14:useLocalDpi xmlns:a14="http://schemas.microsoft.com/office/drawing/2010/main" val="0"/>
+              </a:ext>
+            </a:extLst>
+          </a:blip>
+          <a:srcRect/>
+          <a:stretch>
+            <a:fillRect/>
+          </a:stretch>
+        </p:blipFill>
+        <p:spPr bwMode="auto">
+          <a:xfrm>
+            <a:off x="1615403" y="1096451"/>
+            <a:ext cx="4127919" cy="2321955"/>
+          </a:xfrm>
+          <a:prstGeom prst="rect">
+            <a:avLst/>
+          </a:prstGeom>
+          <a:noFill/>
+          <a:extLst>
+            <a:ext uri="{909E8E84-426E-40DD-AFC4-6F175D3DCCD1}">
+              <a14:hiddenFill xmlns:a14="http://schemas.microsoft.com/office/drawing/2010/main">
+                <a:solidFill>
+                  <a:srgbClr val="FFFFFF"/>
+                </a:solidFill>
+              </a14:hiddenFill>
+            </a:ext>
+          </a:extLst>
+        </p:spPr>
+      </p:pic>
+      <p:sp>
+        <p:nvSpPr>
+          <p:cNvPr id="2" name="Nadpis 1"/>
+          <p:cNvSpPr>
+            <a:spLocks noGrp="1"/>
+          </p:cNvSpPr>
+          <p:nvPr>
+            <p:ph type="title"/>
+          </p:nvPr>
+        </p:nvSpPr>
+        <p:spPr/>
+        <p:txBody>
+          <a:bodyPr>
+            <a:normAutofit fontScale="90000"/>
+          </a:bodyPr>
+          <a:lstStyle/>
+          <a:p>
+            <a:r>
+              <a:rPr lang="en-US" dirty="0" smtClean="0"/>
+              <a:t>Similar solutions</a:t>
+            </a:r>
+            <a:endParaRPr lang="en-US" dirty="0"/>
+          </a:p>
+        </p:txBody>
+      </p:sp>
+      <p:pic>
+        <p:nvPicPr>
+          <p:cNvPr id="6" name="Obrázok 5"/>
+          <p:cNvPicPr>
+            <a:picLocks noChangeAspect="1"/>
+          </p:cNvPicPr>
+          <p:nvPr/>
+        </p:nvPicPr>
+        <p:blipFill>
+          <a:blip r:embed="rId3" cstate="print">
+            <a:extLst>
+              <a:ext uri="{28A0092B-C50C-407E-A947-70E740481C1C}">
+                <a14:useLocalDpi xmlns:a14="http://schemas.microsoft.com/office/drawing/2010/main" val="0"/>
+              </a:ext>
+            </a:extLst>
+          </a:blip>
+          <a:stretch>
+            <a:fillRect/>
+          </a:stretch>
+        </p:blipFill>
+        <p:spPr>
+          <a:xfrm>
+            <a:off x="6672064" y="3462204"/>
+            <a:ext cx="4527806" cy="2611888"/>
+          </a:xfrm>
+          <a:prstGeom prst="rect">
+            <a:avLst/>
+          </a:prstGeom>
+        </p:spPr>
+      </p:pic>
+      <p:pic>
+        <p:nvPicPr>
+          <p:cNvPr id="2050" name="Picture 2" descr="http://www.state-machine.com/qm/logo_ql_TM.jpg"/>
+          <p:cNvPicPr>
+            <a:picLocks noChangeAspect="1" noChangeArrowheads="1"/>
+          </p:cNvPicPr>
+          <p:nvPr/>
+        </p:nvPicPr>
+        <p:blipFill>
+          <a:blip r:embed="rId4">
+            <a:extLst>
+              <a:ext uri="{28A0092B-C50C-407E-A947-70E740481C1C}">
+                <a14:useLocalDpi xmlns:a14="http://schemas.microsoft.com/office/drawing/2010/main" val="0"/>
+              </a:ext>
+            </a:extLst>
+          </a:blip>
+          <a:srcRect/>
+          <a:stretch>
+            <a:fillRect/>
+          </a:stretch>
+        </p:blipFill>
+        <p:spPr bwMode="auto">
+          <a:xfrm>
+            <a:off x="1933819" y="5262573"/>
+            <a:ext cx="3048000" cy="619126"/>
+          </a:xfrm>
+          <a:prstGeom prst="rect">
+            <a:avLst/>
+          </a:prstGeom>
+          <a:noFill/>
+          <a:extLst>
+            <a:ext uri="{909E8E84-426E-40DD-AFC4-6F175D3DCCD1}">
+              <a14:hiddenFill xmlns:a14="http://schemas.microsoft.com/office/drawing/2010/main">
+                <a:solidFill>
+                  <a:srgbClr val="FFFFFF"/>
+                </a:solidFill>
+              </a14:hiddenFill>
+            </a:ext>
+          </a:extLst>
+        </p:spPr>
+      </p:pic>
+      <p:pic>
+        <p:nvPicPr>
+          <p:cNvPr id="2052" name="Picture 4" descr="sm_qhsm-style.png"/>
+          <p:cNvPicPr>
+            <a:picLocks noChangeAspect="1" noChangeArrowheads="1"/>
+          </p:cNvPicPr>
+          <p:nvPr/>
+        </p:nvPicPr>
+        <p:blipFill>
+          <a:blip r:embed="rId5">
+            <a:extLst>
+              <a:ext uri="{28A0092B-C50C-407E-A947-70E740481C1C}">
+                <a14:useLocalDpi xmlns:a14="http://schemas.microsoft.com/office/drawing/2010/main" val="0"/>
+              </a:ext>
+            </a:extLst>
+          </a:blip>
+          <a:srcRect/>
+          <a:stretch>
+            <a:fillRect/>
+          </a:stretch>
+        </p:blipFill>
+        <p:spPr bwMode="auto">
+          <a:xfrm>
+            <a:off x="1314469" y="3678397"/>
+            <a:ext cx="4286701" cy="1314078"/>
+          </a:xfrm>
+          <a:prstGeom prst="rect">
+            <a:avLst/>
+          </a:prstGeom>
+          <a:noFill/>
+          <a:extLst>
+            <a:ext uri="{909E8E84-426E-40DD-AFC4-6F175D3DCCD1}">
+              <a14:hiddenFill xmlns:a14="http://schemas.microsoft.com/office/drawing/2010/main">
+                <a:solidFill>
+                  <a:srgbClr val="FFFFFF"/>
+                </a:solidFill>
+              </a14:hiddenFill>
+            </a:ext>
+          </a:extLst>
+        </p:spPr>
+      </p:pic>
+      <p:pic>
+        <p:nvPicPr>
+          <p:cNvPr id="2054" name="Picture 6" descr="http://retis.sssup.it/~p.buonocunto/img_arduino/logoArte_600.png"/>
+          <p:cNvPicPr>
+            <a:picLocks noChangeAspect="1" noChangeArrowheads="1"/>
+          </p:cNvPicPr>
+          <p:nvPr/>
+        </p:nvPicPr>
+        <p:blipFill>
+          <a:blip r:embed="rId6" cstate="print">
+            <a:extLst>
+              <a:ext uri="{28A0092B-C50C-407E-A947-70E740481C1C}">
+                <a14:useLocalDpi xmlns:a14="http://schemas.microsoft.com/office/drawing/2010/main" val="0"/>
+              </a:ext>
+            </a:extLst>
+          </a:blip>
+          <a:srcRect/>
+          <a:stretch>
+            <a:fillRect/>
+          </a:stretch>
+        </p:blipFill>
+        <p:spPr bwMode="auto">
+          <a:xfrm>
+            <a:off x="1297876" y="1998947"/>
+            <a:ext cx="798638" cy="834813"/>
+          </a:xfrm>
+          <a:prstGeom prst="rect">
+            <a:avLst/>
+          </a:prstGeom>
+          <a:noFill/>
+          <a:extLst>
+            <a:ext uri="{909E8E84-426E-40DD-AFC4-6F175D3DCCD1}">
+              <a14:hiddenFill xmlns:a14="http://schemas.microsoft.com/office/drawing/2010/main">
+                <a:solidFill>
+                  <a:srgbClr val="FFFFFF"/>
+                </a:solidFill>
+              </a14:hiddenFill>
+            </a:ext>
+          </a:extLst>
+        </p:spPr>
+      </p:pic>
+      <p:sp>
+        <p:nvSpPr>
+          <p:cNvPr id="10" name="Rectangle 9"/>
+          <p:cNvSpPr>
+            <a:spLocks noChangeArrowheads="1"/>
+          </p:cNvSpPr>
+          <p:nvPr/>
+        </p:nvSpPr>
+        <p:spPr bwMode="auto">
+          <a:xfrm>
+            <a:off x="6916458" y="1737282"/>
+            <a:ext cx="3868101" cy="1231106"/>
+          </a:xfrm>
+          <a:prstGeom prst="rect">
+            <a:avLst/>
+          </a:prstGeom>
+          <a:solidFill>
+            <a:srgbClr val="F6F8FA"/>
+          </a:solidFill>
+          <a:ln>
+            <a:noFill/>
+          </a:ln>
+          <a:effectLst/>
+          <a:extLst>
+            <a:ext uri="{91240B29-F687-4F45-9708-019B960494DF}">
+              <a14:hiddenLine xmlns:a14="http://schemas.microsoft.com/office/drawing/2010/main" w="9525">
+                <a:solidFill>
+                  <a:schemeClr val="tx1"/>
+                </a:solidFill>
+                <a:miter lim="800000"/>
+                <a:headEnd/>
+                <a:tailEnd/>
+              </a14:hiddenLine>
+            </a:ext>
+            <a:ext uri="{AF507438-7753-43E0-B8FC-AC1667EBCBE1}">
+              <a14:hiddenEffects xmlns:a14="http://schemas.microsoft.com/office/drawing/2010/main">
+                <a:effectLst>
+                  <a:outerShdw dist="35921" dir="2700000" algn="ctr" rotWithShape="0">
+                    <a:schemeClr val="bg2"/>
+                  </a:outerShdw>
+                </a:effectLst>
+              </a14:hiddenEffects>
+            </a:ext>
+          </a:extLst>
+        </p:spPr>
+        <p:txBody>
+          <a:bodyPr vert="horz" wrap="square" lIns="91440" tIns="0" rIns="91440" bIns="0" numCol="1" anchor="ctr" anchorCtr="0" compatLnSpc="1">
+            <a:prstTxWarp prst="textNoShape">
+              <a:avLst/>
+            </a:prstTxWarp>
+            <a:spAutoFit/>
+          </a:bodyPr>
+          <a:lstStyle/>
+          <a:p>
+            <a:pPr defTabSz="914400" eaLnBrk="0" fontAlgn="base" hangingPunct="0">
+              <a:spcBef>
+                <a:spcPct val="0"/>
+              </a:spcBef>
+              <a:spcAft>
+                <a:spcPct val="0"/>
+              </a:spcAft>
+            </a:pPr>
+            <a:r>
+              <a:rPr lang="sk-SK" altLang="sk-SK" sz="900" dirty="0" err="1">
+                <a:solidFill>
+                  <a:srgbClr val="D73A49"/>
+                </a:solidFill>
+                <a:latin typeface="SFMono-Regular"/>
+              </a:rPr>
+              <a:t>void</a:t>
+            </a:r>
+            <a:r>
+              <a:rPr lang="sk-SK" altLang="sk-SK" sz="900" dirty="0">
+                <a:solidFill>
+                  <a:srgbClr val="24292E"/>
+                </a:solidFill>
+                <a:latin typeface="SFMono-Regular"/>
+              </a:rPr>
+              <a:t> </a:t>
+            </a:r>
+            <a:r>
+              <a:rPr lang="sk-SK" altLang="sk-SK" sz="900" dirty="0" err="1">
+                <a:solidFill>
+                  <a:srgbClr val="6F42C1"/>
+                </a:solidFill>
+                <a:latin typeface="SFMono-Regular"/>
+              </a:rPr>
+              <a:t>setup</a:t>
+            </a:r>
+            <a:r>
+              <a:rPr lang="sk-SK" altLang="sk-SK" sz="900" dirty="0">
+                <a:solidFill>
+                  <a:srgbClr val="24292E"/>
+                </a:solidFill>
+                <a:latin typeface="SFMono-Regular"/>
+              </a:rPr>
+              <a:t>() { </a:t>
+            </a:r>
+            <a:endParaRPr lang="sk-SK" altLang="sk-SK" sz="900" dirty="0" smtClean="0">
+              <a:solidFill>
+                <a:srgbClr val="24292E"/>
+              </a:solidFill>
+              <a:latin typeface="SFMono-Regular"/>
+            </a:endParaRPr>
+          </a:p>
+          <a:p>
+            <a:pPr defTabSz="914400" eaLnBrk="0" fontAlgn="base" hangingPunct="0">
+              <a:spcBef>
+                <a:spcPct val="0"/>
+              </a:spcBef>
+              <a:spcAft>
+                <a:spcPct val="0"/>
+              </a:spcAft>
+            </a:pPr>
+            <a:r>
+              <a:rPr lang="sk-SK" altLang="sk-SK" sz="900" dirty="0">
+                <a:solidFill>
+                  <a:srgbClr val="24292E"/>
+                </a:solidFill>
+                <a:latin typeface="SFMono-Regular"/>
+              </a:rPr>
+              <a:t> </a:t>
+            </a:r>
+            <a:r>
+              <a:rPr lang="sk-SK" altLang="sk-SK" sz="900" dirty="0" smtClean="0">
+                <a:solidFill>
+                  <a:srgbClr val="24292E"/>
+                </a:solidFill>
+                <a:latin typeface="SFMono-Regular"/>
+              </a:rPr>
+              <a:t>   </a:t>
+            </a:r>
+            <a:r>
+              <a:rPr lang="sk-SK" altLang="sk-SK" sz="900" dirty="0" smtClean="0">
+                <a:solidFill>
+                  <a:srgbClr val="6A737D"/>
+                </a:solidFill>
+                <a:latin typeface="SFMono-Regular"/>
+              </a:rPr>
+              <a:t>// </a:t>
+            </a:r>
+            <a:r>
+              <a:rPr lang="sk-SK" altLang="sk-SK" sz="900" dirty="0" err="1" smtClean="0">
+                <a:solidFill>
+                  <a:srgbClr val="6A737D"/>
+                </a:solidFill>
+                <a:latin typeface="SFMono-Regular"/>
+              </a:rPr>
+              <a:t>Setup</a:t>
+            </a:r>
+            <a:endParaRPr lang="sk-SK" altLang="sk-SK" sz="900" dirty="0" smtClean="0">
+              <a:solidFill>
+                <a:srgbClr val="6A737D"/>
+              </a:solidFill>
+              <a:latin typeface="SFMono-Regular"/>
+            </a:endParaRPr>
+          </a:p>
+          <a:p>
+            <a:pPr defTabSz="914400" eaLnBrk="0" fontAlgn="base" hangingPunct="0">
+              <a:spcBef>
+                <a:spcPct val="0"/>
+              </a:spcBef>
+              <a:spcAft>
+                <a:spcPct val="0"/>
+              </a:spcAft>
+            </a:pPr>
+            <a:r>
+              <a:rPr lang="sk-SK" altLang="sk-SK" sz="900" dirty="0" smtClean="0">
+                <a:solidFill>
+                  <a:srgbClr val="24292E"/>
+                </a:solidFill>
+                <a:latin typeface="SFMono-Regular"/>
+              </a:rPr>
+              <a:t>    </a:t>
+            </a:r>
+            <a:r>
+              <a:rPr lang="sk-SK" altLang="sk-SK" sz="900" dirty="0" err="1" smtClean="0">
+                <a:solidFill>
+                  <a:srgbClr val="24292E"/>
+                </a:solidFill>
+                <a:latin typeface="SFMono-Regular"/>
+              </a:rPr>
+              <a:t>gEM.</a:t>
+            </a:r>
+            <a:r>
+              <a:rPr lang="sk-SK" altLang="sk-SK" sz="900" dirty="0" err="1" smtClean="0">
+                <a:solidFill>
+                  <a:srgbClr val="005CC5"/>
+                </a:solidFill>
+                <a:latin typeface="SFMono-Regular"/>
+              </a:rPr>
+              <a:t>addListener</a:t>
+            </a:r>
+            <a:r>
+              <a:rPr lang="sk-SK" altLang="sk-SK" sz="900" dirty="0">
+                <a:solidFill>
+                  <a:srgbClr val="24292E"/>
+                </a:solidFill>
+                <a:latin typeface="SFMono-Regular"/>
+              </a:rPr>
+              <a:t>( </a:t>
+            </a:r>
+            <a:r>
+              <a:rPr lang="sk-SK" altLang="sk-SK" sz="900" dirty="0" err="1">
+                <a:solidFill>
+                  <a:srgbClr val="24292E"/>
+                </a:solidFill>
+                <a:latin typeface="SFMono-Regular"/>
+              </a:rPr>
+              <a:t>EventManager</a:t>
+            </a:r>
+            <a:r>
+              <a:rPr lang="sk-SK" altLang="sk-SK" sz="900" dirty="0">
+                <a:solidFill>
+                  <a:srgbClr val="24292E"/>
+                </a:solidFill>
+                <a:latin typeface="SFMono-Regular"/>
+              </a:rPr>
+              <a:t>::</a:t>
+            </a:r>
+            <a:r>
+              <a:rPr lang="sk-SK" altLang="sk-SK" sz="900" dirty="0">
+                <a:solidFill>
+                  <a:srgbClr val="005CC5"/>
+                </a:solidFill>
+                <a:latin typeface="SFMono-Regular"/>
+              </a:rPr>
+              <a:t>kEventUser0</a:t>
+            </a:r>
+            <a:r>
+              <a:rPr lang="sk-SK" altLang="sk-SK" sz="900" dirty="0">
+                <a:solidFill>
+                  <a:srgbClr val="24292E"/>
+                </a:solidFill>
+                <a:latin typeface="SFMono-Regular"/>
+              </a:rPr>
+              <a:t>, </a:t>
+            </a:r>
+            <a:r>
+              <a:rPr lang="sk-SK" altLang="sk-SK" sz="900" dirty="0" err="1">
+                <a:solidFill>
+                  <a:srgbClr val="24292E"/>
+                </a:solidFill>
+                <a:latin typeface="SFMono-Regular"/>
+              </a:rPr>
+              <a:t>listener</a:t>
+            </a:r>
+            <a:r>
+              <a:rPr lang="sk-SK" altLang="sk-SK" sz="900" dirty="0">
+                <a:solidFill>
+                  <a:srgbClr val="24292E"/>
+                </a:solidFill>
+                <a:latin typeface="SFMono-Regular"/>
+              </a:rPr>
+              <a:t> ); </a:t>
+            </a:r>
+            <a:endParaRPr lang="sk-SK" altLang="sk-SK" sz="900" dirty="0" smtClean="0">
+              <a:solidFill>
+                <a:srgbClr val="24292E"/>
+              </a:solidFill>
+              <a:latin typeface="SFMono-Regular"/>
+            </a:endParaRPr>
+          </a:p>
+          <a:p>
+            <a:pPr defTabSz="914400" eaLnBrk="0" fontAlgn="base" hangingPunct="0">
+              <a:spcBef>
+                <a:spcPct val="0"/>
+              </a:spcBef>
+              <a:spcAft>
+                <a:spcPct val="0"/>
+              </a:spcAft>
+            </a:pPr>
+            <a:r>
+              <a:rPr lang="sk-SK" altLang="sk-SK" sz="900" dirty="0" smtClean="0">
+                <a:solidFill>
+                  <a:srgbClr val="24292E"/>
+                </a:solidFill>
+                <a:latin typeface="SFMono-Regular"/>
+              </a:rPr>
+              <a:t>}</a:t>
+            </a:r>
+            <a:r>
+              <a:rPr lang="sk-SK" altLang="sk-SK" sz="800" dirty="0" smtClean="0"/>
+              <a:t> </a:t>
+            </a:r>
+            <a:endParaRPr lang="sk-SK" altLang="sk-SK" dirty="0">
+              <a:latin typeface="Arial" panose="020B0604020202020204" pitchFamily="34" charset="0"/>
+            </a:endParaRPr>
+          </a:p>
+          <a:p>
+            <a:pPr marL="0" marR="0" lvl="0" indent="0" algn="l" defTabSz="914400" rtl="0" eaLnBrk="0" fontAlgn="base" latinLnBrk="0" hangingPunct="0">
+              <a:lnSpc>
+                <a:spcPct val="100000"/>
+              </a:lnSpc>
+              <a:spcBef>
+                <a:spcPct val="0"/>
+              </a:spcBef>
+              <a:spcAft>
+                <a:spcPct val="0"/>
+              </a:spcAft>
+              <a:buClrTx/>
+              <a:buSzTx/>
+              <a:buFontTx/>
+              <a:buNone/>
+              <a:tabLst/>
+            </a:pPr>
+            <a:endParaRPr kumimoji="0" lang="sk-SK" altLang="sk-SK" sz="900" b="0" i="0" u="none" strike="noStrike" cap="none" normalizeH="0" baseline="0" dirty="0" smtClean="0">
+              <a:ln>
+                <a:noFill/>
+              </a:ln>
+              <a:solidFill>
+                <a:srgbClr val="D73A49"/>
+              </a:solidFill>
+              <a:effectLst/>
+              <a:latin typeface="SFMono-Regular"/>
+            </a:endParaRPr>
+          </a:p>
+          <a:p>
+            <a:pPr marL="0" marR="0" lvl="0" indent="0" algn="l" defTabSz="914400" rtl="0" eaLnBrk="0" fontAlgn="base" latinLnBrk="0" hangingPunct="0">
+              <a:lnSpc>
+                <a:spcPct val="100000"/>
+              </a:lnSpc>
+              <a:spcBef>
+                <a:spcPct val="0"/>
+              </a:spcBef>
+              <a:spcAft>
+                <a:spcPct val="0"/>
+              </a:spcAft>
+              <a:buClrTx/>
+              <a:buSzTx/>
+              <a:buFontTx/>
+              <a:buNone/>
+              <a:tabLst/>
+            </a:pPr>
+            <a:r>
+              <a:rPr kumimoji="0" lang="sk-SK" altLang="sk-SK" sz="900" b="0" i="0" u="none" strike="noStrike" cap="none" normalizeH="0" baseline="0" dirty="0" err="1" smtClean="0">
+                <a:ln>
+                  <a:noFill/>
+                </a:ln>
+                <a:solidFill>
+                  <a:srgbClr val="D73A49"/>
+                </a:solidFill>
+                <a:effectLst/>
+                <a:latin typeface="SFMono-Regular"/>
+              </a:rPr>
+              <a:t>void</a:t>
+            </a:r>
+            <a:r>
+              <a:rPr kumimoji="0" lang="sk-SK" altLang="sk-SK" sz="900" b="0" i="0" u="none" strike="noStrike" cap="none" normalizeH="0" baseline="0" dirty="0" smtClean="0">
+                <a:ln>
+                  <a:noFill/>
+                </a:ln>
+                <a:solidFill>
+                  <a:srgbClr val="24292E"/>
+                </a:solidFill>
+                <a:effectLst/>
+                <a:latin typeface="SFMono-Regular"/>
+              </a:rPr>
+              <a:t> </a:t>
+            </a:r>
+            <a:r>
+              <a:rPr kumimoji="0" lang="sk-SK" altLang="sk-SK" sz="900" b="0" i="0" u="none" strike="noStrike" cap="none" normalizeH="0" baseline="0" dirty="0" err="1" smtClean="0">
+                <a:ln>
+                  <a:noFill/>
+                </a:ln>
+                <a:solidFill>
+                  <a:srgbClr val="6F42C1"/>
+                </a:solidFill>
+                <a:effectLst/>
+                <a:latin typeface="SFMono-Regular"/>
+              </a:rPr>
+              <a:t>loop</a:t>
+            </a:r>
+            <a:r>
+              <a:rPr kumimoji="0" lang="sk-SK" altLang="sk-SK" sz="900" b="0" i="0" u="none" strike="noStrike" cap="none" normalizeH="0" baseline="0" dirty="0" smtClean="0">
+                <a:ln>
+                  <a:noFill/>
+                </a:ln>
+                <a:solidFill>
+                  <a:srgbClr val="24292E"/>
+                </a:solidFill>
+                <a:effectLst/>
+                <a:latin typeface="SFMono-Regular"/>
+              </a:rPr>
+              <a:t>() { </a:t>
+            </a:r>
+          </a:p>
+          <a:p>
+            <a:pPr marL="0" marR="0" lvl="0" indent="0" algn="l" defTabSz="914400" rtl="0" eaLnBrk="0" fontAlgn="base" latinLnBrk="0" hangingPunct="0">
+              <a:lnSpc>
+                <a:spcPct val="100000"/>
+              </a:lnSpc>
+              <a:spcBef>
+                <a:spcPct val="0"/>
+              </a:spcBef>
+              <a:spcAft>
+                <a:spcPct val="0"/>
+              </a:spcAft>
+              <a:buClrTx/>
+              <a:buSzTx/>
+              <a:buFontTx/>
+              <a:buNone/>
+              <a:tabLst/>
+            </a:pPr>
+            <a:r>
+              <a:rPr lang="sk-SK" altLang="sk-SK" sz="900" dirty="0">
+                <a:solidFill>
+                  <a:srgbClr val="24292E"/>
+                </a:solidFill>
+                <a:latin typeface="SFMono-Regular"/>
+              </a:rPr>
+              <a:t> </a:t>
+            </a:r>
+            <a:r>
+              <a:rPr lang="sk-SK" altLang="sk-SK" sz="900" dirty="0" smtClean="0">
+                <a:solidFill>
+                  <a:srgbClr val="24292E"/>
+                </a:solidFill>
+                <a:latin typeface="SFMono-Regular"/>
+              </a:rPr>
+              <a:t>   </a:t>
+            </a:r>
+            <a:r>
+              <a:rPr kumimoji="0" lang="sk-SK" altLang="sk-SK" sz="900" b="0" i="0" u="none" strike="noStrike" cap="none" normalizeH="0" baseline="0" dirty="0" smtClean="0">
+                <a:ln>
+                  <a:noFill/>
+                </a:ln>
+                <a:solidFill>
+                  <a:srgbClr val="6A737D"/>
+                </a:solidFill>
+                <a:effectLst/>
+                <a:latin typeface="SFMono-Regular"/>
+              </a:rPr>
+              <a:t>// </a:t>
+            </a:r>
+            <a:r>
+              <a:rPr kumimoji="0" lang="sk-SK" altLang="sk-SK" sz="900" b="0" i="0" u="none" strike="noStrike" cap="none" normalizeH="0" baseline="0" dirty="0" err="1" smtClean="0">
+                <a:ln>
+                  <a:noFill/>
+                </a:ln>
+                <a:solidFill>
+                  <a:srgbClr val="6A737D"/>
+                </a:solidFill>
+                <a:effectLst/>
+                <a:latin typeface="SFMono-Regular"/>
+              </a:rPr>
+              <a:t>Handle</a:t>
+            </a:r>
+            <a:r>
+              <a:rPr kumimoji="0" lang="sk-SK" altLang="sk-SK" sz="900" b="0" i="0" u="none" strike="noStrike" cap="none" normalizeH="0" baseline="0" dirty="0" smtClean="0">
+                <a:ln>
+                  <a:noFill/>
+                </a:ln>
+                <a:solidFill>
+                  <a:srgbClr val="6A737D"/>
+                </a:solidFill>
+                <a:effectLst/>
+                <a:latin typeface="SFMono-Regular"/>
+              </a:rPr>
+              <a:t> </a:t>
+            </a:r>
+            <a:r>
+              <a:rPr kumimoji="0" lang="sk-SK" altLang="sk-SK" sz="900" b="0" i="0" u="none" strike="noStrike" cap="none" normalizeH="0" baseline="0" dirty="0" err="1" smtClean="0">
+                <a:ln>
+                  <a:noFill/>
+                </a:ln>
+                <a:solidFill>
+                  <a:srgbClr val="6A737D"/>
+                </a:solidFill>
+                <a:effectLst/>
+                <a:latin typeface="SFMono-Regular"/>
+              </a:rPr>
+              <a:t>any</a:t>
+            </a:r>
+            <a:r>
+              <a:rPr kumimoji="0" lang="sk-SK" altLang="sk-SK" sz="900" b="0" i="0" u="none" strike="noStrike" cap="none" normalizeH="0" baseline="0" dirty="0" smtClean="0">
+                <a:ln>
+                  <a:noFill/>
+                </a:ln>
+                <a:solidFill>
+                  <a:srgbClr val="6A737D"/>
+                </a:solidFill>
+                <a:effectLst/>
+                <a:latin typeface="SFMono-Regular"/>
+              </a:rPr>
+              <a:t> </a:t>
+            </a:r>
+            <a:r>
+              <a:rPr kumimoji="0" lang="sk-SK" altLang="sk-SK" sz="900" b="0" i="0" u="none" strike="noStrike" cap="none" normalizeH="0" baseline="0" dirty="0" err="1" smtClean="0">
+                <a:ln>
+                  <a:noFill/>
+                </a:ln>
+                <a:solidFill>
+                  <a:srgbClr val="6A737D"/>
+                </a:solidFill>
+                <a:effectLst/>
+                <a:latin typeface="SFMono-Regular"/>
+              </a:rPr>
+              <a:t>events</a:t>
+            </a:r>
+            <a:r>
+              <a:rPr kumimoji="0" lang="sk-SK" altLang="sk-SK" sz="900" b="0" i="0" u="none" strike="noStrike" cap="none" normalizeH="0" baseline="0" dirty="0" smtClean="0">
+                <a:ln>
+                  <a:noFill/>
+                </a:ln>
+                <a:solidFill>
+                  <a:srgbClr val="6A737D"/>
+                </a:solidFill>
+                <a:effectLst/>
+                <a:latin typeface="SFMono-Regular"/>
+              </a:rPr>
+              <a:t> </a:t>
+            </a:r>
+            <a:r>
+              <a:rPr kumimoji="0" lang="sk-SK" altLang="sk-SK" sz="900" b="0" i="0" u="none" strike="noStrike" cap="none" normalizeH="0" baseline="0" dirty="0" err="1" smtClean="0">
+                <a:ln>
+                  <a:noFill/>
+                </a:ln>
+                <a:solidFill>
+                  <a:srgbClr val="6A737D"/>
+                </a:solidFill>
+                <a:effectLst/>
+                <a:latin typeface="SFMono-Regular"/>
+              </a:rPr>
+              <a:t>that</a:t>
+            </a:r>
+            <a:r>
+              <a:rPr kumimoji="0" lang="sk-SK" altLang="sk-SK" sz="900" b="0" i="0" u="none" strike="noStrike" cap="none" normalizeH="0" baseline="0" dirty="0" smtClean="0">
+                <a:ln>
+                  <a:noFill/>
+                </a:ln>
+                <a:solidFill>
+                  <a:srgbClr val="6A737D"/>
+                </a:solidFill>
+                <a:effectLst/>
+                <a:latin typeface="SFMono-Regular"/>
+              </a:rPr>
+              <a:t> are in </a:t>
+            </a:r>
+            <a:r>
+              <a:rPr kumimoji="0" lang="sk-SK" altLang="sk-SK" sz="900" b="0" i="0" u="none" strike="noStrike" cap="none" normalizeH="0" baseline="0" dirty="0" err="1" smtClean="0">
+                <a:ln>
+                  <a:noFill/>
+                </a:ln>
+                <a:solidFill>
+                  <a:srgbClr val="6A737D"/>
+                </a:solidFill>
+                <a:effectLst/>
+                <a:latin typeface="SFMono-Regular"/>
+              </a:rPr>
+              <a:t>the</a:t>
+            </a:r>
+            <a:r>
+              <a:rPr kumimoji="0" lang="sk-SK" altLang="sk-SK" sz="900" b="0" i="0" u="none" strike="noStrike" cap="none" normalizeH="0" baseline="0" dirty="0" smtClean="0">
+                <a:ln>
+                  <a:noFill/>
+                </a:ln>
+                <a:solidFill>
+                  <a:srgbClr val="6A737D"/>
+                </a:solidFill>
+                <a:effectLst/>
+                <a:latin typeface="SFMono-Regular"/>
+              </a:rPr>
+              <a:t> </a:t>
+            </a:r>
+            <a:r>
+              <a:rPr kumimoji="0" lang="sk-SK" altLang="sk-SK" sz="900" b="0" i="0" u="none" strike="noStrike" cap="none" normalizeH="0" baseline="0" dirty="0" err="1" smtClean="0">
+                <a:ln>
+                  <a:noFill/>
+                </a:ln>
+                <a:solidFill>
+                  <a:srgbClr val="6A737D"/>
+                </a:solidFill>
+                <a:effectLst/>
+                <a:latin typeface="SFMono-Regular"/>
+              </a:rPr>
+              <a:t>queue</a:t>
+            </a:r>
+            <a:r>
+              <a:rPr kumimoji="0" lang="sk-SK" altLang="sk-SK" sz="900" b="0" i="0" u="none" strike="noStrike" cap="none" normalizeH="0" baseline="0" dirty="0" smtClean="0">
+                <a:ln>
+                  <a:noFill/>
+                </a:ln>
+                <a:solidFill>
+                  <a:srgbClr val="24292E"/>
+                </a:solidFill>
+                <a:effectLst/>
+                <a:latin typeface="SFMono-Regular"/>
+              </a:rPr>
+              <a:t> </a:t>
+            </a:r>
+          </a:p>
+          <a:p>
+            <a:pPr marL="0" marR="0" lvl="0" indent="0" algn="l" defTabSz="914400" rtl="0" eaLnBrk="0" fontAlgn="base" latinLnBrk="0" hangingPunct="0">
+              <a:lnSpc>
+                <a:spcPct val="100000"/>
+              </a:lnSpc>
+              <a:spcBef>
+                <a:spcPct val="0"/>
+              </a:spcBef>
+              <a:spcAft>
+                <a:spcPct val="0"/>
+              </a:spcAft>
+              <a:buClrTx/>
+              <a:buSzTx/>
+              <a:buFontTx/>
+              <a:buNone/>
+              <a:tabLst/>
+            </a:pPr>
+            <a:r>
+              <a:rPr lang="sk-SK" altLang="sk-SK" sz="900" dirty="0">
+                <a:solidFill>
+                  <a:srgbClr val="24292E"/>
+                </a:solidFill>
+                <a:latin typeface="SFMono-Regular"/>
+              </a:rPr>
+              <a:t> </a:t>
+            </a:r>
+            <a:r>
+              <a:rPr lang="sk-SK" altLang="sk-SK" sz="900" dirty="0" smtClean="0">
+                <a:solidFill>
+                  <a:srgbClr val="24292E"/>
+                </a:solidFill>
+                <a:latin typeface="SFMono-Regular"/>
+              </a:rPr>
+              <a:t>   </a:t>
+            </a:r>
+            <a:r>
+              <a:rPr kumimoji="0" lang="sk-SK" altLang="sk-SK" sz="900" b="0" i="0" u="none" strike="noStrike" cap="none" normalizeH="0" baseline="0" dirty="0" err="1" smtClean="0">
+                <a:ln>
+                  <a:noFill/>
+                </a:ln>
+                <a:solidFill>
+                  <a:srgbClr val="24292E"/>
+                </a:solidFill>
+                <a:effectLst/>
+                <a:latin typeface="SFMono-Regular"/>
+              </a:rPr>
+              <a:t>gEM.</a:t>
+            </a:r>
+            <a:r>
+              <a:rPr kumimoji="0" lang="sk-SK" altLang="sk-SK" sz="900" b="0" i="0" u="none" strike="noStrike" cap="none" normalizeH="0" baseline="0" dirty="0" err="1" smtClean="0">
+                <a:ln>
+                  <a:noFill/>
+                </a:ln>
+                <a:solidFill>
+                  <a:srgbClr val="005CC5"/>
+                </a:solidFill>
+                <a:effectLst/>
+                <a:latin typeface="SFMono-Regular"/>
+              </a:rPr>
+              <a:t>processEvent</a:t>
+            </a:r>
+            <a:r>
+              <a:rPr kumimoji="0" lang="sk-SK" altLang="sk-SK" sz="900" b="0" i="0" u="none" strike="noStrike" cap="none" normalizeH="0" baseline="0" dirty="0" smtClean="0">
+                <a:ln>
+                  <a:noFill/>
+                </a:ln>
+                <a:solidFill>
+                  <a:srgbClr val="24292E"/>
+                </a:solidFill>
+                <a:effectLst/>
+                <a:latin typeface="SFMono-Regular"/>
+              </a:rPr>
+              <a:t>();</a:t>
+            </a:r>
+            <a:r>
+              <a:rPr kumimoji="0" lang="sk-SK" altLang="sk-SK" sz="800" b="0" i="0" u="none" strike="noStrike" cap="none" normalizeH="0" baseline="0" dirty="0" smtClean="0">
+                <a:ln>
+                  <a:noFill/>
+                </a:ln>
+                <a:solidFill>
+                  <a:schemeClr val="tx1"/>
+                </a:solidFill>
+                <a:effectLst/>
+              </a:rPr>
+              <a:t> </a:t>
+            </a:r>
+          </a:p>
+          <a:p>
+            <a:pPr marL="0" marR="0" lvl="0" indent="0" algn="l" defTabSz="914400" rtl="0" eaLnBrk="0" fontAlgn="base" latinLnBrk="0" hangingPunct="0">
+              <a:lnSpc>
+                <a:spcPct val="100000"/>
+              </a:lnSpc>
+              <a:spcBef>
+                <a:spcPct val="0"/>
+              </a:spcBef>
+              <a:spcAft>
+                <a:spcPct val="0"/>
+              </a:spcAft>
+              <a:buClrTx/>
+              <a:buSzTx/>
+              <a:buFontTx/>
+              <a:buNone/>
+              <a:tabLst/>
+            </a:pPr>
+            <a:r>
+              <a:rPr lang="sk-SK" altLang="sk-SK" sz="800" dirty="0">
+                <a:latin typeface="Arial" panose="020B0604020202020204" pitchFamily="34" charset="0"/>
+              </a:rPr>
+              <a:t>}</a:t>
+            </a:r>
+            <a:endParaRPr kumimoji="0" lang="sk-SK" altLang="sk-SK" sz="1800" b="0" i="0" u="none" strike="noStrike" cap="none" normalizeH="0" baseline="0" dirty="0" smtClean="0">
+              <a:ln>
+                <a:noFill/>
+              </a:ln>
+              <a:solidFill>
+                <a:schemeClr val="tx1"/>
+              </a:solidFill>
+              <a:effectLst/>
+              <a:latin typeface="Arial" panose="020B0604020202020204" pitchFamily="34" charset="0"/>
+            </a:endParaRPr>
+          </a:p>
+        </p:txBody>
+      </p:sp>
+      <p:sp>
+        <p:nvSpPr>
+          <p:cNvPr id="12" name="BlokTextu 11"/>
+          <p:cNvSpPr txBox="1"/>
+          <p:nvPr/>
+        </p:nvSpPr>
+        <p:spPr>
+          <a:xfrm>
+            <a:off x="6888088" y="1310061"/>
+            <a:ext cx="3214071" cy="369332"/>
+          </a:xfrm>
+          <a:prstGeom prst="rect">
+            <a:avLst/>
+          </a:prstGeom>
+          <a:noFill/>
+        </p:spPr>
+        <p:txBody>
+          <a:bodyPr wrap="square" rtlCol="0">
+            <a:spAutoFit/>
+          </a:bodyPr>
+          <a:lstStyle/>
+          <a:p>
+            <a:r>
+              <a:rPr lang="sk-SK" dirty="0" smtClean="0"/>
+              <a:t>Arduino </a:t>
+            </a:r>
+            <a:r>
+              <a:rPr lang="sk-SK" b="1" dirty="0" err="1" smtClean="0"/>
+              <a:t>EventManager</a:t>
+            </a:r>
+            <a:endParaRPr lang="sk-SK" b="1" dirty="0" smtClean="0"/>
+          </a:p>
+        </p:txBody>
+      </p:sp>
+    </p:spTree>
+    <p:extLst>
+      <p:ext uri="{BB962C8B-B14F-4D97-AF65-F5344CB8AC3E}">
+        <p14:creationId xmlns:p14="http://schemas.microsoft.com/office/powerpoint/2010/main" val="4249764460"/>
+      </p:ext>
+    </p:extLst>
+  </p:cSld>
+  <p:clrMapOvr>
+    <a:masterClrMapping/>
+  </p:clrMapOvr>
+  <p:timing>
+    <p:tnLst>
+      <p:par>
+        <p:cTn id="1" dur="indefinite" restart="never" nodeType="tmRoot"/>
+      </p:par>
+    </p:tnLst>
+  </p:timing>
 </p:sld>
 </file>
 
@@ -5269,10 +10142,10 @@
           <a:lstStyle/>
           <a:p>
             <a:r>
-              <a:rPr lang="en-US" dirty="0"/>
+              <a:rPr lang="en-US" noProof="0" dirty="0" smtClean="0"/>
               <a:t>Why smarter microcontrollers?</a:t>
             </a:r>
-            <a:endParaRPr lang="sk-SK" dirty="0"/>
+            <a:endParaRPr lang="en-US" noProof="0" dirty="0"/>
           </a:p>
         </p:txBody>
       </p:sp>
@@ -5289,7 +10162,7 @@
           <p:nvPr>
             <p:extLst>
               <p:ext uri="{D42A27DB-BD31-4B8C-83A1-F6EECF244321}">
-                <p14:modId xmlns:p14="http://schemas.microsoft.com/office/powerpoint/2010/main" val="1211490237"/>
+                <p14:modId xmlns:p14="http://schemas.microsoft.com/office/powerpoint/2010/main" val="1027368472"/>
               </p:ext>
             </p:extLst>
           </p:nvPr>
@@ -5605,8 +10478,405 @@
         </p:blipFill>
         <p:spPr bwMode="auto">
           <a:xfrm>
-            <a:off x="7320136" y="3846023"/>
+            <a:off x="6904023" y="3807267"/>
             <a:ext cx="3466356" cy="2463297"/>
+          </a:xfrm>
+          <a:prstGeom prst="rect">
+            <a:avLst/>
+          </a:prstGeom>
+          <a:noFill/>
+          <a:extLst>
+            <a:ext uri="{909E8E84-426E-40DD-AFC4-6F175D3DCCD1}">
+              <a14:hiddenFill xmlns:a14="http://schemas.microsoft.com/office/drawing/2010/main">
+                <a:solidFill>
+                  <a:srgbClr val="FFFFFF"/>
+                </a:solidFill>
+              </a14:hiddenFill>
+            </a:ext>
+          </a:extLst>
+        </p:spPr>
+      </p:pic>
+      <p:pic>
+        <p:nvPicPr>
+          <p:cNvPr id="8" name="Picture 4" descr="http://www.openfogconsortium.org/wp-content/uploads/Arm_logo_white_150MN.png">
+            <a:extLst>
+              <a:ext uri="{FF2B5EF4-FFF2-40B4-BE49-F238E27FC236}">
+                <a16:creationId xmlns:a16="http://schemas.microsoft.com/office/drawing/2014/main" id="{03F0B02C-F2A0-424A-B7F2-81CA961767B9}"/>
+              </a:ext>
+            </a:extLst>
+          </p:cNvPr>
+          <p:cNvPicPr>
+            <a:picLocks noChangeAspect="1" noChangeArrowheads="1"/>
+          </p:cNvPicPr>
+          <p:nvPr/>
+        </p:nvPicPr>
+        <p:blipFill>
+          <a:blip r:embed="rId8">
+            <a:duotone>
+              <a:prstClr val="black"/>
+              <a:schemeClr val="tx2">
+                <a:tint val="45000"/>
+                <a:satMod val="400000"/>
+              </a:schemeClr>
+            </a:duotone>
+            <a:extLst>
+              <a:ext uri="{BEBA8EAE-BF5A-486C-A8C5-ECC9F3942E4B}">
+                <a14:imgProps xmlns:a14="http://schemas.microsoft.com/office/drawing/2010/main">
+                  <a14:imgLayer r:embed="rId9">
+                    <a14:imgEffect>
+                      <a14:brightnessContrast bright="-40000" contrast="-40000"/>
+                    </a14:imgEffect>
+                  </a14:imgLayer>
+                </a14:imgProps>
+              </a:ext>
+              <a:ext uri="{28A0092B-C50C-407E-A947-70E740481C1C}">
+                <a14:useLocalDpi xmlns:a14="http://schemas.microsoft.com/office/drawing/2010/main" val="0"/>
+              </a:ext>
+            </a:extLst>
+          </a:blip>
+          <a:srcRect/>
+          <a:stretch>
+            <a:fillRect/>
+          </a:stretch>
+        </p:blipFill>
+        <p:spPr bwMode="auto">
+          <a:xfrm>
+            <a:off x="11253407" y="2169102"/>
+            <a:ext cx="619124" cy="200025"/>
+          </a:xfrm>
+          <a:prstGeom prst="rect">
+            <a:avLst/>
+          </a:prstGeom>
+          <a:noFill/>
+          <a:extLst>
+            <a:ext uri="{909E8E84-426E-40DD-AFC4-6F175D3DCCD1}">
+              <a14:hiddenFill xmlns:a14="http://schemas.microsoft.com/office/drawing/2010/main">
+                <a:solidFill>
+                  <a:srgbClr val="FFFFFF"/>
+                </a:solidFill>
+              </a14:hiddenFill>
+            </a:ext>
+          </a:extLst>
+        </p:spPr>
+      </p:pic>
+      <p:pic>
+        <p:nvPicPr>
+          <p:cNvPr id="9" name="Picture 6" descr="Cisco-logo white">
+            <a:extLst>
+              <a:ext uri="{FF2B5EF4-FFF2-40B4-BE49-F238E27FC236}">
+                <a16:creationId xmlns:a16="http://schemas.microsoft.com/office/drawing/2014/main" id="{98960FFF-3B42-4263-BAE5-369383E70CD0}"/>
+              </a:ext>
+            </a:extLst>
+          </p:cNvPr>
+          <p:cNvPicPr>
+            <a:picLocks noChangeAspect="1" noChangeArrowheads="1"/>
+          </p:cNvPicPr>
+          <p:nvPr/>
+        </p:nvPicPr>
+        <p:blipFill>
+          <a:blip r:embed="rId10" cstate="print">
+            <a:duotone>
+              <a:prstClr val="black"/>
+              <a:schemeClr val="tx2">
+                <a:tint val="45000"/>
+                <a:satMod val="400000"/>
+              </a:schemeClr>
+            </a:duotone>
+            <a:extLst>
+              <a:ext uri="{BEBA8EAE-BF5A-486C-A8C5-ECC9F3942E4B}">
+                <a14:imgProps xmlns:a14="http://schemas.microsoft.com/office/drawing/2010/main">
+                  <a14:imgLayer r:embed="rId11">
+                    <a14:imgEffect>
+                      <a14:brightnessContrast bright="-40000" contrast="-40000"/>
+                    </a14:imgEffect>
+                  </a14:imgLayer>
+                </a14:imgProps>
+              </a:ext>
+              <a:ext uri="{28A0092B-C50C-407E-A947-70E740481C1C}">
+                <a14:useLocalDpi xmlns:a14="http://schemas.microsoft.com/office/drawing/2010/main" val="0"/>
+              </a:ext>
+            </a:extLst>
+          </a:blip>
+          <a:srcRect/>
+          <a:stretch>
+            <a:fillRect/>
+          </a:stretch>
+        </p:blipFill>
+        <p:spPr bwMode="auto">
+          <a:xfrm>
+            <a:off x="11107196" y="2595226"/>
+            <a:ext cx="911547" cy="481379"/>
+          </a:xfrm>
+          <a:prstGeom prst="rect">
+            <a:avLst/>
+          </a:prstGeom>
+          <a:noFill/>
+          <a:extLst>
+            <a:ext uri="{909E8E84-426E-40DD-AFC4-6F175D3DCCD1}">
+              <a14:hiddenFill xmlns:a14="http://schemas.microsoft.com/office/drawing/2010/main">
+                <a:solidFill>
+                  <a:srgbClr val="FFFFFF"/>
+                </a:solidFill>
+              </a14:hiddenFill>
+            </a:ext>
+          </a:extLst>
+        </p:spPr>
+      </p:pic>
+      <p:pic>
+        <p:nvPicPr>
+          <p:cNvPr id="10" name="Picture 8" descr="Intel-logo white">
+            <a:extLst>
+              <a:ext uri="{FF2B5EF4-FFF2-40B4-BE49-F238E27FC236}">
+                <a16:creationId xmlns:a16="http://schemas.microsoft.com/office/drawing/2014/main" id="{789D6C2A-ED03-42EA-A14C-B7704347D970}"/>
+              </a:ext>
+            </a:extLst>
+          </p:cNvPr>
+          <p:cNvPicPr>
+            <a:picLocks noChangeAspect="1" noChangeArrowheads="1"/>
+          </p:cNvPicPr>
+          <p:nvPr/>
+        </p:nvPicPr>
+        <p:blipFill>
+          <a:blip r:embed="rId12">
+            <a:extLst>
+              <a:ext uri="{BEBA8EAE-BF5A-486C-A8C5-ECC9F3942E4B}">
+                <a14:imgProps xmlns:a14="http://schemas.microsoft.com/office/drawing/2010/main">
+                  <a14:imgLayer r:embed="rId13">
+                    <a14:imgEffect>
+                      <a14:brightnessContrast bright="-40000" contrast="-40000"/>
+                    </a14:imgEffect>
+                  </a14:imgLayer>
+                </a14:imgProps>
+              </a:ext>
+              <a:ext uri="{28A0092B-C50C-407E-A947-70E740481C1C}">
+                <a14:useLocalDpi xmlns:a14="http://schemas.microsoft.com/office/drawing/2010/main" val="0"/>
+              </a:ext>
+            </a:extLst>
+          </a:blip>
+          <a:srcRect/>
+          <a:stretch>
+            <a:fillRect/>
+          </a:stretch>
+        </p:blipFill>
+        <p:spPr bwMode="auto">
+          <a:xfrm>
+            <a:off x="11262159" y="3329593"/>
+            <a:ext cx="666750" cy="438150"/>
+          </a:xfrm>
+          <a:prstGeom prst="rect">
+            <a:avLst/>
+          </a:prstGeom>
+          <a:noFill/>
+          <a:extLst>
+            <a:ext uri="{909E8E84-426E-40DD-AFC4-6F175D3DCCD1}">
+              <a14:hiddenFill xmlns:a14="http://schemas.microsoft.com/office/drawing/2010/main">
+                <a:solidFill>
+                  <a:srgbClr val="FFFFFF"/>
+                </a:solidFill>
+              </a14:hiddenFill>
+            </a:ext>
+          </a:extLst>
+        </p:spPr>
+      </p:pic>
+      <p:pic>
+        <p:nvPicPr>
+          <p:cNvPr id="11" name="Picture 10" descr="Dell-logo white">
+            <a:extLst>
+              <a:ext uri="{FF2B5EF4-FFF2-40B4-BE49-F238E27FC236}">
+                <a16:creationId xmlns:a16="http://schemas.microsoft.com/office/drawing/2014/main" id="{6ACAA719-A9B4-406A-93D5-B9EC0ACC1E5D}"/>
+              </a:ext>
+            </a:extLst>
+          </p:cNvPr>
+          <p:cNvPicPr>
+            <a:picLocks noChangeAspect="1" noChangeArrowheads="1"/>
+          </p:cNvPicPr>
+          <p:nvPr/>
+        </p:nvPicPr>
+        <p:blipFill>
+          <a:blip r:embed="rId14" cstate="print">
+            <a:extLst>
+              <a:ext uri="{BEBA8EAE-BF5A-486C-A8C5-ECC9F3942E4B}">
+                <a14:imgProps xmlns:a14="http://schemas.microsoft.com/office/drawing/2010/main">
+                  <a14:imgLayer r:embed="rId15">
+                    <a14:imgEffect>
+                      <a14:brightnessContrast bright="-40000" contrast="-40000"/>
+                    </a14:imgEffect>
+                  </a14:imgLayer>
+                </a14:imgProps>
+              </a:ext>
+              <a:ext uri="{28A0092B-C50C-407E-A947-70E740481C1C}">
+                <a14:useLocalDpi xmlns:a14="http://schemas.microsoft.com/office/drawing/2010/main" val="0"/>
+              </a:ext>
+            </a:extLst>
+          </a:blip>
+          <a:srcRect/>
+          <a:stretch>
+            <a:fillRect/>
+          </a:stretch>
+        </p:blipFill>
+        <p:spPr bwMode="auto">
+          <a:xfrm>
+            <a:off x="11276004" y="3991976"/>
+            <a:ext cx="578531" cy="578531"/>
+          </a:xfrm>
+          <a:prstGeom prst="rect">
+            <a:avLst/>
+          </a:prstGeom>
+          <a:noFill/>
+          <a:extLst>
+            <a:ext uri="{909E8E84-426E-40DD-AFC4-6F175D3DCCD1}">
+              <a14:hiddenFill xmlns:a14="http://schemas.microsoft.com/office/drawing/2010/main">
+                <a:solidFill>
+                  <a:srgbClr val="FFFFFF"/>
+                </a:solidFill>
+              </a14:hiddenFill>
+            </a:ext>
+          </a:extLst>
+        </p:spPr>
+      </p:pic>
+      <p:pic>
+        <p:nvPicPr>
+          <p:cNvPr id="12" name="Picture 12" descr="Microsoft-logo white">
+            <a:extLst>
+              <a:ext uri="{FF2B5EF4-FFF2-40B4-BE49-F238E27FC236}">
+                <a16:creationId xmlns:a16="http://schemas.microsoft.com/office/drawing/2014/main" id="{8E004EFF-6A58-4E7D-92B0-7C2A3F42F1DF}"/>
+              </a:ext>
+            </a:extLst>
+          </p:cNvPr>
+          <p:cNvPicPr>
+            <a:picLocks noChangeAspect="1" noChangeArrowheads="1"/>
+          </p:cNvPicPr>
+          <p:nvPr/>
+        </p:nvPicPr>
+        <p:blipFill>
+          <a:blip r:embed="rId16" cstate="print">
+            <a:extLst>
+              <a:ext uri="{BEBA8EAE-BF5A-486C-A8C5-ECC9F3942E4B}">
+                <a14:imgProps xmlns:a14="http://schemas.microsoft.com/office/drawing/2010/main">
+                  <a14:imgLayer r:embed="rId17">
+                    <a14:imgEffect>
+                      <a14:brightnessContrast bright="-40000" contrast="-40000"/>
+                    </a14:imgEffect>
+                  </a14:imgLayer>
+                </a14:imgProps>
+              </a:ext>
+              <a:ext uri="{28A0092B-C50C-407E-A947-70E740481C1C}">
+                <a14:useLocalDpi xmlns:a14="http://schemas.microsoft.com/office/drawing/2010/main" val="0"/>
+              </a:ext>
+            </a:extLst>
+          </a:blip>
+          <a:srcRect/>
+          <a:stretch>
+            <a:fillRect/>
+          </a:stretch>
+        </p:blipFill>
+        <p:spPr bwMode="auto">
+          <a:xfrm>
+            <a:off x="10867652" y="4822915"/>
+            <a:ext cx="1151091" cy="245938"/>
+          </a:xfrm>
+          <a:prstGeom prst="rect">
+            <a:avLst/>
+          </a:prstGeom>
+          <a:noFill/>
+          <a:extLst>
+            <a:ext uri="{909E8E84-426E-40DD-AFC4-6F175D3DCCD1}">
+              <a14:hiddenFill xmlns:a14="http://schemas.microsoft.com/office/drawing/2010/main">
+                <a:solidFill>
+                  <a:srgbClr val="FFFFFF"/>
+                </a:solidFill>
+              </a14:hiddenFill>
+            </a:ext>
+          </a:extLst>
+        </p:spPr>
+      </p:pic>
+      <p:pic>
+        <p:nvPicPr>
+          <p:cNvPr id="14" name="Picture 14" descr="Princeton-logo white">
+            <a:extLst>
+              <a:ext uri="{FF2B5EF4-FFF2-40B4-BE49-F238E27FC236}">
+                <a16:creationId xmlns:a16="http://schemas.microsoft.com/office/drawing/2014/main" id="{12975D9F-E10E-4E15-9807-C418298B473C}"/>
+              </a:ext>
+            </a:extLst>
+          </p:cNvPr>
+          <p:cNvPicPr>
+            <a:picLocks noChangeAspect="1" noChangeArrowheads="1"/>
+          </p:cNvPicPr>
+          <p:nvPr/>
+        </p:nvPicPr>
+        <p:blipFill>
+          <a:blip r:embed="rId18" cstate="print">
+            <a:extLst>
+              <a:ext uri="{BEBA8EAE-BF5A-486C-A8C5-ECC9F3942E4B}">
+                <a14:imgProps xmlns:a14="http://schemas.microsoft.com/office/drawing/2010/main">
+                  <a14:imgLayer r:embed="rId19">
+                    <a14:imgEffect>
+                      <a14:brightnessContrast bright="-40000" contrast="-40000"/>
+                    </a14:imgEffect>
+                  </a14:imgLayer>
+                </a14:imgProps>
+              </a:ext>
+              <a:ext uri="{28A0092B-C50C-407E-A947-70E740481C1C}">
+                <a14:useLocalDpi xmlns:a14="http://schemas.microsoft.com/office/drawing/2010/main" val="0"/>
+              </a:ext>
+            </a:extLst>
+          </a:blip>
+          <a:srcRect/>
+          <a:stretch>
+            <a:fillRect/>
+          </a:stretch>
+        </p:blipFill>
+        <p:spPr bwMode="auto">
+          <a:xfrm>
+            <a:off x="10602941" y="5321261"/>
+            <a:ext cx="1415802" cy="390440"/>
+          </a:xfrm>
+          <a:prstGeom prst="rect">
+            <a:avLst/>
+          </a:prstGeom>
+          <a:noFill/>
+          <a:extLst>
+            <a:ext uri="{909E8E84-426E-40DD-AFC4-6F175D3DCCD1}">
+              <a14:hiddenFill xmlns:a14="http://schemas.microsoft.com/office/drawing/2010/main">
+                <a:solidFill>
+                  <a:srgbClr val="FFFFFF"/>
+                </a:solidFill>
+              </a14:hiddenFill>
+            </a:ext>
+          </a:extLst>
+        </p:spPr>
+      </p:pic>
+      <p:pic>
+        <p:nvPicPr>
+          <p:cNvPr id="15" name="Picture 18" descr="VÃ½sledok vyhÄ¾adÃ¡vania obrÃ¡zkov">
+            <a:extLst>
+              <a:ext uri="{FF2B5EF4-FFF2-40B4-BE49-F238E27FC236}">
+                <a16:creationId xmlns:a16="http://schemas.microsoft.com/office/drawing/2014/main" id="{EF953138-3298-44AD-AF7A-3EFFFD0F197E}"/>
+              </a:ext>
+            </a:extLst>
+          </p:cNvPr>
+          <p:cNvPicPr>
+            <a:picLocks noChangeAspect="1" noChangeArrowheads="1"/>
+          </p:cNvPicPr>
+          <p:nvPr/>
+        </p:nvPicPr>
+        <p:blipFill>
+          <a:blip r:embed="rId20">
+            <a:extLst>
+              <a:ext uri="{28A0092B-C50C-407E-A947-70E740481C1C}">
+                <a14:useLocalDpi xmlns:a14="http://schemas.microsoft.com/office/drawing/2010/main" val="0"/>
+              </a:ext>
+            </a:extLst>
+          </a:blip>
+          <a:srcRect/>
+          <a:stretch>
+            <a:fillRect/>
+          </a:stretch>
+        </p:blipFill>
+        <p:spPr bwMode="auto">
+          <a:xfrm>
+            <a:off x="10373969" y="1141084"/>
+            <a:ext cx="1644774" cy="926556"/>
           </a:xfrm>
           <a:prstGeom prst="rect">
             <a:avLst/>
@@ -5633,6 +10903,13 @@
   <p:clrMapOvr>
     <a:masterClrMapping/>
   </p:clrMapOvr>
+  <p:timing>
+    <p:tnLst>
+      <p:par>
+        <p:cTn id="1" dur="indefinite" restart="never" nodeType="tmRoot"/>
+      </p:par>
+    </p:tnLst>
+  </p:timing>
 </p:sld>
 </file>
 
@@ -5677,10 +10954,10 @@
           <a:lstStyle/>
           <a:p>
             <a:r>
-              <a:rPr lang="en-US" dirty="0"/>
+              <a:rPr lang="en-US" noProof="0" dirty="0" smtClean="0"/>
               <a:t>Complex code? No problem in 2018</a:t>
             </a:r>
-            <a:endParaRPr lang="sk-SK" dirty="0"/>
+            <a:endParaRPr lang="en-US" noProof="0" dirty="0"/>
           </a:p>
         </p:txBody>
       </p:sp>
@@ -6097,6 +11374,13 @@
   <p:clrMapOvr>
     <a:masterClrMapping/>
   </p:clrMapOvr>
+  <p:timing>
+    <p:tnLst>
+      <p:par>
+        <p:cTn id="1" dur="indefinite" restart="never" nodeType="tmRoot"/>
+      </p:par>
+    </p:tnLst>
+  </p:timing>
 </p:sld>
 </file>
 
@@ -6141,10 +11425,10 @@
           <a:lstStyle/>
           <a:p>
             <a:r>
-              <a:rPr lang="en-US" dirty="0"/>
+              <a:rPr lang="en-US" noProof="0" dirty="0" smtClean="0"/>
               <a:t>Trade-offs</a:t>
             </a:r>
-            <a:endParaRPr lang="sk-SK" dirty="0"/>
+            <a:endParaRPr lang="en-US" noProof="0" dirty="0"/>
           </a:p>
         </p:txBody>
       </p:sp>
@@ -6225,45 +11509,24 @@
           <a:p>
             <a:pPr algn="ctr"/>
             <a:r>
-              <a:rPr lang="sk-SK" b="1" dirty="0" err="1"/>
-              <a:t>Easy</a:t>
-            </a:r>
-            <a:r>
-              <a:rPr lang="sk-SK" b="1" dirty="0"/>
-              <a:t> </a:t>
-            </a:r>
-            <a:r>
-              <a:rPr lang="sk-SK" b="1" dirty="0" err="1"/>
-              <a:t>development</a:t>
-            </a:r>
-            <a:endParaRPr lang="sk-SK" b="1" dirty="0"/>
+              <a:rPr lang="en-US" b="1" dirty="0" smtClean="0"/>
+              <a:t>Easy development</a:t>
+            </a:r>
           </a:p>
           <a:p>
             <a:pPr algn="ctr"/>
             <a:r>
-              <a:rPr lang="sk-SK" b="1" dirty="0" err="1"/>
-              <a:t>Effort</a:t>
-            </a:r>
-            <a:r>
-              <a:rPr lang="sk-SK" b="1" dirty="0"/>
-              <a:t>, </a:t>
-            </a:r>
-            <a:r>
-              <a:rPr lang="sk-SK" b="1" dirty="0" err="1"/>
-              <a:t>Time</a:t>
-            </a:r>
-            <a:r>
-              <a:rPr lang="sk-SK" b="1" dirty="0"/>
-              <a:t>,</a:t>
+              <a:rPr lang="en-US" b="1" dirty="0" smtClean="0"/>
+              <a:t>Effort, Time,</a:t>
             </a:r>
             <a:br>
-              <a:rPr lang="sk-SK" b="1" dirty="0"/>
+              <a:rPr lang="en-US" b="1" dirty="0" smtClean="0"/>
             </a:br>
             <a:r>
-              <a:rPr lang="sk-SK" b="1" dirty="0" err="1"/>
+              <a:rPr lang="en-US" b="1" dirty="0" smtClean="0"/>
               <a:t>Reusability</a:t>
             </a:r>
-            <a:endParaRPr lang="sk-SK" b="1" dirty="0"/>
+            <a:endParaRPr lang="en-US" b="1" dirty="0"/>
           </a:p>
         </p:txBody>
       </p:sp>
@@ -6281,8 +11544,8 @@
         </p:nvSpPr>
         <p:spPr>
           <a:xfrm>
-            <a:off x="3379599" y="1135777"/>
-            <a:ext cx="1630190" cy="1200329"/>
+            <a:off x="2943640" y="1412776"/>
+            <a:ext cx="2484527" cy="923330"/>
           </a:xfrm>
           <a:prstGeom prst="rect">
             <a:avLst/>
@@ -6290,7 +11553,7 @@
           <a:noFill/>
         </p:spPr>
         <p:txBody>
-          <a:bodyPr wrap="none" rtlCol="0">
+          <a:bodyPr wrap="square" rtlCol="0">
             <a:spAutoFit/>
           </a:bodyPr>
           <a:lstStyle/>
@@ -6300,6 +11563,10 @@
               <a:rPr lang="sk-SK" b="1" dirty="0"/>
               <a:t>General and </a:t>
             </a:r>
+            <a:r>
+              <a:rPr lang="en-US" b="1" dirty="0"/>
+              <a:t/>
+            </a:r>
             <a:br>
               <a:rPr lang="en-US" b="1" dirty="0"/>
             </a:br>
@@ -6311,11 +11578,8 @@
               <a:rPr lang="en-US" b="1" dirty="0"/>
               <a:t>-optimized </a:t>
             </a:r>
-            <a:br>
-              <a:rPr lang="en-US" b="1" dirty="0"/>
-            </a:br>
-            <a:r>
-              <a:rPr lang="en-US" b="1" dirty="0"/>
+            <a:r>
+              <a:rPr lang="en-US" b="1" dirty="0" smtClean="0"/>
               <a:t>code</a:t>
             </a:r>
             <a:r>
@@ -6370,33 +11634,10 @@
           <a:lstStyle/>
           <a:p>
             <a:r>
-              <a:rPr lang="sk-SK" sz="2800" b="1" dirty="0" err="1"/>
-              <a:t>Clear</a:t>
-            </a:r>
-            <a:r>
-              <a:rPr lang="sk-SK" sz="2800" b="1" dirty="0"/>
-              <a:t> </a:t>
-            </a:r>
-            <a:r>
-              <a:rPr lang="sk-SK" sz="2800" b="1" dirty="0" err="1"/>
-              <a:t>winner</a:t>
-            </a:r>
-            <a:r>
-              <a:rPr lang="en-US" sz="2800" b="1" dirty="0"/>
-              <a:t> in </a:t>
-            </a:r>
-            <a:r>
-              <a:rPr lang="sk-SK" sz="2800" b="1" dirty="0"/>
-              <a:t>„big </a:t>
-            </a:r>
-            <a:r>
-              <a:rPr lang="sk-SK" sz="2800" b="1" dirty="0" err="1"/>
-              <a:t>world</a:t>
-            </a:r>
-            <a:r>
-              <a:rPr lang="sk-SK" sz="2800" b="1" dirty="0"/>
-              <a:t>“</a:t>
-            </a:r>
+              <a:rPr lang="en-US" sz="2800" b="1" dirty="0" smtClean="0"/>
+              <a:t>Clear winner in „big world“</a:t>
+            </a:r>
+            <a:endParaRPr lang="en-US" sz="2800" b="1" dirty="0"/>
           </a:p>
         </p:txBody>
       </p:sp>
@@ -6415,7 +11656,7 @@
           <p:nvPr>
             <p:extLst>
               <p:ext uri="{D42A27DB-BD31-4B8C-83A1-F6EECF244321}">
-                <p14:modId xmlns:p14="http://schemas.microsoft.com/office/powerpoint/2010/main" val="3396231116"/>
+                <p14:modId xmlns:p14="http://schemas.microsoft.com/office/powerpoint/2010/main" val="946146238"/>
               </p:ext>
             </p:extLst>
           </p:nvPr>
@@ -6451,18 +11692,12 @@
                     <a:lstStyle/>
                     <a:p>
                       <a:r>
-                        <a:rPr lang="sk-SK" sz="1800" dirty="0">
+                        <a:rPr lang="en-US" sz="1800" noProof="0" dirty="0" smtClean="0">
                           <a:effectLst/>
                         </a:rPr>
-                        <a:t>Flash </a:t>
+                        <a:t>Flash memory</a:t>
                       </a:r>
-                      <a:r>
-                        <a:rPr lang="sk-SK" sz="1800" dirty="0" err="1">
-                          <a:effectLst/>
-                        </a:rPr>
-                        <a:t>Memory</a:t>
-                      </a:r>
-                      <a:endParaRPr lang="sk-SK" sz="1800" dirty="0">
+                      <a:endParaRPr lang="en-US" sz="1800" noProof="0" dirty="0">
                         <a:effectLst/>
                       </a:endParaRPr>
                     </a:p>
@@ -6491,7 +11726,7 @@
                     <a:lstStyle/>
                     <a:p>
                       <a:r>
-                        <a:rPr lang="en-US" sz="1800" b="1" dirty="0">
+                        <a:rPr lang="en-US" sz="1800" b="1" noProof="0" dirty="0">
                           <a:solidFill>
                             <a:srgbClr val="FF0000"/>
                           </a:solidFill>
@@ -6500,7 +11735,7 @@
                         <a:t>32 KB </a:t>
                       </a:r>
                       <a:r>
-                        <a:rPr lang="en-US" sz="1800" dirty="0">
+                        <a:rPr lang="en-US" sz="1800" noProof="0" dirty="0">
                           <a:effectLst/>
                         </a:rPr>
                         <a:t>of which 2 KB used by bootloader</a:t>
@@ -6538,11 +11773,14 @@
                     <a:lstStyle/>
                     <a:p>
                       <a:r>
-                        <a:rPr lang="sk-SK" sz="1800" dirty="0">
+                        <a:rPr lang="en-US" sz="1800" noProof="0" dirty="0" smtClean="0">
                           <a:effectLst/>
                         </a:rPr>
                         <a:t>SRAM</a:t>
                       </a:r>
+                      <a:endParaRPr lang="en-US" sz="1800" noProof="0" dirty="0">
+                        <a:effectLst/>
+                      </a:endParaRPr>
                     </a:p>
                   </a:txBody>
                   <a:tcPr marL="64945" marR="64945" marT="32473" marB="32473" anchor="ctr">
@@ -6569,7 +11807,7 @@
                     <a:lstStyle/>
                     <a:p>
                       <a:r>
-                        <a:rPr lang="sk-SK" sz="1800" b="1" dirty="0">
+                        <a:rPr lang="en-US" sz="1800" b="1" noProof="0" dirty="0" smtClean="0">
                           <a:solidFill>
                             <a:srgbClr val="FF0000"/>
                           </a:solidFill>
@@ -6577,6 +11815,12 @@
                         </a:rPr>
                         <a:t>2 KB</a:t>
                       </a:r>
+                      <a:endParaRPr lang="en-US" sz="1800" b="1" noProof="0" dirty="0">
+                        <a:solidFill>
+                          <a:srgbClr val="FF0000"/>
+                        </a:solidFill>
+                        <a:effectLst/>
+                      </a:endParaRPr>
                     </a:p>
                   </a:txBody>
                   <a:tcPr marL="64945" marR="64945" marT="32473" marB="32473" anchor="ctr">
@@ -6610,24 +11854,12 @@
                     <a:lstStyle/>
                     <a:p>
                       <a:r>
-                        <a:rPr lang="sk-SK" sz="1800" dirty="0" err="1">
+                        <a:rPr lang="en-US" sz="1800" noProof="0" dirty="0" smtClean="0">
                           <a:effectLst/>
                         </a:rPr>
-                        <a:t>Clock</a:t>
+                        <a:t>Clock speed</a:t>
                       </a:r>
-                      <a:r>
-                        <a:rPr lang="sk-SK" sz="1800" dirty="0">
-                          <a:effectLst/>
-                        </a:rPr>
-                        <a:t> </a:t>
-                      </a:r>
-                      <a:r>
-                        <a:rPr lang="sk-SK" sz="1800" dirty="0" err="1">
-                          <a:effectLst/>
-                        </a:rPr>
-                        <a:t>Speed</a:t>
-                      </a:r>
-                      <a:endParaRPr lang="sk-SK" sz="1800" dirty="0">
+                      <a:endParaRPr lang="en-US" sz="1800" noProof="0" dirty="0">
                         <a:effectLst/>
                       </a:endParaRPr>
                     </a:p>
@@ -6656,7 +11888,7 @@
                     <a:lstStyle/>
                     <a:p>
                       <a:r>
-                        <a:rPr lang="sk-SK" sz="1800" b="1" dirty="0">
+                        <a:rPr lang="en-US" sz="1800" b="1" noProof="0" dirty="0" smtClean="0">
                           <a:solidFill>
                             <a:srgbClr val="FF0000"/>
                           </a:solidFill>
@@ -6664,6 +11896,12 @@
                         </a:rPr>
                         <a:t>16 MHz</a:t>
                       </a:r>
+                      <a:endParaRPr lang="en-US" sz="1800" b="1" noProof="0" dirty="0">
+                        <a:solidFill>
+                          <a:srgbClr val="FF0000"/>
+                        </a:solidFill>
+                        <a:effectLst/>
+                      </a:endParaRPr>
                     </a:p>
                   </a:txBody>
                   <a:tcPr marL="64945" marR="64945" marT="32473" marB="32473" anchor="ctr">
@@ -6983,6 +12221,13 @@
   <p:clrMapOvr>
     <a:masterClrMapping/>
   </p:clrMapOvr>
+  <p:timing>
+    <p:tnLst>
+      <p:par>
+        <p:cTn id="1" dur="indefinite" restart="never" nodeType="tmRoot"/>
+      </p:par>
+    </p:tnLst>
+  </p:timing>
 </p:sld>
 </file>
 
@@ -7027,10 +12272,10 @@
           <a:lstStyle/>
           <a:p>
             <a:r>
-              <a:rPr lang="en-US" dirty="0"/>
+              <a:rPr lang="en-US" noProof="0" dirty="0" smtClean="0"/>
               <a:t>No pins, no loops, no interrupts – only components</a:t>
             </a:r>
-            <a:endParaRPr lang="sk-SK" dirty="0"/>
+            <a:endParaRPr lang="en-US" noProof="0" dirty="0"/>
           </a:p>
         </p:txBody>
       </p:sp>
@@ -7521,6 +12766,13 @@
   <p:clrMapOvr>
     <a:masterClrMapping/>
   </p:clrMapOvr>
+  <p:timing>
+    <p:tnLst>
+      <p:par>
+        <p:cTn id="1" dur="indefinite" restart="never" nodeType="tmRoot"/>
+      </p:par>
+    </p:tnLst>
+  </p:timing>
 </p:sld>
 </file>
 
@@ -7565,10 +12817,10 @@
           <a:lstStyle/>
           <a:p>
             <a:r>
-              <a:rPr lang="en-US" dirty="0"/>
+              <a:rPr lang="en-US" noProof="0" dirty="0" smtClean="0"/>
               <a:t>ACP suite</a:t>
             </a:r>
-            <a:endParaRPr lang="sk-SK" dirty="0"/>
+            <a:endParaRPr lang="en-US" noProof="0" dirty="0"/>
           </a:p>
         </p:txBody>
       </p:sp>
@@ -7970,6 +13222,53 @@
           </a:p>
         </p:txBody>
       </p:sp>
+      <p:pic>
+        <p:nvPicPr>
+          <p:cNvPr id="4" name="Picture 4" descr="GPLv3 Logo.svg">
+            <a:extLst>
+              <a:ext uri="{FF2B5EF4-FFF2-40B4-BE49-F238E27FC236}">
+                <a16:creationId xmlns:a16="http://schemas.microsoft.com/office/drawing/2014/main" id="{C4FD9011-B337-4BA4-B039-1D8C75759664}"/>
+              </a:ext>
+            </a:extLst>
+          </p:cNvPr>
+          <p:cNvPicPr>
+            <a:picLocks noChangeAspect="1" noChangeArrowheads="1"/>
+          </p:cNvPicPr>
+          <p:nvPr/>
+        </p:nvPicPr>
+        <p:blipFill>
+          <a:blip r:embed="rId2" cstate="print">
+            <a:extLst>
+              <a:ext uri="{28A0092B-C50C-407E-A947-70E740481C1C}">
+                <a14:useLocalDpi xmlns:a14="http://schemas.microsoft.com/office/drawing/2010/main" val="0"/>
+              </a:ext>
+            </a:extLst>
+          </a:blip>
+          <a:srcRect/>
+          <a:stretch>
+            <a:fillRect/>
+          </a:stretch>
+        </p:blipFill>
+        <p:spPr bwMode="auto">
+          <a:xfrm>
+            <a:off x="9408368" y="4869160"/>
+            <a:ext cx="2276872" cy="1132111"/>
+          </a:xfrm>
+          <a:prstGeom prst="rect">
+            <a:avLst/>
+          </a:prstGeom>
+          <a:noFill/>
+          <a:extLst>
+            <a:ext uri="{909E8E84-426E-40DD-AFC4-6F175D3DCCD1}">
+              <a14:hiddenFill xmlns:a14="http://schemas.microsoft.com/office/drawing/2010/main">
+                <a:solidFill>
+                  <a:srgbClr val="FFFFFF"/>
+                </a:solidFill>
+              </a14:hiddenFill>
+            </a:ext>
+          </a:extLst>
+        </p:spPr>
+      </p:pic>
     </p:spTree>
     <p:extLst>
       <p:ext uri="{BB962C8B-B14F-4D97-AF65-F5344CB8AC3E}">
@@ -7980,6 +13279,13 @@
   <p:clrMapOvr>
     <a:masterClrMapping/>
   </p:clrMapOvr>
+  <p:timing>
+    <p:tnLst>
+      <p:par>
+        <p:cTn id="1" dur="indefinite" restart="never" nodeType="tmRoot"/>
+      </p:par>
+    </p:tnLst>
+  </p:timing>
 </p:sld>
 </file>
 
@@ -8002,103 +13308,208 @@
       </p:grpSpPr>
       <p:sp>
         <p:nvSpPr>
-          <p:cNvPr id="3" name="Zástupný objekt pre text 2">
-            <a:extLst>
-              <a:ext uri="{FF2B5EF4-FFF2-40B4-BE49-F238E27FC236}">
-                <a16:creationId xmlns:a16="http://schemas.microsoft.com/office/drawing/2014/main" id="{F96356BC-36F4-43C6-8B9A-BA630ABB3DF2}"/>
-              </a:ext>
-            </a:extLst>
-          </p:cNvPr>
+          <p:cNvPr id="2" name="Nadpis 1"/>
           <p:cNvSpPr>
             <a:spLocks noGrp="1"/>
           </p:cNvSpPr>
           <p:nvPr>
-            <p:ph type="body" sz="quarter" idx="14"/>
+            <p:ph type="title"/>
           </p:nvPr>
         </p:nvSpPr>
-        <p:spPr>
-          <a:xfrm>
-            <a:off x="695400" y="3854658"/>
-            <a:ext cx="10609592" cy="1728192"/>
-          </a:xfrm>
-        </p:spPr>
+        <p:spPr/>
         <p:txBody>
           <a:bodyPr>
-            <a:normAutofit/>
+            <a:normAutofit fontScale="90000"/>
           </a:bodyPr>
           <a:lstStyle/>
           <a:p>
-            <a:pPr marL="804672" lvl="1" indent="-457200">
-              <a:buFont typeface="Arial" panose="020B0604020202020204" pitchFamily="34" charset="0"/>
-              <a:buChar char="•"/>
-            </a:pPr>
-            <a:endParaRPr lang="sk-SK" sz="2800" b="1" dirty="0">
-              <a:solidFill>
-                <a:srgbClr val="FF0000"/>
-              </a:solidFill>
-            </a:endParaRPr>
-          </a:p>
-          <a:p>
-            <a:pPr lvl="1" algn="ctr"/>
-            <a:r>
-              <a:rPr lang="en-US" sz="5400" dirty="0">
-                <a:solidFill>
-                  <a:schemeClr val="tx1">
-                    <a:lumMod val="95000"/>
-                    <a:lumOff val="5000"/>
-                  </a:schemeClr>
-                </a:solidFill>
-              </a:rPr>
-              <a:t>Thank you for attention.</a:t>
-            </a:r>
-            <a:endParaRPr lang="sk-SK" sz="5400" dirty="0">
-              <a:solidFill>
-                <a:schemeClr val="tx1">
-                  <a:lumMod val="95000"/>
-                  <a:lumOff val="5000"/>
-                </a:schemeClr>
-              </a:solidFill>
-            </a:endParaRPr>
-          </a:p>
-          <a:p>
-            <a:pPr marL="804672" lvl="1" indent="-457200">
-              <a:buFont typeface="Arial" panose="020B0604020202020204" pitchFamily="34" charset="0"/>
-              <a:buChar char="•"/>
-            </a:pPr>
-            <a:endParaRPr lang="en-US" sz="2800" dirty="0"/>
-          </a:p>
-          <a:p>
-            <a:pPr marL="804672" lvl="1" indent="-457200">
-              <a:buFont typeface="Arial" panose="020B0604020202020204" pitchFamily="34" charset="0"/>
-              <a:buChar char="•"/>
-            </a:pPr>
-            <a:endParaRPr lang="sk-SK" sz="2800" dirty="0"/>
-          </a:p>
-          <a:p>
-            <a:pPr marL="457200" indent="-457200">
-              <a:buFont typeface="Arial" panose="020B0604020202020204" pitchFamily="34" charset="0"/>
-              <a:buChar char="•"/>
-            </a:pPr>
-            <a:endParaRPr lang="sk-SK" sz="2800" dirty="0"/>
+            <a:r>
+              <a:rPr lang="en-US" noProof="0" dirty="0" smtClean="0"/>
+              <a:t>ACP IDE (video)</a:t>
+            </a:r>
+            <a:endParaRPr lang="en-US" noProof="0" dirty="0"/>
           </a:p>
         </p:txBody>
       </p:sp>
       <p:pic>
         <p:nvPicPr>
-          <p:cNvPr id="4" name="Picture 2" descr="@acptools">
+          <p:cNvPr id="6" name="Obrázok 5"/>
+          <p:cNvPicPr>
+            <a:picLocks noChangeAspect="1"/>
+          </p:cNvPicPr>
+          <p:nvPr/>
+        </p:nvPicPr>
+        <p:blipFill>
+          <a:blip r:embed="rId2">
             <a:extLst>
-              <a:ext uri="{FF2B5EF4-FFF2-40B4-BE49-F238E27FC236}">
-                <a16:creationId xmlns:a16="http://schemas.microsoft.com/office/drawing/2014/main" id="{ABD35FBF-404B-4976-9982-BFFC4FF2457C}"/>
+              <a:ext uri="{28A0092B-C50C-407E-A947-70E740481C1C}">
+                <a14:useLocalDpi xmlns:a14="http://schemas.microsoft.com/office/drawing/2010/main" val="0"/>
               </a:ext>
             </a:extLst>
-          </p:cNvPr>
+          </a:blip>
+          <a:stretch>
+            <a:fillRect/>
+          </a:stretch>
+        </p:blipFill>
+        <p:spPr>
+          <a:xfrm>
+            <a:off x="1769996" y="980728"/>
+            <a:ext cx="8712968" cy="5318541"/>
+          </a:xfrm>
+          <a:prstGeom prst="rect">
+            <a:avLst/>
+          </a:prstGeom>
+        </p:spPr>
+      </p:pic>
+    </p:spTree>
+    <p:extLst>
+      <p:ext uri="{BB962C8B-B14F-4D97-AF65-F5344CB8AC3E}">
+        <p14:creationId xmlns:p14="http://schemas.microsoft.com/office/powerpoint/2010/main" val="993369195"/>
+      </p:ext>
+    </p:extLst>
+  </p:cSld>
+  <p:clrMapOvr>
+    <a:masterClrMapping/>
+  </p:clrMapOvr>
+  <p:timing>
+    <p:tnLst>
+      <p:par>
+        <p:cTn id="1" dur="indefinite" restart="never" nodeType="tmRoot"/>
+      </p:par>
+    </p:tnLst>
+  </p:timing>
+</p:sld>
+</file>
+
+<file path=ppt/slides/slide8.xml><?xml version="1.0" encoding="utf-8"?>
+<p:sld xmlns:a="http://schemas.openxmlformats.org/drawingml/2006/main" xmlns:r="http://schemas.openxmlformats.org/officeDocument/2006/relationships" xmlns:p="http://schemas.openxmlformats.org/presentationml/2006/main">
+  <p:cSld>
+    <p:spTree>
+      <p:nvGrpSpPr>
+        <p:cNvPr id="1" name=""/>
+        <p:cNvGrpSpPr/>
+        <p:nvPr/>
+      </p:nvGrpSpPr>
+      <p:grpSpPr>
+        <a:xfrm>
+          <a:off x="0" y="0"/>
+          <a:ext cx="0" cy="0"/>
+          <a:chOff x="0" y="0"/>
+          <a:chExt cx="0" cy="0"/>
+        </a:xfrm>
+      </p:grpSpPr>
+      <p:sp>
+        <p:nvSpPr>
+          <p:cNvPr id="2" name="Nadpis 1"/>
+          <p:cNvSpPr>
+            <a:spLocks noGrp="1"/>
+          </p:cNvSpPr>
+          <p:nvPr>
+            <p:ph type="title"/>
+          </p:nvPr>
+        </p:nvSpPr>
+        <p:spPr/>
+        <p:txBody>
+          <a:bodyPr>
+            <a:normAutofit fontScale="90000"/>
+          </a:bodyPr>
+          <a:lstStyle/>
+          <a:p>
+            <a:r>
+              <a:rPr lang="sk-SK" dirty="0" smtClean="0"/>
+              <a:t>Technologies</a:t>
+            </a:r>
+            <a:endParaRPr lang="sk-SK" dirty="0"/>
+          </a:p>
+        </p:txBody>
+      </p:sp>
+      <p:pic>
+        <p:nvPicPr>
+          <p:cNvPr id="3074" name="Picture 2" descr="https://www.pcrevue.sk/files/photo/2016-06/15636/84584b/java.jpg"/>
+          <p:cNvPicPr>
+            <a:picLocks noChangeAspect="1" noChangeArrowheads="1"/>
+          </p:cNvPicPr>
+          <p:nvPr/>
+        </p:nvPicPr>
+        <p:blipFill rotWithShape="1">
+          <a:blip r:embed="rId2" cstate="print">
+            <a:extLst>
+              <a:ext uri="{28A0092B-C50C-407E-A947-70E740481C1C}">
+                <a14:useLocalDpi xmlns:a14="http://schemas.microsoft.com/office/drawing/2010/main" val="0"/>
+              </a:ext>
+            </a:extLst>
+          </a:blip>
+          <a:srcRect l="27329" r="25983"/>
+          <a:stretch/>
+        </p:blipFill>
+        <p:spPr bwMode="auto">
+          <a:xfrm>
+            <a:off x="1667837" y="1301624"/>
+            <a:ext cx="1080121" cy="1388104"/>
+          </a:xfrm>
+          <a:prstGeom prst="rect">
+            <a:avLst/>
+          </a:prstGeom>
+          <a:noFill/>
+          <a:extLst>
+            <a:ext uri="{909E8E84-426E-40DD-AFC4-6F175D3DCCD1}">
+              <a14:hiddenFill xmlns:a14="http://schemas.microsoft.com/office/drawing/2010/main">
+                <a:solidFill>
+                  <a:srgbClr val="FFFFFF"/>
+                </a:solidFill>
+              </a14:hiddenFill>
+            </a:ext>
+          </a:extLst>
+        </p:spPr>
+      </p:pic>
+      <p:sp>
+        <p:nvSpPr>
+          <p:cNvPr id="6" name="BlokTextu 5"/>
+          <p:cNvSpPr txBox="1"/>
+          <p:nvPr/>
+        </p:nvSpPr>
+        <p:spPr>
+          <a:xfrm>
+            <a:off x="1532648" y="2689728"/>
+            <a:ext cx="1350498" cy="369332"/>
+          </a:xfrm>
+          <a:prstGeom prst="rect">
+            <a:avLst/>
+          </a:prstGeom>
+          <a:noFill/>
+        </p:spPr>
+        <p:txBody>
+          <a:bodyPr wrap="none" rtlCol="0">
+            <a:spAutoFit/>
+          </a:bodyPr>
+          <a:lstStyle/>
+          <a:p>
+            <a:r>
+              <a:rPr lang="sk-SK" dirty="0" smtClean="0">
+                <a:solidFill>
+                  <a:srgbClr val="0176B8"/>
+                </a:solidFill>
+              </a:rPr>
+              <a:t>+ Java Swing</a:t>
+            </a:r>
+            <a:endParaRPr lang="sk-SK" dirty="0">
+              <a:solidFill>
+                <a:srgbClr val="0176B8"/>
+              </a:solidFill>
+            </a:endParaRPr>
+          </a:p>
+        </p:txBody>
+      </p:sp>
+      <p:pic>
+        <p:nvPicPr>
+          <p:cNvPr id="3076" name="Picture 4" descr="http://www.tektutor.org/wp-content/uploads/2016/08/maven.png"/>
           <p:cNvPicPr>
             <a:picLocks noChangeAspect="1" noChangeArrowheads="1"/>
           </p:cNvPicPr>
           <p:nvPr/>
         </p:nvPicPr>
         <p:blipFill>
-          <a:blip r:embed="rId2">
+          <a:blip r:embed="rId3" cstate="print">
             <a:extLst>
               <a:ext uri="{28A0092B-C50C-407E-A947-70E740481C1C}">
                 <a14:useLocalDpi xmlns:a14="http://schemas.microsoft.com/office/drawing/2010/main" val="0"/>
@@ -8112,8 +13523,8 @@
         </p:blipFill>
         <p:spPr bwMode="auto">
           <a:xfrm>
-            <a:off x="2423592" y="1794987"/>
-            <a:ext cx="1339492" cy="1339492"/>
+            <a:off x="3605155" y="1988454"/>
+            <a:ext cx="1455047" cy="504416"/>
           </a:xfrm>
           <a:prstGeom prst="rect">
             <a:avLst/>
@@ -8130,22 +13541,57 @@
           </a:extLst>
         </p:spPr>
       </p:pic>
+      <p:pic>
+        <p:nvPicPr>
+          <p:cNvPr id="3078" name="Picture 6" descr="http://bobbylight.github.io/RSyntaxTextArea/images/rsta2.png"/>
+          <p:cNvPicPr>
+            <a:picLocks noChangeAspect="1" noChangeArrowheads="1"/>
+          </p:cNvPicPr>
+          <p:nvPr/>
+        </p:nvPicPr>
+        <p:blipFill>
+          <a:blip r:embed="rId4" cstate="print">
+            <a:extLst>
+              <a:ext uri="{28A0092B-C50C-407E-A947-70E740481C1C}">
+                <a14:useLocalDpi xmlns:a14="http://schemas.microsoft.com/office/drawing/2010/main" val="0"/>
+              </a:ext>
+            </a:extLst>
+          </a:blip>
+          <a:srcRect/>
+          <a:stretch>
+            <a:fillRect/>
+          </a:stretch>
+        </p:blipFill>
+        <p:spPr bwMode="auto">
+          <a:xfrm>
+            <a:off x="5921525" y="1436282"/>
+            <a:ext cx="1917540" cy="1622778"/>
+          </a:xfrm>
+          <a:prstGeom prst="rect">
+            <a:avLst/>
+          </a:prstGeom>
+          <a:noFill/>
+          <a:extLst>
+            <a:ext uri="{909E8E84-426E-40DD-AFC4-6F175D3DCCD1}">
+              <a14:hiddenFill xmlns:a14="http://schemas.microsoft.com/office/drawing/2010/main">
+                <a:solidFill>
+                  <a:srgbClr val="FFFFFF"/>
+                </a:solidFill>
+              </a14:hiddenFill>
+            </a:ext>
+          </a:extLst>
+        </p:spPr>
+      </p:pic>
       <p:sp>
         <p:nvSpPr>
-          <p:cNvPr id="2" name="BlokTextu 1">
-            <a:extLst>
-              <a:ext uri="{FF2B5EF4-FFF2-40B4-BE49-F238E27FC236}">
-                <a16:creationId xmlns:a16="http://schemas.microsoft.com/office/drawing/2014/main" id="{5E9159B6-6722-4DE4-AC34-A2367D0E27E7}"/>
-              </a:ext>
-            </a:extLst>
-          </p:cNvPr>
+          <p:cNvPr id="8" name="BlokTextu 7"/>
           <p:cNvSpPr txBox="1"/>
           <p:nvPr/>
         </p:nvSpPr>
         <p:spPr>
           <a:xfrm>
-            <a:off x="4007768" y="1926124"/>
-            <a:ext cx="5711179" cy="1077218"/>
+            <a:off x="6042578" y="2555003"/>
+            <a:ext cx="1732462" cy="369332"/>
           </a:xfrm>
           <a:prstGeom prst="rect">
             <a:avLst/>
@@ -8159,29 +13605,472 @@
           <a:lstStyle/>
           <a:p>
             <a:r>
-              <a:rPr lang="en-US" sz="3200" b="1" dirty="0"/>
-              <a:t>ACP: </a:t>
-            </a:r>
-          </a:p>
-          <a:p>
-            <a:r>
-              <a:rPr lang="en-US" sz="3200" b="1" dirty="0"/>
-              <a:t>new way of Arduino prototyping</a:t>
-            </a:r>
-            <a:endParaRPr lang="sk-SK" sz="3200" b="1" dirty="0"/>
+              <a:rPr lang="sk-SK" dirty="0" err="1" smtClean="0"/>
+              <a:t>RSyntaxTextArea</a:t>
+            </a:r>
+            <a:endParaRPr lang="sk-SK" dirty="0"/>
+          </a:p>
+        </p:txBody>
+      </p:sp>
+      <p:pic>
+        <p:nvPicPr>
+          <p:cNvPr id="3080" name="Picture 8" descr="https://images.g2crowd.com/uploads/product/image/large_detail/large_detail_1489713252/arduino-ide.png"/>
+          <p:cNvPicPr>
+            <a:picLocks noChangeAspect="1" noChangeArrowheads="1"/>
+          </p:cNvPicPr>
+          <p:nvPr/>
+        </p:nvPicPr>
+        <p:blipFill>
+          <a:blip r:embed="rId5">
+            <a:extLst>
+              <a:ext uri="{28A0092B-C50C-407E-A947-70E740481C1C}">
+                <a14:useLocalDpi xmlns:a14="http://schemas.microsoft.com/office/drawing/2010/main" val="0"/>
+              </a:ext>
+            </a:extLst>
+          </a:blip>
+          <a:srcRect/>
+          <a:stretch>
+            <a:fillRect/>
+          </a:stretch>
+        </p:blipFill>
+        <p:spPr bwMode="auto">
+          <a:xfrm>
+            <a:off x="9019176" y="1460782"/>
+            <a:ext cx="1294155" cy="1228946"/>
+          </a:xfrm>
+          <a:prstGeom prst="rect">
+            <a:avLst/>
+          </a:prstGeom>
+          <a:noFill/>
+          <a:extLst>
+            <a:ext uri="{909E8E84-426E-40DD-AFC4-6F175D3DCCD1}">
+              <a14:hiddenFill xmlns:a14="http://schemas.microsoft.com/office/drawing/2010/main">
+                <a:solidFill>
+                  <a:srgbClr val="FFFFFF"/>
+                </a:solidFill>
+              </a14:hiddenFill>
+            </a:ext>
+          </a:extLst>
+        </p:spPr>
+      </p:pic>
+      <p:sp>
+        <p:nvSpPr>
+          <p:cNvPr id="13" name="BlokTextu 12"/>
+          <p:cNvSpPr txBox="1"/>
+          <p:nvPr/>
+        </p:nvSpPr>
+        <p:spPr>
+          <a:xfrm>
+            <a:off x="8859782" y="2788272"/>
+            <a:ext cx="1612942" cy="369332"/>
+          </a:xfrm>
+          <a:prstGeom prst="rect">
+            <a:avLst/>
+          </a:prstGeom>
+          <a:noFill/>
+        </p:spPr>
+        <p:txBody>
+          <a:bodyPr wrap="none" rtlCol="0">
+            <a:spAutoFit/>
+          </a:bodyPr>
+          <a:lstStyle/>
+          <a:p>
+            <a:r>
+              <a:rPr lang="sk-SK" dirty="0" smtClean="0"/>
+              <a:t>IDE &amp; </a:t>
+            </a:r>
+            <a:r>
+              <a:rPr lang="sk-SK" dirty="0" err="1" smtClean="0"/>
+              <a:t>Compiler</a:t>
+            </a:r>
+            <a:endParaRPr lang="sk-SK" dirty="0"/>
+          </a:p>
+        </p:txBody>
+      </p:sp>
+      <p:pic>
+        <p:nvPicPr>
+          <p:cNvPr id="9" name="Obrázok 8"/>
+          <p:cNvPicPr>
+            <a:picLocks noChangeAspect="1"/>
+          </p:cNvPicPr>
+          <p:nvPr/>
+        </p:nvPicPr>
+        <p:blipFill>
+          <a:blip r:embed="rId6" cstate="print">
+            <a:extLst>
+              <a:ext uri="{28A0092B-C50C-407E-A947-70E740481C1C}">
+                <a14:useLocalDpi xmlns:a14="http://schemas.microsoft.com/office/drawing/2010/main" val="0"/>
+              </a:ext>
+            </a:extLst>
+          </a:blip>
+          <a:stretch>
+            <a:fillRect/>
+          </a:stretch>
+        </p:blipFill>
+        <p:spPr>
+          <a:xfrm>
+            <a:off x="1714424" y="3741146"/>
+            <a:ext cx="1835498" cy="1512672"/>
+          </a:xfrm>
+          <a:prstGeom prst="rect">
+            <a:avLst/>
+          </a:prstGeom>
+        </p:spPr>
+      </p:pic>
+      <p:sp>
+        <p:nvSpPr>
+          <p:cNvPr id="15" name="BlokTextu 14"/>
+          <p:cNvSpPr txBox="1"/>
+          <p:nvPr/>
+        </p:nvSpPr>
+        <p:spPr>
+          <a:xfrm>
+            <a:off x="1966311" y="5397098"/>
+            <a:ext cx="1669111" cy="369332"/>
+          </a:xfrm>
+          <a:prstGeom prst="rect">
+            <a:avLst/>
+          </a:prstGeom>
+          <a:noFill/>
+        </p:spPr>
+        <p:txBody>
+          <a:bodyPr wrap="none" rtlCol="0">
+            <a:spAutoFit/>
+          </a:bodyPr>
+          <a:lstStyle/>
+          <a:p>
+            <a:r>
+              <a:rPr lang="sk-SK" dirty="0" err="1" smtClean="0"/>
+              <a:t>DockingFrames</a:t>
+            </a:r>
+            <a:endParaRPr lang="sk-SK" dirty="0"/>
+          </a:p>
+        </p:txBody>
+      </p:sp>
+      <p:pic>
+        <p:nvPicPr>
+          <p:cNvPr id="3082" name="Picture 10" descr="http://www2.cs.tum.edu/projects/cup/cup_logo.gif"/>
+          <p:cNvPicPr>
+            <a:picLocks noChangeAspect="1" noChangeArrowheads="1"/>
+          </p:cNvPicPr>
+          <p:nvPr/>
+        </p:nvPicPr>
+        <p:blipFill>
+          <a:blip r:embed="rId7">
+            <a:extLst>
+              <a:ext uri="{28A0092B-C50C-407E-A947-70E740481C1C}">
+                <a14:useLocalDpi xmlns:a14="http://schemas.microsoft.com/office/drawing/2010/main" val="0"/>
+              </a:ext>
+            </a:extLst>
+          </a:blip>
+          <a:srcRect/>
+          <a:stretch>
+            <a:fillRect/>
+          </a:stretch>
+        </p:blipFill>
+        <p:spPr bwMode="auto">
+          <a:xfrm>
+            <a:off x="4980103" y="4392708"/>
+            <a:ext cx="2292753" cy="764252"/>
+          </a:xfrm>
+          <a:prstGeom prst="rect">
+            <a:avLst/>
+          </a:prstGeom>
+          <a:noFill/>
+          <a:extLst>
+            <a:ext uri="{909E8E84-426E-40DD-AFC4-6F175D3DCCD1}">
+              <a14:hiddenFill xmlns:a14="http://schemas.microsoft.com/office/drawing/2010/main">
+                <a:solidFill>
+                  <a:srgbClr val="FFFFFF"/>
+                </a:solidFill>
+              </a14:hiddenFill>
+            </a:ext>
+          </a:extLst>
+        </p:spPr>
+      </p:pic>
+      <p:sp>
+        <p:nvSpPr>
+          <p:cNvPr id="10" name="Obdĺžnik 9"/>
+          <p:cNvSpPr/>
+          <p:nvPr/>
+        </p:nvSpPr>
+        <p:spPr>
+          <a:xfrm>
+            <a:off x="8904312" y="4333023"/>
+            <a:ext cx="1728192" cy="1084283"/>
+          </a:xfrm>
+          <a:prstGeom prst="rect">
+            <a:avLst/>
+          </a:prstGeom>
+          <a:solidFill>
+            <a:srgbClr val="0176B8"/>
+          </a:solidFill>
+          <a:ln w="6350">
+            <a:noFill/>
+          </a:ln>
+        </p:spPr>
+        <p:style>
+          <a:lnRef idx="2">
+            <a:schemeClr val="accent1">
+              <a:shade val="50000"/>
+            </a:schemeClr>
+          </a:lnRef>
+          <a:fillRef idx="1">
+            <a:schemeClr val="accent1"/>
+          </a:fillRef>
+          <a:effectRef idx="0">
+            <a:schemeClr val="accent1"/>
+          </a:effectRef>
+          <a:fontRef idx="minor">
+            <a:schemeClr val="lt1"/>
+          </a:fontRef>
+        </p:style>
+        <p:txBody>
+          <a:bodyPr rtlCol="0" anchor="ctr"/>
+          <a:lstStyle/>
+          <a:p>
+            <a:pPr algn="ctr"/>
+            <a:endParaRPr lang="sk-SK"/>
+          </a:p>
+        </p:txBody>
+      </p:sp>
+      <p:sp>
+        <p:nvSpPr>
+          <p:cNvPr id="11" name="BlokTextu 10"/>
+          <p:cNvSpPr txBox="1"/>
+          <p:nvPr/>
+        </p:nvSpPr>
+        <p:spPr>
+          <a:xfrm>
+            <a:off x="9019176" y="4333023"/>
+            <a:ext cx="1072153" cy="646331"/>
+          </a:xfrm>
+          <a:prstGeom prst="rect">
+            <a:avLst/>
+          </a:prstGeom>
+          <a:noFill/>
+        </p:spPr>
+        <p:txBody>
+          <a:bodyPr wrap="none" rtlCol="0">
+            <a:spAutoFit/>
+          </a:bodyPr>
+          <a:lstStyle/>
+          <a:p>
+            <a:r>
+              <a:rPr lang="sk-SK" sz="3600" dirty="0" err="1" smtClean="0">
+                <a:solidFill>
+                  <a:schemeClr val="bg1"/>
+                </a:solidFill>
+              </a:rPr>
+              <a:t>JFlex</a:t>
+            </a:r>
+            <a:endParaRPr lang="sk-SK" sz="3600" dirty="0">
+              <a:solidFill>
+                <a:schemeClr val="bg1"/>
+              </a:solidFill>
+            </a:endParaRPr>
           </a:p>
         </p:txBody>
       </p:sp>
     </p:spTree>
     <p:extLst>
       <p:ext uri="{BB962C8B-B14F-4D97-AF65-F5344CB8AC3E}">
-        <p14:creationId xmlns:p14="http://schemas.microsoft.com/office/powerpoint/2010/main" val="2723843419"/>
+        <p14:creationId xmlns:p14="http://schemas.microsoft.com/office/powerpoint/2010/main" val="1723814166"/>
       </p:ext>
     </p:extLst>
   </p:cSld>
   <p:clrMapOvr>
     <a:masterClrMapping/>
   </p:clrMapOvr>
+  <p:timing>
+    <p:tnLst>
+      <p:par>
+        <p:cTn id="1" dur="indefinite" restart="never" nodeType="tmRoot"/>
+      </p:par>
+    </p:tnLst>
+  </p:timing>
+</p:sld>
+</file>
+
+<file path=ppt/slides/slide9.xml><?xml version="1.0" encoding="utf-8"?>
+<p:sld xmlns:a="http://schemas.openxmlformats.org/drawingml/2006/main" xmlns:r="http://schemas.openxmlformats.org/officeDocument/2006/relationships" xmlns:p="http://schemas.openxmlformats.org/presentationml/2006/main">
+  <p:cSld>
+    <p:spTree>
+      <p:nvGrpSpPr>
+        <p:cNvPr id="1" name=""/>
+        <p:cNvGrpSpPr/>
+        <p:nvPr/>
+      </p:nvGrpSpPr>
+      <p:grpSpPr>
+        <a:xfrm>
+          <a:off x="0" y="0"/>
+          <a:ext cx="0" cy="0"/>
+          <a:chOff x="0" y="0"/>
+          <a:chExt cx="0" cy="0"/>
+        </a:xfrm>
+      </p:grpSpPr>
+      <p:sp>
+        <p:nvSpPr>
+          <p:cNvPr id="2" name="Nadpis 1"/>
+          <p:cNvSpPr>
+            <a:spLocks noGrp="1"/>
+          </p:cNvSpPr>
+          <p:nvPr>
+            <p:ph type="title"/>
+          </p:nvPr>
+        </p:nvSpPr>
+        <p:spPr/>
+        <p:txBody>
+          <a:bodyPr>
+            <a:normAutofit fontScale="90000"/>
+          </a:bodyPr>
+          <a:lstStyle/>
+          <a:p>
+            <a:r>
+              <a:rPr lang="en-US" noProof="0" dirty="0" smtClean="0"/>
+              <a:t>Abstract syntax tree</a:t>
+            </a:r>
+            <a:endParaRPr lang="en-US" noProof="0" dirty="0"/>
+          </a:p>
+        </p:txBody>
+      </p:sp>
+      <p:pic>
+        <p:nvPicPr>
+          <p:cNvPr id="6" name="Obrázok 5"/>
+          <p:cNvPicPr>
+            <a:picLocks noChangeAspect="1"/>
+          </p:cNvPicPr>
+          <p:nvPr/>
+        </p:nvPicPr>
+        <p:blipFill>
+          <a:blip r:embed="rId2">
+            <a:extLst>
+              <a:ext uri="{28A0092B-C50C-407E-A947-70E740481C1C}">
+                <a14:useLocalDpi xmlns:a14="http://schemas.microsoft.com/office/drawing/2010/main" val="0"/>
+              </a:ext>
+            </a:extLst>
+          </a:blip>
+          <a:stretch>
+            <a:fillRect/>
+          </a:stretch>
+        </p:blipFill>
+        <p:spPr>
+          <a:xfrm>
+            <a:off x="1769996" y="980728"/>
+            <a:ext cx="8712968" cy="5318541"/>
+          </a:xfrm>
+          <a:prstGeom prst="rect">
+            <a:avLst/>
+          </a:prstGeom>
+        </p:spPr>
+      </p:pic>
+      <p:sp>
+        <p:nvSpPr>
+          <p:cNvPr id="7" name="Obdĺžnik 6"/>
+          <p:cNvSpPr/>
+          <p:nvPr/>
+        </p:nvSpPr>
+        <p:spPr>
+          <a:xfrm>
+            <a:off x="6096000" y="1556792"/>
+            <a:ext cx="2664296" cy="3744416"/>
+          </a:xfrm>
+          <a:prstGeom prst="rect">
+            <a:avLst/>
+          </a:prstGeom>
+          <a:solidFill>
+            <a:srgbClr val="4472C4">
+              <a:alpha val="20000"/>
+            </a:srgbClr>
+          </a:solidFill>
+        </p:spPr>
+        <p:style>
+          <a:lnRef idx="2">
+            <a:schemeClr val="accent1">
+              <a:shade val="50000"/>
+            </a:schemeClr>
+          </a:lnRef>
+          <a:fillRef idx="1">
+            <a:schemeClr val="accent1"/>
+          </a:fillRef>
+          <a:effectRef idx="0">
+            <a:schemeClr val="accent1"/>
+          </a:effectRef>
+          <a:fontRef idx="minor">
+            <a:schemeClr val="lt1"/>
+          </a:fontRef>
+        </p:style>
+        <p:txBody>
+          <a:bodyPr rtlCol="0" anchor="ctr"/>
+          <a:lstStyle/>
+          <a:p>
+            <a:pPr algn="ctr"/>
+            <a:endParaRPr lang="sk-SK"/>
+          </a:p>
+        </p:txBody>
+      </p:sp>
+      <p:sp>
+        <p:nvSpPr>
+          <p:cNvPr id="5" name="Obdĺžnik 4"/>
+          <p:cNvSpPr/>
+          <p:nvPr/>
+        </p:nvSpPr>
+        <p:spPr>
+          <a:xfrm flipH="1">
+            <a:off x="9552384" y="4005064"/>
+            <a:ext cx="930580" cy="1008112"/>
+          </a:xfrm>
+          <a:prstGeom prst="rect">
+            <a:avLst/>
+          </a:prstGeom>
+          <a:solidFill>
+            <a:srgbClr val="4472C4">
+              <a:alpha val="20000"/>
+            </a:srgbClr>
+          </a:solidFill>
+        </p:spPr>
+        <p:style>
+          <a:lnRef idx="2">
+            <a:schemeClr val="accent1">
+              <a:shade val="50000"/>
+            </a:schemeClr>
+          </a:lnRef>
+          <a:fillRef idx="1">
+            <a:schemeClr val="accent1"/>
+          </a:fillRef>
+          <a:effectRef idx="0">
+            <a:schemeClr val="accent1"/>
+          </a:effectRef>
+          <a:fontRef idx="minor">
+            <a:schemeClr val="lt1"/>
+          </a:fontRef>
+        </p:style>
+        <p:txBody>
+          <a:bodyPr rtlCol="0" anchor="ctr"/>
+          <a:lstStyle/>
+          <a:p>
+            <a:pPr algn="ctr"/>
+            <a:endParaRPr lang="sk-SK"/>
+          </a:p>
+        </p:txBody>
+      </p:sp>
+    </p:spTree>
+    <p:extLst>
+      <p:ext uri="{BB962C8B-B14F-4D97-AF65-F5344CB8AC3E}">
+        <p14:creationId xmlns:p14="http://schemas.microsoft.com/office/powerpoint/2010/main" val="3226646391"/>
+      </p:ext>
+    </p:extLst>
+  </p:cSld>
+  <p:clrMapOvr>
+    <a:masterClrMapping/>
+  </p:clrMapOvr>
+  <p:timing>
+    <p:tnLst>
+      <p:par>
+        <p:cTn id="1" dur="indefinite" restart="never" nodeType="tmRoot"/>
+      </p:par>
+    </p:tnLst>
+  </p:timing>
 </p:sld>
 </file>
 
@@ -8761,153 +14650,6 @@
 </file>
 
 <file path=customXml/item1.xml><?xml version="1.0" encoding="utf-8"?>
-<p:properties xmlns:p="http://schemas.microsoft.com/office/2006/metadata/properties" xmlns:xsi="http://www.w3.org/2001/XMLSchema-instance" xmlns:pc="http://schemas.microsoft.com/office/infopath/2007/PartnerControls">
-  <documentManagement>
-    <MarketSpecific xmlns="4873beb7-5857-4685-be1f-d57550cc96cc" xsi:nil="true"/>
-    <ApprovalStatus xmlns="4873beb7-5857-4685-be1f-d57550cc96cc">InProgress</ApprovalStatus>
-    <DirectSourceMarket xmlns="4873beb7-5857-4685-be1f-d57550cc96cc" xsi:nil="true"/>
-    <PrimaryImageGen xmlns="4873beb7-5857-4685-be1f-d57550cc96cc">true</PrimaryImageGen>
-    <ThumbnailAssetId xmlns="4873beb7-5857-4685-be1f-d57550cc96cc" xsi:nil="true"/>
-    <NumericId xmlns="4873beb7-5857-4685-be1f-d57550cc96cc">-1</NumericId>
-    <TPFriendlyName xmlns="4873beb7-5857-4685-be1f-d57550cc96cc">Staff training presentation</TPFriendlyName>
-    <BusinessGroup xmlns="4873beb7-5857-4685-be1f-d57550cc96cc" xsi:nil="true"/>
-    <APEditor xmlns="4873beb7-5857-4685-be1f-d57550cc96cc">
-      <UserInfo>
-        <DisplayName>REDMOND\v-luannv</DisplayName>
-        <AccountId>92</AccountId>
-        <AccountType/>
-      </UserInfo>
-    </APEditor>
-    <SourceTitle xmlns="4873beb7-5857-4685-be1f-d57550cc96cc">Staff training presentation</SourceTitle>
-    <OpenTemplate xmlns="4873beb7-5857-4685-be1f-d57550cc96cc">true</OpenTemplate>
-    <UALocComments xmlns="4873beb7-5857-4685-be1f-d57550cc96cc" xsi:nil="true"/>
-    <ParentAssetId xmlns="4873beb7-5857-4685-be1f-d57550cc96cc" xsi:nil="true"/>
-    <IntlLangReviewDate xmlns="4873beb7-5857-4685-be1f-d57550cc96cc" xsi:nil="true"/>
-    <PublishStatusLookup xmlns="4873beb7-5857-4685-be1f-d57550cc96cc">
-      <Value>264800</Value>
-      <Value>1317039</Value>
-    </PublishStatusLookup>
-    <MachineTranslated xmlns="4873beb7-5857-4685-be1f-d57550cc96cc">false</MachineTranslated>
-    <OriginalSourceMarket xmlns="4873beb7-5857-4685-be1f-d57550cc96cc" xsi:nil="true"/>
-    <TPInstallLocation xmlns="4873beb7-5857-4685-be1f-d57550cc96cc">{My Templates}</TPInstallLocation>
-    <APDescription xmlns="4873beb7-5857-4685-be1f-d57550cc96cc" xsi:nil="true"/>
-    <ContentItem xmlns="4873beb7-5857-4685-be1f-d57550cc96cc" xsi:nil="true"/>
-    <ClipArtFilename xmlns="4873beb7-5857-4685-be1f-d57550cc96cc" xsi:nil="true"/>
-    <APAuthor xmlns="4873beb7-5857-4685-be1f-d57550cc96cc">
-      <UserInfo>
-        <DisplayName>REDMOND\cynvey</DisplayName>
-        <AccountId>191</AccountId>
-        <AccountType/>
-      </UserInfo>
-    </APAuthor>
-    <TPAppVersion xmlns="4873beb7-5857-4685-be1f-d57550cc96cc">11</TPAppVersion>
-    <TPCommandLine xmlns="4873beb7-5857-4685-be1f-d57550cc96cc">{PP} /n {FilePath}</TPCommandLine>
-    <PublishTargets xmlns="4873beb7-5857-4685-be1f-d57550cc96cc">OfficeOnline</PublishTargets>
-    <TPLaunchHelpLinkType xmlns="4873beb7-5857-4685-be1f-d57550cc96cc">Template</TPLaunchHelpLinkType>
-    <TimesCloned xmlns="4873beb7-5857-4685-be1f-d57550cc96cc" xsi:nil="true"/>
-    <EditorialStatus xmlns="4873beb7-5857-4685-be1f-d57550cc96cc" xsi:nil="true"/>
-    <LastModifiedDateTime xmlns="4873beb7-5857-4685-be1f-d57550cc96cc" xsi:nil="true"/>
-    <Provider xmlns="4873beb7-5857-4685-be1f-d57550cc96cc">EY006220130</Provider>
-    <AcquiredFrom xmlns="4873beb7-5857-4685-be1f-d57550cc96cc" xsi:nil="true"/>
-    <AssetStart xmlns="4873beb7-5857-4685-be1f-d57550cc96cc">2009-05-30T20:43:57+00:00</AssetStart>
-    <LastHandOff xmlns="4873beb7-5857-4685-be1f-d57550cc96cc" xsi:nil="true"/>
-    <ArtSampleDocs xmlns="4873beb7-5857-4685-be1f-d57550cc96cc" xsi:nil="true"/>
-    <TPClientViewer xmlns="4873beb7-5857-4685-be1f-d57550cc96cc">Microsoft Office PowerPoint</TPClientViewer>
-    <UACurrentWords xmlns="4873beb7-5857-4685-be1f-d57550cc96cc">0</UACurrentWords>
-    <UALocRecommendation xmlns="4873beb7-5857-4685-be1f-d57550cc96cc">Localize</UALocRecommendation>
-    <IsDeleted xmlns="4873beb7-5857-4685-be1f-d57550cc96cc">false</IsDeleted>
-    <UANotes xmlns="4873beb7-5857-4685-be1f-d57550cc96cc">online onlyFedEx</UANotes>
-    <TemplateStatus xmlns="4873beb7-5857-4685-be1f-d57550cc96cc">Complete</TemplateStatus>
-    <ShowIn xmlns="4873beb7-5857-4685-be1f-d57550cc96cc" xsi:nil="true"/>
-    <CSXHash xmlns="4873beb7-5857-4685-be1f-d57550cc96cc" xsi:nil="true"/>
-    <VoteCount xmlns="4873beb7-5857-4685-be1f-d57550cc96cc" xsi:nil="true"/>
-    <AssetExpire xmlns="4873beb7-5857-4685-be1f-d57550cc96cc">2100-01-01T00:00:00+00:00</AssetExpire>
-    <CSXSubmissionMarket xmlns="4873beb7-5857-4685-be1f-d57550cc96cc" xsi:nil="true"/>
-    <DSATActionTaken xmlns="4873beb7-5857-4685-be1f-d57550cc96cc" xsi:nil="true"/>
-    <TPExecutable xmlns="4873beb7-5857-4685-be1f-d57550cc96cc" xsi:nil="true"/>
-    <SubmitterId xmlns="4873beb7-5857-4685-be1f-d57550cc96cc" xsi:nil="true"/>
-    <AssetType xmlns="4873beb7-5857-4685-be1f-d57550cc96cc">TP</AssetType>
-    <CSXSubmissionDate xmlns="4873beb7-5857-4685-be1f-d57550cc96cc" xsi:nil="true"/>
-    <CSXUpdate xmlns="4873beb7-5857-4685-be1f-d57550cc96cc">false</CSXUpdate>
-    <ApprovalLog xmlns="4873beb7-5857-4685-be1f-d57550cc96cc" xsi:nil="true"/>
-    <BugNumber xmlns="4873beb7-5857-4685-be1f-d57550cc96cc" xsi:nil="true"/>
-    <Milestone xmlns="4873beb7-5857-4685-be1f-d57550cc96cc" xsi:nil="true"/>
-    <OriginAsset xmlns="4873beb7-5857-4685-be1f-d57550cc96cc" xsi:nil="true"/>
-    <TPComponent xmlns="4873beb7-5857-4685-be1f-d57550cc96cc">PPTFiles</TPComponent>
-    <AssetId xmlns="4873beb7-5857-4685-be1f-d57550cc96cc">TP010167128</AssetId>
-    <TPApplication xmlns="4873beb7-5857-4685-be1f-d57550cc96cc">PowerPoint</TPApplication>
-    <TPLaunchHelpLink xmlns="4873beb7-5857-4685-be1f-d57550cc96cc" xsi:nil="true"/>
-    <IntlLocPriority xmlns="4873beb7-5857-4685-be1f-d57550cc96cc" xsi:nil="true"/>
-    <CrawlForDependencies xmlns="4873beb7-5857-4685-be1f-d57550cc96cc">false</CrawlForDependencies>
-    <IntlLangReviewer xmlns="4873beb7-5857-4685-be1f-d57550cc96cc" xsi:nil="true"/>
-    <HandoffToMSDN xmlns="4873beb7-5857-4685-be1f-d57550cc96cc" xsi:nil="true"/>
-    <PlannedPubDate xmlns="4873beb7-5857-4685-be1f-d57550cc96cc" xsi:nil="true"/>
-    <TrustLevel xmlns="4873beb7-5857-4685-be1f-d57550cc96cc">1 Microsoft Managed Content</TrustLevel>
-    <IsSearchable xmlns="4873beb7-5857-4685-be1f-d57550cc96cc">false</IsSearchable>
-    <TPNamespace xmlns="4873beb7-5857-4685-be1f-d57550cc96cc">POWERPNT</TPNamespace>
-    <Markets xmlns="4873beb7-5857-4685-be1f-d57550cc96cc"/>
-    <IntlLangReview xmlns="4873beb7-5857-4685-be1f-d57550cc96cc" xsi:nil="true"/>
-    <UAProjectedTotalWords xmlns="4873beb7-5857-4685-be1f-d57550cc96cc" xsi:nil="true"/>
-    <OutputCachingOn xmlns="4873beb7-5857-4685-be1f-d57550cc96cc">false</OutputCachingOn>
-    <AverageRating xmlns="4873beb7-5857-4685-be1f-d57550cc96cc" xsi:nil="true"/>
-    <LastPublishResultLookup xmlns="4873beb7-5857-4685-be1f-d57550cc96cc" xsi:nil="true"/>
-    <PolicheckWords xmlns="4873beb7-5857-4685-be1f-d57550cc96cc" xsi:nil="true"/>
-    <FriendlyTitle xmlns="4873beb7-5857-4685-be1f-d57550cc96cc" xsi:nil="true"/>
-    <Manager xmlns="4873beb7-5857-4685-be1f-d57550cc96cc" xsi:nil="true"/>
-    <EditorialTags xmlns="4873beb7-5857-4685-be1f-d57550cc96cc" xsi:nil="true"/>
-    <LegacyData xmlns="4873beb7-5857-4685-be1f-d57550cc96cc" xsi:nil="true"/>
-    <Downloads xmlns="4873beb7-5857-4685-be1f-d57550cc96cc">0</Downloads>
-    <Providers xmlns="4873beb7-5857-4685-be1f-d57550cc96cc" xsi:nil="true"/>
-    <TemplateTemplateType xmlns="4873beb7-5857-4685-be1f-d57550cc96cc">PowerPoint 2003 Default</TemplateTemplateType>
-    <OOCacheId xmlns="4873beb7-5857-4685-be1f-d57550cc96cc" xsi:nil="true"/>
-    <BlockPublish xmlns="4873beb7-5857-4685-be1f-d57550cc96cc" xsi:nil="true"/>
-    <CampaignTagsTaxHTField0 xmlns="4873beb7-5857-4685-be1f-d57550cc96cc">
-      <Terms xmlns="http://schemas.microsoft.com/office/infopath/2007/PartnerControls"/>
-    </CampaignTagsTaxHTField0>
-    <LocLastLocAttemptVersionLookup xmlns="4873beb7-5857-4685-be1f-d57550cc96cc">116885</LocLastLocAttemptVersionLookup>
-    <LocLastLocAttemptVersionTypeLookup xmlns="4873beb7-5857-4685-be1f-d57550cc96cc" xsi:nil="true"/>
-    <LocOverallPreviewStatusLookup xmlns="4873beb7-5857-4685-be1f-d57550cc96cc" xsi:nil="true"/>
-    <LocOverallPublishStatusLookup xmlns="4873beb7-5857-4685-be1f-d57550cc96cc" xsi:nil="true"/>
-    <TaxCatchAll xmlns="4873beb7-5857-4685-be1f-d57550cc96cc"/>
-    <LocNewPublishedVersionLookup xmlns="4873beb7-5857-4685-be1f-d57550cc96cc" xsi:nil="true"/>
-    <LocPublishedDependentAssetsLookup xmlns="4873beb7-5857-4685-be1f-d57550cc96cc" xsi:nil="true"/>
-    <LocComments xmlns="4873beb7-5857-4685-be1f-d57550cc96cc" xsi:nil="true"/>
-    <LocProcessedForMarketsLookup xmlns="4873beb7-5857-4685-be1f-d57550cc96cc" xsi:nil="true"/>
-    <LocRecommendedHandoff xmlns="4873beb7-5857-4685-be1f-d57550cc96cc" xsi:nil="true"/>
-    <LocManualTestRequired xmlns="4873beb7-5857-4685-be1f-d57550cc96cc" xsi:nil="true"/>
-    <LocProcessedForHandoffsLookup xmlns="4873beb7-5857-4685-be1f-d57550cc96cc" xsi:nil="true"/>
-    <LocOverallHandbackStatusLookup xmlns="4873beb7-5857-4685-be1f-d57550cc96cc" xsi:nil="true"/>
-    <LocalizationTagsTaxHTField0 xmlns="4873beb7-5857-4685-be1f-d57550cc96cc">
-      <Terms xmlns="http://schemas.microsoft.com/office/infopath/2007/PartnerControls"/>
-    </LocalizationTagsTaxHTField0>
-    <FeatureTagsTaxHTField0 xmlns="4873beb7-5857-4685-be1f-d57550cc96cc">
-      <Terms xmlns="http://schemas.microsoft.com/office/infopath/2007/PartnerControls"/>
-    </FeatureTagsTaxHTField0>
-    <LocOverallLocStatusLookup xmlns="4873beb7-5857-4685-be1f-d57550cc96cc" xsi:nil="true"/>
-    <LocPublishedLinkedAssetsLookup xmlns="4873beb7-5857-4685-be1f-d57550cc96cc" xsi:nil="true"/>
-    <InternalTagsTaxHTField0 xmlns="4873beb7-5857-4685-be1f-d57550cc96cc">
-      <Terms xmlns="http://schemas.microsoft.com/office/infopath/2007/PartnerControls"/>
-    </InternalTagsTaxHTField0>
-    <RecommendationsModifier xmlns="4873beb7-5857-4685-be1f-d57550cc96cc" xsi:nil="true"/>
-    <ScenarioTagsTaxHTField0 xmlns="4873beb7-5857-4685-be1f-d57550cc96cc">
-      <Terms xmlns="http://schemas.microsoft.com/office/infopath/2007/PartnerControls"/>
-    </ScenarioTagsTaxHTField0>
-    <OriginalRelease xmlns="4873beb7-5857-4685-be1f-d57550cc96cc">14</OriginalRelease>
-    <LocMarketGroupTiers2 xmlns="4873beb7-5857-4685-be1f-d57550cc96cc" xsi:nil="true"/>
-  </documentManagement>
-</p:properties>
-</file>
-
-<file path=customXml/item2.xml><?xml version="1.0" encoding="utf-8"?>
-<?mso-contentType ?>
-<FormTemplates xmlns="http://schemas.microsoft.com/sharepoint/v3/contenttype/forms">
-  <Display>DocumentLibraryForm</Display>
-  <Edit>AssetEditForm</Edit>
-  <New>DocumentLibraryForm</New>
-</FormTemplates>
-</file>
-
-<file path=customXml/item3.xml><?xml version="1.0" encoding="utf-8"?>
 <ct:contentTypeSchema xmlns:ct="http://schemas.microsoft.com/office/2006/metadata/contentType" xmlns:ma="http://schemas.microsoft.com/office/2006/metadata/properties/metaAttributes" ct:_="" ma:_="" ma:contentTypeName="TemplateFile" ma:contentTypeID="0x0101006EDDDB5EE6D98C44930B742096920B300400F5B6D36B3EF94B4E9A635CDF2A18F5B8" ma:contentTypeVersion="72" ma:contentTypeDescription="Create a new document." ma:contentTypeScope="" ma:versionID="a23e56308344d904b51738559c3d67c9">
   <xsd:schema xmlns:xsd="http://www.w3.org/2001/XMLSchema" xmlns:xs="http://www.w3.org/2001/XMLSchema" xmlns:p="http://schemas.microsoft.com/office/2006/metadata/properties" xmlns:ns2="4873beb7-5857-4685-be1f-d57550cc96cc" targetNamespace="http://schemas.microsoft.com/office/2006/metadata/properties" ma:root="true" ma:fieldsID="cd0908cc4600e77bf5da051303e00c8d" ns2:_="">
     <xsd:import namespace="4873beb7-5857-4685-be1f-d57550cc96cc"/>
@@ -9947,7 +15689,172 @@
 </ct:contentTypeSchema>
 </file>
 
+<file path=customXml/item2.xml><?xml version="1.0" encoding="utf-8"?>
+<p:properties xmlns:p="http://schemas.microsoft.com/office/2006/metadata/properties" xmlns:xsi="http://www.w3.org/2001/XMLSchema-instance" xmlns:pc="http://schemas.microsoft.com/office/infopath/2007/PartnerControls">
+  <documentManagement>
+    <MarketSpecific xmlns="4873beb7-5857-4685-be1f-d57550cc96cc" xsi:nil="true"/>
+    <ApprovalStatus xmlns="4873beb7-5857-4685-be1f-d57550cc96cc">InProgress</ApprovalStatus>
+    <DirectSourceMarket xmlns="4873beb7-5857-4685-be1f-d57550cc96cc" xsi:nil="true"/>
+    <PrimaryImageGen xmlns="4873beb7-5857-4685-be1f-d57550cc96cc">true</PrimaryImageGen>
+    <ThumbnailAssetId xmlns="4873beb7-5857-4685-be1f-d57550cc96cc" xsi:nil="true"/>
+    <NumericId xmlns="4873beb7-5857-4685-be1f-d57550cc96cc">-1</NumericId>
+    <TPFriendlyName xmlns="4873beb7-5857-4685-be1f-d57550cc96cc">Staff training presentation</TPFriendlyName>
+    <BusinessGroup xmlns="4873beb7-5857-4685-be1f-d57550cc96cc" xsi:nil="true"/>
+    <APEditor xmlns="4873beb7-5857-4685-be1f-d57550cc96cc">
+      <UserInfo>
+        <DisplayName>REDMOND\v-luannv</DisplayName>
+        <AccountId>92</AccountId>
+        <AccountType/>
+      </UserInfo>
+    </APEditor>
+    <SourceTitle xmlns="4873beb7-5857-4685-be1f-d57550cc96cc">Staff training presentation</SourceTitle>
+    <OpenTemplate xmlns="4873beb7-5857-4685-be1f-d57550cc96cc">true</OpenTemplate>
+    <UALocComments xmlns="4873beb7-5857-4685-be1f-d57550cc96cc" xsi:nil="true"/>
+    <ParentAssetId xmlns="4873beb7-5857-4685-be1f-d57550cc96cc" xsi:nil="true"/>
+    <IntlLangReviewDate xmlns="4873beb7-5857-4685-be1f-d57550cc96cc" xsi:nil="true"/>
+    <PublishStatusLookup xmlns="4873beb7-5857-4685-be1f-d57550cc96cc">
+      <Value>264800</Value>
+      <Value>1317039</Value>
+    </PublishStatusLookup>
+    <MachineTranslated xmlns="4873beb7-5857-4685-be1f-d57550cc96cc">false</MachineTranslated>
+    <OriginalSourceMarket xmlns="4873beb7-5857-4685-be1f-d57550cc96cc" xsi:nil="true"/>
+    <TPInstallLocation xmlns="4873beb7-5857-4685-be1f-d57550cc96cc">{My Templates}</TPInstallLocation>
+    <APDescription xmlns="4873beb7-5857-4685-be1f-d57550cc96cc" xsi:nil="true"/>
+    <ContentItem xmlns="4873beb7-5857-4685-be1f-d57550cc96cc" xsi:nil="true"/>
+    <ClipArtFilename xmlns="4873beb7-5857-4685-be1f-d57550cc96cc" xsi:nil="true"/>
+    <APAuthor xmlns="4873beb7-5857-4685-be1f-d57550cc96cc">
+      <UserInfo>
+        <DisplayName>REDMOND\cynvey</DisplayName>
+        <AccountId>191</AccountId>
+        <AccountType/>
+      </UserInfo>
+    </APAuthor>
+    <TPAppVersion xmlns="4873beb7-5857-4685-be1f-d57550cc96cc">11</TPAppVersion>
+    <TPCommandLine xmlns="4873beb7-5857-4685-be1f-d57550cc96cc">{PP} /n {FilePath}</TPCommandLine>
+    <PublishTargets xmlns="4873beb7-5857-4685-be1f-d57550cc96cc">OfficeOnline</PublishTargets>
+    <TPLaunchHelpLinkType xmlns="4873beb7-5857-4685-be1f-d57550cc96cc">Template</TPLaunchHelpLinkType>
+    <TimesCloned xmlns="4873beb7-5857-4685-be1f-d57550cc96cc" xsi:nil="true"/>
+    <EditorialStatus xmlns="4873beb7-5857-4685-be1f-d57550cc96cc" xsi:nil="true"/>
+    <LastModifiedDateTime xmlns="4873beb7-5857-4685-be1f-d57550cc96cc" xsi:nil="true"/>
+    <Provider xmlns="4873beb7-5857-4685-be1f-d57550cc96cc">EY006220130</Provider>
+    <AcquiredFrom xmlns="4873beb7-5857-4685-be1f-d57550cc96cc" xsi:nil="true"/>
+    <AssetStart xmlns="4873beb7-5857-4685-be1f-d57550cc96cc">2009-05-30T20:43:57+00:00</AssetStart>
+    <LastHandOff xmlns="4873beb7-5857-4685-be1f-d57550cc96cc" xsi:nil="true"/>
+    <ArtSampleDocs xmlns="4873beb7-5857-4685-be1f-d57550cc96cc" xsi:nil="true"/>
+    <TPClientViewer xmlns="4873beb7-5857-4685-be1f-d57550cc96cc">Microsoft Office PowerPoint</TPClientViewer>
+    <UACurrentWords xmlns="4873beb7-5857-4685-be1f-d57550cc96cc">0</UACurrentWords>
+    <UALocRecommendation xmlns="4873beb7-5857-4685-be1f-d57550cc96cc">Localize</UALocRecommendation>
+    <IsDeleted xmlns="4873beb7-5857-4685-be1f-d57550cc96cc">false</IsDeleted>
+    <UANotes xmlns="4873beb7-5857-4685-be1f-d57550cc96cc">online onlyFedEx</UANotes>
+    <TemplateStatus xmlns="4873beb7-5857-4685-be1f-d57550cc96cc">Complete</TemplateStatus>
+    <ShowIn xmlns="4873beb7-5857-4685-be1f-d57550cc96cc" xsi:nil="true"/>
+    <CSXHash xmlns="4873beb7-5857-4685-be1f-d57550cc96cc" xsi:nil="true"/>
+    <VoteCount xmlns="4873beb7-5857-4685-be1f-d57550cc96cc" xsi:nil="true"/>
+    <AssetExpire xmlns="4873beb7-5857-4685-be1f-d57550cc96cc">2100-01-01T00:00:00+00:00</AssetExpire>
+    <CSXSubmissionMarket xmlns="4873beb7-5857-4685-be1f-d57550cc96cc" xsi:nil="true"/>
+    <DSATActionTaken xmlns="4873beb7-5857-4685-be1f-d57550cc96cc" xsi:nil="true"/>
+    <TPExecutable xmlns="4873beb7-5857-4685-be1f-d57550cc96cc" xsi:nil="true"/>
+    <SubmitterId xmlns="4873beb7-5857-4685-be1f-d57550cc96cc" xsi:nil="true"/>
+    <AssetType xmlns="4873beb7-5857-4685-be1f-d57550cc96cc">TP</AssetType>
+    <CSXSubmissionDate xmlns="4873beb7-5857-4685-be1f-d57550cc96cc" xsi:nil="true"/>
+    <CSXUpdate xmlns="4873beb7-5857-4685-be1f-d57550cc96cc">false</CSXUpdate>
+    <ApprovalLog xmlns="4873beb7-5857-4685-be1f-d57550cc96cc" xsi:nil="true"/>
+    <BugNumber xmlns="4873beb7-5857-4685-be1f-d57550cc96cc" xsi:nil="true"/>
+    <Milestone xmlns="4873beb7-5857-4685-be1f-d57550cc96cc" xsi:nil="true"/>
+    <OriginAsset xmlns="4873beb7-5857-4685-be1f-d57550cc96cc" xsi:nil="true"/>
+    <TPComponent xmlns="4873beb7-5857-4685-be1f-d57550cc96cc">PPTFiles</TPComponent>
+    <AssetId xmlns="4873beb7-5857-4685-be1f-d57550cc96cc">TP010167128</AssetId>
+    <TPApplication xmlns="4873beb7-5857-4685-be1f-d57550cc96cc">PowerPoint</TPApplication>
+    <TPLaunchHelpLink xmlns="4873beb7-5857-4685-be1f-d57550cc96cc" xsi:nil="true"/>
+    <IntlLocPriority xmlns="4873beb7-5857-4685-be1f-d57550cc96cc" xsi:nil="true"/>
+    <CrawlForDependencies xmlns="4873beb7-5857-4685-be1f-d57550cc96cc">false</CrawlForDependencies>
+    <IntlLangReviewer xmlns="4873beb7-5857-4685-be1f-d57550cc96cc" xsi:nil="true"/>
+    <HandoffToMSDN xmlns="4873beb7-5857-4685-be1f-d57550cc96cc" xsi:nil="true"/>
+    <PlannedPubDate xmlns="4873beb7-5857-4685-be1f-d57550cc96cc" xsi:nil="true"/>
+    <TrustLevel xmlns="4873beb7-5857-4685-be1f-d57550cc96cc">1 Microsoft Managed Content</TrustLevel>
+    <IsSearchable xmlns="4873beb7-5857-4685-be1f-d57550cc96cc">false</IsSearchable>
+    <TPNamespace xmlns="4873beb7-5857-4685-be1f-d57550cc96cc">POWERPNT</TPNamespace>
+    <Markets xmlns="4873beb7-5857-4685-be1f-d57550cc96cc"/>
+    <IntlLangReview xmlns="4873beb7-5857-4685-be1f-d57550cc96cc" xsi:nil="true"/>
+    <UAProjectedTotalWords xmlns="4873beb7-5857-4685-be1f-d57550cc96cc" xsi:nil="true"/>
+    <OutputCachingOn xmlns="4873beb7-5857-4685-be1f-d57550cc96cc">false</OutputCachingOn>
+    <AverageRating xmlns="4873beb7-5857-4685-be1f-d57550cc96cc" xsi:nil="true"/>
+    <LastPublishResultLookup xmlns="4873beb7-5857-4685-be1f-d57550cc96cc" xsi:nil="true"/>
+    <PolicheckWords xmlns="4873beb7-5857-4685-be1f-d57550cc96cc" xsi:nil="true"/>
+    <FriendlyTitle xmlns="4873beb7-5857-4685-be1f-d57550cc96cc" xsi:nil="true"/>
+    <Manager xmlns="4873beb7-5857-4685-be1f-d57550cc96cc" xsi:nil="true"/>
+    <EditorialTags xmlns="4873beb7-5857-4685-be1f-d57550cc96cc" xsi:nil="true"/>
+    <LegacyData xmlns="4873beb7-5857-4685-be1f-d57550cc96cc" xsi:nil="true"/>
+    <Downloads xmlns="4873beb7-5857-4685-be1f-d57550cc96cc">0</Downloads>
+    <Providers xmlns="4873beb7-5857-4685-be1f-d57550cc96cc" xsi:nil="true"/>
+    <TemplateTemplateType xmlns="4873beb7-5857-4685-be1f-d57550cc96cc">PowerPoint 2003 Default</TemplateTemplateType>
+    <OOCacheId xmlns="4873beb7-5857-4685-be1f-d57550cc96cc" xsi:nil="true"/>
+    <BlockPublish xmlns="4873beb7-5857-4685-be1f-d57550cc96cc" xsi:nil="true"/>
+    <CampaignTagsTaxHTField0 xmlns="4873beb7-5857-4685-be1f-d57550cc96cc">
+      <Terms xmlns="http://schemas.microsoft.com/office/infopath/2007/PartnerControls"/>
+    </CampaignTagsTaxHTField0>
+    <LocLastLocAttemptVersionLookup xmlns="4873beb7-5857-4685-be1f-d57550cc96cc">116885</LocLastLocAttemptVersionLookup>
+    <LocLastLocAttemptVersionTypeLookup xmlns="4873beb7-5857-4685-be1f-d57550cc96cc" xsi:nil="true"/>
+    <LocOverallPreviewStatusLookup xmlns="4873beb7-5857-4685-be1f-d57550cc96cc" xsi:nil="true"/>
+    <LocOverallPublishStatusLookup xmlns="4873beb7-5857-4685-be1f-d57550cc96cc" xsi:nil="true"/>
+    <TaxCatchAll xmlns="4873beb7-5857-4685-be1f-d57550cc96cc"/>
+    <LocNewPublishedVersionLookup xmlns="4873beb7-5857-4685-be1f-d57550cc96cc" xsi:nil="true"/>
+    <LocPublishedDependentAssetsLookup xmlns="4873beb7-5857-4685-be1f-d57550cc96cc" xsi:nil="true"/>
+    <LocComments xmlns="4873beb7-5857-4685-be1f-d57550cc96cc" xsi:nil="true"/>
+    <LocProcessedForMarketsLookup xmlns="4873beb7-5857-4685-be1f-d57550cc96cc" xsi:nil="true"/>
+    <LocRecommendedHandoff xmlns="4873beb7-5857-4685-be1f-d57550cc96cc" xsi:nil="true"/>
+    <LocManualTestRequired xmlns="4873beb7-5857-4685-be1f-d57550cc96cc" xsi:nil="true"/>
+    <LocProcessedForHandoffsLookup xmlns="4873beb7-5857-4685-be1f-d57550cc96cc" xsi:nil="true"/>
+    <LocOverallHandbackStatusLookup xmlns="4873beb7-5857-4685-be1f-d57550cc96cc" xsi:nil="true"/>
+    <LocalizationTagsTaxHTField0 xmlns="4873beb7-5857-4685-be1f-d57550cc96cc">
+      <Terms xmlns="http://schemas.microsoft.com/office/infopath/2007/PartnerControls"/>
+    </LocalizationTagsTaxHTField0>
+    <FeatureTagsTaxHTField0 xmlns="4873beb7-5857-4685-be1f-d57550cc96cc">
+      <Terms xmlns="http://schemas.microsoft.com/office/infopath/2007/PartnerControls"/>
+    </FeatureTagsTaxHTField0>
+    <LocOverallLocStatusLookup xmlns="4873beb7-5857-4685-be1f-d57550cc96cc" xsi:nil="true"/>
+    <LocPublishedLinkedAssetsLookup xmlns="4873beb7-5857-4685-be1f-d57550cc96cc" xsi:nil="true"/>
+    <InternalTagsTaxHTField0 xmlns="4873beb7-5857-4685-be1f-d57550cc96cc">
+      <Terms xmlns="http://schemas.microsoft.com/office/infopath/2007/PartnerControls"/>
+    </InternalTagsTaxHTField0>
+    <RecommendationsModifier xmlns="4873beb7-5857-4685-be1f-d57550cc96cc" xsi:nil="true"/>
+    <ScenarioTagsTaxHTField0 xmlns="4873beb7-5857-4685-be1f-d57550cc96cc">
+      <Terms xmlns="http://schemas.microsoft.com/office/infopath/2007/PartnerControls"/>
+    </ScenarioTagsTaxHTField0>
+    <OriginalRelease xmlns="4873beb7-5857-4685-be1f-d57550cc96cc">14</OriginalRelease>
+    <LocMarketGroupTiers2 xmlns="4873beb7-5857-4685-be1f-d57550cc96cc" xsi:nil="true"/>
+  </documentManagement>
+</p:properties>
+</file>
+
+<file path=customXml/item3.xml><?xml version="1.0" encoding="utf-8"?>
+<?mso-contentType ?>
+<FormTemplates xmlns="http://schemas.microsoft.com/sharepoint/v3/contenttype/forms">
+  <Display>DocumentLibraryForm</Display>
+  <Edit>AssetEditForm</Edit>
+  <New>DocumentLibraryForm</New>
+</FormTemplates>
+</file>
+
 <file path=customXml/itemProps1.xml><?xml version="1.0" encoding="utf-8"?>
+<ds:datastoreItem xmlns:ds="http://schemas.openxmlformats.org/officeDocument/2006/customXml" ds:itemID="{1CBA9694-26DF-45B8-BF2C-F755491EF262}">
+  <ds:schemaRefs>
+    <ds:schemaRef ds:uri="http://schemas.microsoft.com/office/2006/metadata/contentType"/>
+    <ds:schemaRef ds:uri="http://schemas.microsoft.com/office/2006/metadata/properties/metaAttributes"/>
+    <ds:schemaRef ds:uri="http://www.w3.org/2001/XMLSchema"/>
+    <ds:schemaRef ds:uri="http://schemas.microsoft.com/office/2006/metadata/properties"/>
+    <ds:schemaRef ds:uri="4873beb7-5857-4685-be1f-d57550cc96cc"/>
+    <ds:schemaRef ds:uri="http://schemas.microsoft.com/office/2006/documentManagement/types"/>
+    <ds:schemaRef ds:uri="http://schemas.microsoft.com/office/infopath/2007/PartnerControls"/>
+    <ds:schemaRef ds:uri="http://schemas.openxmlformats.org/package/2006/metadata/core-properties"/>
+    <ds:schemaRef ds:uri="http://purl.org/dc/elements/1.1/"/>
+    <ds:schemaRef ds:uri="http://purl.org/dc/terms/"/>
+    <ds:schemaRef ds:uri="http://schemas.microsoft.com/internal/obd"/>
+  </ds:schemaRefs>
+</ds:datastoreItem>
+</file>
+
+<file path=customXml/itemProps2.xml><?xml version="1.0" encoding="utf-8"?>
 <ds:datastoreItem xmlns:ds="http://schemas.openxmlformats.org/officeDocument/2006/customXml" ds:itemID="{4AC7D299-2CAB-46D2-9D27-21E1A60B59DD}">
   <ds:schemaRefs>
     <ds:schemaRef ds:uri="http://purl.org/dc/terms/"/>
@@ -9963,28 +15870,10 @@
 </ds:datastoreItem>
 </file>
 
-<file path=customXml/itemProps2.xml><?xml version="1.0" encoding="utf-8"?>
+<file path=customXml/itemProps3.xml><?xml version="1.0" encoding="utf-8"?>
 <ds:datastoreItem xmlns:ds="http://schemas.openxmlformats.org/officeDocument/2006/customXml" ds:itemID="{03C36621-6C65-4A61-A938-FD74A2B05B6D}">
   <ds:schemaRefs>
     <ds:schemaRef ds:uri="http://schemas.microsoft.com/sharepoint/v3/contenttype/forms"/>
   </ds:schemaRefs>
 </ds:datastoreItem>
-</file>
-
-<file path=customXml/itemProps3.xml><?xml version="1.0" encoding="utf-8"?>
-<ds:datastoreItem xmlns:ds="http://schemas.openxmlformats.org/officeDocument/2006/customXml" ds:itemID="{1CBA9694-26DF-45B8-BF2C-F755491EF262}">
-  <ds:schemaRefs>
-    <ds:schemaRef ds:uri="http://schemas.microsoft.com/office/2006/metadata/contentType"/>
-    <ds:schemaRef ds:uri="http://schemas.microsoft.com/office/2006/metadata/properties/metaAttributes"/>
-    <ds:schemaRef ds:uri="http://www.w3.org/2001/XMLSchema"/>
-    <ds:schemaRef ds:uri="http://schemas.microsoft.com/office/2006/metadata/properties"/>
-    <ds:schemaRef ds:uri="4873beb7-5857-4685-be1f-d57550cc96cc"/>
-    <ds:schemaRef ds:uri="http://schemas.microsoft.com/office/2006/documentManagement/types"/>
-    <ds:schemaRef ds:uri="http://schemas.microsoft.com/office/infopath/2007/PartnerControls"/>
-    <ds:schemaRef ds:uri="http://schemas.openxmlformats.org/package/2006/metadata/core-properties"/>
-    <ds:schemaRef ds:uri="http://purl.org/dc/elements/1.1/"/>
-    <ds:schemaRef ds:uri="http://purl.org/dc/terms/"/>
-    <ds:schemaRef ds:uri="http://schemas.microsoft.com/internal/obd"/>
-  </ds:schemaRefs>
-</ds:datastoreItem>
 </file>